--- a/pdpython_model/Setup and Run Instructions.pptx
+++ b/pdpython_model/Setup and Run Instructions.pptx
@@ -1,31 +1,31 @@
 
 <file path=ppt/presentation.xml><?xml version="1.0" encoding="utf-8"?>
-<p:presentation xmlns:a="http://schemas.openxmlformats.org/drawingml/2006/main" xmlns:r="http://schemas.openxmlformats.org/officeDocument/2006/relationships" xmlns:mc="http://schemas.openxmlformats.org/markup-compatibility/2006" xmlns:mv="urn:schemas-microsoft-com:mac:vml" xmlns:p="http://schemas.openxmlformats.org/presentationml/2006/main" xmlns:c="http://schemas.openxmlformats.org/drawingml/2006/chart" xmlns:dgm="http://schemas.openxmlformats.org/drawingml/2006/diagram" xmlns:o="urn:schemas-microsoft-com:office:office" xmlns:v="urn:schemas-microsoft-com:vml" xmlns:pvml="urn:schemas-microsoft-com:office:powerpoint" xmlns:com="http://schemas.openxmlformats.org/drawingml/2006/compatibility" xmlns:p14="http://schemas.microsoft.com/office/powerpoint/2010/main" xmlns:p15="http://schemas.microsoft.com/office/powerpoint/2012/main" xmlns:ahyp="http://schemas.microsoft.com/office/drawing/2018/hyperlinkcolor" autoCompressPictures="0" strictFirstAndLastChars="0" saveSubsetFonts="1">
+<p:presentation xmlns:a="http://schemas.openxmlformats.org/drawingml/2006/main" xmlns:r="http://schemas.openxmlformats.org/officeDocument/2006/relationships" xmlns:p="http://schemas.openxmlformats.org/presentationml/2006/main" strictFirstAndLastChars="0" saveSubsetFonts="1" autoCompressPictures="0">
   <p:sldMasterIdLst>
-    <p:sldMasterId id="2147483659" r:id="rId4"/>
+    <p:sldMasterId id="2147483659" r:id="rId1"/>
   </p:sldMasterIdLst>
   <p:notesMasterIdLst>
-    <p:notesMasterId r:id="rId5"/>
+    <p:notesMasterId r:id="rId15"/>
   </p:notesMasterIdLst>
   <p:sldIdLst>
-    <p:sldId id="256" r:id="rId6"/>
-    <p:sldId id="257" r:id="rId7"/>
-    <p:sldId id="258" r:id="rId8"/>
-    <p:sldId id="259" r:id="rId9"/>
-    <p:sldId id="260" r:id="rId10"/>
-    <p:sldId id="261" r:id="rId11"/>
-    <p:sldId id="262" r:id="rId12"/>
-    <p:sldId id="263" r:id="rId13"/>
-    <p:sldId id="264" r:id="rId14"/>
-    <p:sldId id="265" r:id="rId15"/>
-    <p:sldId id="266" r:id="rId16"/>
-    <p:sldId id="267" r:id="rId17"/>
-    <p:sldId id="268" r:id="rId18"/>
+    <p:sldId id="256" r:id="rId2"/>
+    <p:sldId id="257" r:id="rId3"/>
+    <p:sldId id="258" r:id="rId4"/>
+    <p:sldId id="259" r:id="rId5"/>
+    <p:sldId id="260" r:id="rId6"/>
+    <p:sldId id="261" r:id="rId7"/>
+    <p:sldId id="262" r:id="rId8"/>
+    <p:sldId id="263" r:id="rId9"/>
+    <p:sldId id="264" r:id="rId10"/>
+    <p:sldId id="265" r:id="rId11"/>
+    <p:sldId id="266" r:id="rId12"/>
+    <p:sldId id="267" r:id="rId13"/>
+    <p:sldId id="268" r:id="rId14"/>
   </p:sldIdLst>
-  <p:sldSz cy="5143500" cx="9144000"/>
+  <p:sldSz cx="9144000" cy="5143500" type="screen16x9"/>
   <p:notesSz cx="6858000" cy="9144000"/>
   <p:defaultTextStyle>
-    <a:defPPr lvl="0" marR="0" rtl="0" algn="l">
+    <a:defPPr marR="0" lvl="0" algn="l" rtl="0">
       <a:lnSpc>
         <a:spcPct val="100000"/>
       </a:lnSpc>
@@ -36,7 +36,7 @@
         <a:spcPts val="0"/>
       </a:spcAft>
     </a:defPPr>
-    <a:lvl1pPr lvl="0" marR="0" rtl="0" algn="l">
+    <a:lvl1pPr marR="0" lvl="0" algn="l" rtl="0">
       <a:lnSpc>
         <a:spcPct val="100000"/>
       </a:lnSpc>
@@ -50,7 +50,7 @@
         <a:srgbClr val="000000"/>
       </a:buClr>
       <a:buFont typeface="Arial"/>
-      <a:defRPr b="0" i="0" sz="1400" u="none" cap="none" strike="noStrike">
+      <a:defRPr sz="1400" b="0" i="0" u="none" strike="noStrike" cap="none">
         <a:solidFill>
           <a:srgbClr val="000000"/>
         </a:solidFill>
@@ -60,7 +60,7 @@
         <a:sym typeface="Arial"/>
       </a:defRPr>
     </a:lvl1pPr>
-    <a:lvl2pPr lvl="1" marR="0" rtl="0" algn="l">
+    <a:lvl2pPr marR="0" lvl="1" algn="l" rtl="0">
       <a:lnSpc>
         <a:spcPct val="100000"/>
       </a:lnSpc>
@@ -74,7 +74,7 @@
         <a:srgbClr val="000000"/>
       </a:buClr>
       <a:buFont typeface="Arial"/>
-      <a:defRPr b="0" i="0" sz="1400" u="none" cap="none" strike="noStrike">
+      <a:defRPr sz="1400" b="0" i="0" u="none" strike="noStrike" cap="none">
         <a:solidFill>
           <a:srgbClr val="000000"/>
         </a:solidFill>
@@ -84,7 +84,7 @@
         <a:sym typeface="Arial"/>
       </a:defRPr>
     </a:lvl2pPr>
-    <a:lvl3pPr lvl="2" marR="0" rtl="0" algn="l">
+    <a:lvl3pPr marR="0" lvl="2" algn="l" rtl="0">
       <a:lnSpc>
         <a:spcPct val="100000"/>
       </a:lnSpc>
@@ -98,7 +98,7 @@
         <a:srgbClr val="000000"/>
       </a:buClr>
       <a:buFont typeface="Arial"/>
-      <a:defRPr b="0" i="0" sz="1400" u="none" cap="none" strike="noStrike">
+      <a:defRPr sz="1400" b="0" i="0" u="none" strike="noStrike" cap="none">
         <a:solidFill>
           <a:srgbClr val="000000"/>
         </a:solidFill>
@@ -108,7 +108,7 @@
         <a:sym typeface="Arial"/>
       </a:defRPr>
     </a:lvl3pPr>
-    <a:lvl4pPr lvl="3" marR="0" rtl="0" algn="l">
+    <a:lvl4pPr marR="0" lvl="3" algn="l" rtl="0">
       <a:lnSpc>
         <a:spcPct val="100000"/>
       </a:lnSpc>
@@ -122,7 +122,7 @@
         <a:srgbClr val="000000"/>
       </a:buClr>
       <a:buFont typeface="Arial"/>
-      <a:defRPr b="0" i="0" sz="1400" u="none" cap="none" strike="noStrike">
+      <a:defRPr sz="1400" b="0" i="0" u="none" strike="noStrike" cap="none">
         <a:solidFill>
           <a:srgbClr val="000000"/>
         </a:solidFill>
@@ -132,7 +132,7 @@
         <a:sym typeface="Arial"/>
       </a:defRPr>
     </a:lvl4pPr>
-    <a:lvl5pPr lvl="4" marR="0" rtl="0" algn="l">
+    <a:lvl5pPr marR="0" lvl="4" algn="l" rtl="0">
       <a:lnSpc>
         <a:spcPct val="100000"/>
       </a:lnSpc>
@@ -146,7 +146,7 @@
         <a:srgbClr val="000000"/>
       </a:buClr>
       <a:buFont typeface="Arial"/>
-      <a:defRPr b="0" i="0" sz="1400" u="none" cap="none" strike="noStrike">
+      <a:defRPr sz="1400" b="0" i="0" u="none" strike="noStrike" cap="none">
         <a:solidFill>
           <a:srgbClr val="000000"/>
         </a:solidFill>
@@ -156,7 +156,7 @@
         <a:sym typeface="Arial"/>
       </a:defRPr>
     </a:lvl5pPr>
-    <a:lvl6pPr lvl="5" marR="0" rtl="0" algn="l">
+    <a:lvl6pPr marR="0" lvl="5" algn="l" rtl="0">
       <a:lnSpc>
         <a:spcPct val="100000"/>
       </a:lnSpc>
@@ -170,7 +170,7 @@
         <a:srgbClr val="000000"/>
       </a:buClr>
       <a:buFont typeface="Arial"/>
-      <a:defRPr b="0" i="0" sz="1400" u="none" cap="none" strike="noStrike">
+      <a:defRPr sz="1400" b="0" i="0" u="none" strike="noStrike" cap="none">
         <a:solidFill>
           <a:srgbClr val="000000"/>
         </a:solidFill>
@@ -180,7 +180,7 @@
         <a:sym typeface="Arial"/>
       </a:defRPr>
     </a:lvl6pPr>
-    <a:lvl7pPr lvl="6" marR="0" rtl="0" algn="l">
+    <a:lvl7pPr marR="0" lvl="6" algn="l" rtl="0">
       <a:lnSpc>
         <a:spcPct val="100000"/>
       </a:lnSpc>
@@ -194,7 +194,7 @@
         <a:srgbClr val="000000"/>
       </a:buClr>
       <a:buFont typeface="Arial"/>
-      <a:defRPr b="0" i="0" sz="1400" u="none" cap="none" strike="noStrike">
+      <a:defRPr sz="1400" b="0" i="0" u="none" strike="noStrike" cap="none">
         <a:solidFill>
           <a:srgbClr val="000000"/>
         </a:solidFill>
@@ -204,7 +204,7 @@
         <a:sym typeface="Arial"/>
       </a:defRPr>
     </a:lvl7pPr>
-    <a:lvl8pPr lvl="7" marR="0" rtl="0" algn="l">
+    <a:lvl8pPr marR="0" lvl="7" algn="l" rtl="0">
       <a:lnSpc>
         <a:spcPct val="100000"/>
       </a:lnSpc>
@@ -218,7 +218,7 @@
         <a:srgbClr val="000000"/>
       </a:buClr>
       <a:buFont typeface="Arial"/>
-      <a:defRPr b="0" i="0" sz="1400" u="none" cap="none" strike="noStrike">
+      <a:defRPr sz="1400" b="0" i="0" u="none" strike="noStrike" cap="none">
         <a:solidFill>
           <a:srgbClr val="000000"/>
         </a:solidFill>
@@ -228,7 +228,7 @@
         <a:sym typeface="Arial"/>
       </a:defRPr>
     </a:lvl8pPr>
-    <a:lvl9pPr lvl="8" marR="0" rtl="0" algn="l">
+    <a:lvl9pPr marR="0" lvl="8" algn="l" rtl="0">
       <a:lnSpc>
         <a:spcPct val="100000"/>
       </a:lnSpc>
@@ -242,7 +242,7 @@
         <a:srgbClr val="000000"/>
       </a:buClr>
       <a:buFont typeface="Arial"/>
-      <a:defRPr b="0" i="0" sz="1400" u="none" cap="none" strike="noStrike">
+      <a:defRPr sz="1400" b="0" i="0" u="none" strike="noStrike" cap="none">
         <a:solidFill>
           <a:srgbClr val="000000"/>
         </a:solidFill>
@@ -255,7 +255,7 @@
   </p:defaultTextStyle>
   <p:extLst>
     <p:ext uri="{EFAFB233-063F-42B5-8137-9DF3F51BA10A}">
-      <p15:sldGuideLst>
+      <p15:sldGuideLst xmlns:p15="http://schemas.microsoft.com/office/powerpoint/2012/main">
         <p15:guide id="1" orient="horz" pos="1620">
           <p15:clr>
             <a:srgbClr val="A4A3A4"/>
@@ -272,12 +272,115 @@
 </p:presentation>
 </file>
 
+<file path=ppt/changesInfos/changesInfo1.xml><?xml version="1.0" encoding="utf-8"?>
+<pc:chgInfo xmlns:a="http://schemas.openxmlformats.org/drawingml/2006/main" xmlns:r="http://schemas.openxmlformats.org/officeDocument/2006/relationships" xmlns:ac="http://schemas.microsoft.com/office/drawing/2013/main/command" xmlns:pc="http://schemas.microsoft.com/office/powerpoint/2013/main/command">
+  <pc:docChgLst>
+    <pc:chgData name="Grace Feehan" userId="244ec274-38e0-4347-bd52-283324a416e2" providerId="ADAL" clId="{EA2D7754-1892-469A-8333-E13836BCDCC3}"/>
+    <pc:docChg chg="custSel modSld">
+      <pc:chgData name="Grace Feehan" userId="244ec274-38e0-4347-bd52-283324a416e2" providerId="ADAL" clId="{EA2D7754-1892-469A-8333-E13836BCDCC3}" dt="2021-09-20T15:34:19.565" v="542" actId="20577"/>
+      <pc:docMkLst>
+        <pc:docMk/>
+      </pc:docMkLst>
+      <pc:sldChg chg="modSp mod">
+        <pc:chgData name="Grace Feehan" userId="244ec274-38e0-4347-bd52-283324a416e2" providerId="ADAL" clId="{EA2D7754-1892-469A-8333-E13836BCDCC3}" dt="2021-09-20T15:32:23.510" v="242" actId="20577"/>
+        <pc:sldMkLst>
+          <pc:docMk/>
+          <pc:sldMk cId="0" sldId="265"/>
+        </pc:sldMkLst>
+        <pc:spChg chg="mod">
+          <ac:chgData name="Grace Feehan" userId="244ec274-38e0-4347-bd52-283324a416e2" providerId="ADAL" clId="{EA2D7754-1892-469A-8333-E13836BCDCC3}" dt="2021-09-20T15:31:21.170" v="30" actId="400"/>
+          <ac:spMkLst>
+            <pc:docMk/>
+            <pc:sldMk cId="0" sldId="265"/>
+            <ac:spMk id="115" creationId="{00000000-0000-0000-0000-000000000000}"/>
+          </ac:spMkLst>
+        </pc:spChg>
+        <pc:spChg chg="mod">
+          <ac:chgData name="Grace Feehan" userId="244ec274-38e0-4347-bd52-283324a416e2" providerId="ADAL" clId="{EA2D7754-1892-469A-8333-E13836BCDCC3}" dt="2021-09-20T15:32:23.510" v="242" actId="20577"/>
+          <ac:spMkLst>
+            <pc:docMk/>
+            <pc:sldMk cId="0" sldId="265"/>
+            <ac:spMk id="117" creationId="{00000000-0000-0000-0000-000000000000}"/>
+          </ac:spMkLst>
+        </pc:spChg>
+      </pc:sldChg>
+      <pc:sldChg chg="modSp mod">
+        <pc:chgData name="Grace Feehan" userId="244ec274-38e0-4347-bd52-283324a416e2" providerId="ADAL" clId="{EA2D7754-1892-469A-8333-E13836BCDCC3}" dt="2021-09-20T15:33:41.208" v="453" actId="20577"/>
+        <pc:sldMkLst>
+          <pc:docMk/>
+          <pc:sldMk cId="0" sldId="266"/>
+        </pc:sldMkLst>
+        <pc:spChg chg="mod">
+          <ac:chgData name="Grace Feehan" userId="244ec274-38e0-4347-bd52-283324a416e2" providerId="ADAL" clId="{EA2D7754-1892-469A-8333-E13836BCDCC3}" dt="2021-09-20T15:30:33.829" v="24" actId="20577"/>
+          <ac:spMkLst>
+            <pc:docMk/>
+            <pc:sldMk cId="0" sldId="266"/>
+            <ac:spMk id="122" creationId="{00000000-0000-0000-0000-000000000000}"/>
+          </ac:spMkLst>
+        </pc:spChg>
+        <pc:spChg chg="mod">
+          <ac:chgData name="Grace Feehan" userId="244ec274-38e0-4347-bd52-283324a416e2" providerId="ADAL" clId="{EA2D7754-1892-469A-8333-E13836BCDCC3}" dt="2021-09-20T15:33:41.208" v="453" actId="20577"/>
+          <ac:spMkLst>
+            <pc:docMk/>
+            <pc:sldMk cId="0" sldId="266"/>
+            <ac:spMk id="123" creationId="{00000000-0000-0000-0000-000000000000}"/>
+          </ac:spMkLst>
+        </pc:spChg>
+      </pc:sldChg>
+      <pc:sldChg chg="modSp mod">
+        <pc:chgData name="Grace Feehan" userId="244ec274-38e0-4347-bd52-283324a416e2" providerId="ADAL" clId="{EA2D7754-1892-469A-8333-E13836BCDCC3}" dt="2021-09-20T15:30:30.564" v="18" actId="20577"/>
+        <pc:sldMkLst>
+          <pc:docMk/>
+          <pc:sldMk cId="0" sldId="267"/>
+        </pc:sldMkLst>
+        <pc:spChg chg="mod">
+          <ac:chgData name="Grace Feehan" userId="244ec274-38e0-4347-bd52-283324a416e2" providerId="ADAL" clId="{EA2D7754-1892-469A-8333-E13836BCDCC3}" dt="2021-09-20T15:30:30.564" v="18" actId="20577"/>
+          <ac:spMkLst>
+            <pc:docMk/>
+            <pc:sldMk cId="0" sldId="267"/>
+            <ac:spMk id="130" creationId="{00000000-0000-0000-0000-000000000000}"/>
+          </ac:spMkLst>
+        </pc:spChg>
+        <pc:spChg chg="mod">
+          <ac:chgData name="Grace Feehan" userId="244ec274-38e0-4347-bd52-283324a416e2" providerId="ADAL" clId="{EA2D7754-1892-469A-8333-E13836BCDCC3}" dt="2021-09-20T15:30:23.423" v="11" actId="20577"/>
+          <ac:spMkLst>
+            <pc:docMk/>
+            <pc:sldMk cId="0" sldId="267"/>
+            <ac:spMk id="131" creationId="{00000000-0000-0000-0000-000000000000}"/>
+          </ac:spMkLst>
+        </pc:spChg>
+      </pc:sldChg>
+      <pc:sldChg chg="modSp mod">
+        <pc:chgData name="Grace Feehan" userId="244ec274-38e0-4347-bd52-283324a416e2" providerId="ADAL" clId="{EA2D7754-1892-469A-8333-E13836BCDCC3}" dt="2021-09-20T15:34:19.565" v="542" actId="20577"/>
+        <pc:sldMkLst>
+          <pc:docMk/>
+          <pc:sldMk cId="0" sldId="268"/>
+        </pc:sldMkLst>
+        <pc:spChg chg="mod">
+          <ac:chgData name="Grace Feehan" userId="244ec274-38e0-4347-bd52-283324a416e2" providerId="ADAL" clId="{EA2D7754-1892-469A-8333-E13836BCDCC3}" dt="2021-09-20T15:34:19.565" v="542" actId="20577"/>
+          <ac:spMkLst>
+            <pc:docMk/>
+            <pc:sldMk cId="0" sldId="268"/>
+            <ac:spMk id="139" creationId="{00000000-0000-0000-0000-000000000000}"/>
+          </ac:spMkLst>
+        </pc:spChg>
+      </pc:sldChg>
+    </pc:docChg>
+  </pc:docChgLst>
+</pc:chgInfo>
+</file>
+
 <file path=ppt/notesMasters/notesMaster1.xml><?xml version="1.0" encoding="utf-8"?>
-<p:notesMaster xmlns:a="http://schemas.openxmlformats.org/drawingml/2006/main" xmlns:r="http://schemas.openxmlformats.org/officeDocument/2006/relationships" xmlns:mc="http://schemas.openxmlformats.org/markup-compatibility/2006" xmlns:mv="urn:schemas-microsoft-com:mac:vml" xmlns:p="http://schemas.openxmlformats.org/presentationml/2006/main" xmlns:c="http://schemas.openxmlformats.org/drawingml/2006/chart" xmlns:dgm="http://schemas.openxmlformats.org/drawingml/2006/diagram" xmlns:o="urn:schemas-microsoft-com:office:office" xmlns:v="urn:schemas-microsoft-com:vml" xmlns:pvml="urn:schemas-microsoft-com:office:powerpoint" xmlns:com="http://schemas.openxmlformats.org/drawingml/2006/compatibility" xmlns:p14="http://schemas.microsoft.com/office/powerpoint/2010/main" xmlns:p15="http://schemas.microsoft.com/office/powerpoint/2012/main" xmlns:ahyp="http://schemas.microsoft.com/office/drawing/2018/hyperlinkcolor">
+<p:notesMaster xmlns:a="http://schemas.openxmlformats.org/drawingml/2006/main" xmlns:r="http://schemas.openxmlformats.org/officeDocument/2006/relationships" xmlns:p="http://schemas.openxmlformats.org/presentationml/2006/main">
   <p:cSld>
+    <p:bg>
+      <p:bgRef idx="1001">
+        <a:schemeClr val="bg1"/>
+      </p:bgRef>
+    </p:bg>
     <p:spTree>
       <p:nvGrpSpPr>
-        <p:cNvPr id="2" name="Shape 2"/>
+        <p:cNvPr id="1" name="Shape 2"/>
         <p:cNvGrpSpPr/>
         <p:nvPr/>
       </p:nvGrpSpPr>
@@ -292,9 +395,11 @@
       <p:sp>
         <p:nvSpPr>
           <p:cNvPr id="3" name="Google Shape;3;n"/>
-          <p:cNvSpPr/>
+          <p:cNvSpPr>
+            <a:spLocks noGrp="1" noRot="1" noChangeAspect="1"/>
+          </p:cNvSpPr>
           <p:nvPr>
-            <p:ph idx="2" type="sldImg"/>
+            <p:ph type="sldImg" idx="2"/>
           </p:nvPr>
         </p:nvSpPr>
         <p:spPr>
@@ -303,9 +408,13 @@
             <a:ext cx="6096075" cy="3429000"/>
           </a:xfrm>
           <a:custGeom>
-            <a:rect b="b" l="l" r="r" t="t"/>
+            <a:avLst/>
+            <a:gdLst/>
+            <a:ahLst/>
+            <a:cxnLst/>
+            <a:rect l="l" t="t" r="r" b="b"/>
             <a:pathLst>
-              <a:path extrusionOk="0" h="120000" w="120000">
+              <a:path w="120000" h="120000" extrusionOk="0">
                 <a:moveTo>
                   <a:pt x="0" y="0"/>
                 </a:moveTo>
@@ -323,23 +432,25 @@
             </a:pathLst>
           </a:custGeom>
           <a:noFill/>
-          <a:ln cap="flat" cmpd="sng" w="9525">
+          <a:ln w="9525" cap="flat" cmpd="sng">
             <a:solidFill>
               <a:srgbClr val="000000"/>
             </a:solidFill>
             <a:prstDash val="solid"/>
             <a:round/>
-            <a:headEnd len="sm" w="sm" type="none"/>
-            <a:tailEnd len="sm" w="sm" type="none"/>
+            <a:headEnd type="none" w="sm" len="sm"/>
+            <a:tailEnd type="none" w="sm" len="sm"/>
           </a:ln>
         </p:spPr>
       </p:sp>
       <p:sp>
         <p:nvSpPr>
           <p:cNvPr id="4" name="Google Shape;4;n"/>
-          <p:cNvSpPr txBox="1"/>
+          <p:cNvSpPr txBox="1">
+            <a:spLocks noGrp="1"/>
+          </p:cNvSpPr>
           <p:nvPr>
-            <p:ph idx="1" type="body"/>
+            <p:ph type="body" idx="1"/>
           </p:nvPr>
         </p:nvSpPr>
         <p:spPr>
@@ -356,11 +467,11 @@
           </a:ln>
         </p:spPr>
         <p:txBody>
-          <a:bodyPr anchorCtr="0" anchor="t" bIns="91425" lIns="91425" spcFirstLastPara="1" rIns="91425" wrap="square" tIns="91425">
+          <a:bodyPr spcFirstLastPara="1" wrap="square" lIns="91425" tIns="91425" rIns="91425" bIns="91425" anchor="t" anchorCtr="0">
             <a:noAutofit/>
           </a:bodyPr>
           <a:lstStyle>
-            <a:lvl1pPr indent="-298450" lvl="0" marL="457200">
+            <a:lvl1pPr marL="457200" lvl="0" indent="-298450">
               <a:spcBef>
                 <a:spcPts val="0"/>
               </a:spcBef>
@@ -371,7 +482,7 @@
               <a:buChar char="●"/>
               <a:defRPr sz="1100"/>
             </a:lvl1pPr>
-            <a:lvl2pPr indent="-298450" lvl="1" marL="914400">
+            <a:lvl2pPr marL="914400" lvl="1" indent="-298450">
               <a:spcBef>
                 <a:spcPts val="0"/>
               </a:spcBef>
@@ -382,7 +493,7 @@
               <a:buChar char="○"/>
               <a:defRPr sz="1100"/>
             </a:lvl2pPr>
-            <a:lvl3pPr indent="-298450" lvl="2" marL="1371600">
+            <a:lvl3pPr marL="1371600" lvl="2" indent="-298450">
               <a:spcBef>
                 <a:spcPts val="0"/>
               </a:spcBef>
@@ -393,7 +504,7 @@
               <a:buChar char="■"/>
               <a:defRPr sz="1100"/>
             </a:lvl3pPr>
-            <a:lvl4pPr indent="-298450" lvl="3" marL="1828800">
+            <a:lvl4pPr marL="1828800" lvl="3" indent="-298450">
               <a:spcBef>
                 <a:spcPts val="0"/>
               </a:spcBef>
@@ -404,7 +515,7 @@
               <a:buChar char="●"/>
               <a:defRPr sz="1100"/>
             </a:lvl4pPr>
-            <a:lvl5pPr indent="-298450" lvl="4" marL="2286000">
+            <a:lvl5pPr marL="2286000" lvl="4" indent="-298450">
               <a:spcBef>
                 <a:spcPts val="0"/>
               </a:spcBef>
@@ -415,7 +526,7 @@
               <a:buChar char="○"/>
               <a:defRPr sz="1100"/>
             </a:lvl5pPr>
-            <a:lvl6pPr indent="-298450" lvl="5" marL="2743200">
+            <a:lvl6pPr marL="2743200" lvl="5" indent="-298450">
               <a:spcBef>
                 <a:spcPts val="0"/>
               </a:spcBef>
@@ -426,7 +537,7 @@
               <a:buChar char="■"/>
               <a:defRPr sz="1100"/>
             </a:lvl6pPr>
-            <a:lvl7pPr indent="-298450" lvl="6" marL="3200400">
+            <a:lvl7pPr marL="3200400" lvl="6" indent="-298450">
               <a:spcBef>
                 <a:spcPts val="0"/>
               </a:spcBef>
@@ -437,7 +548,7 @@
               <a:buChar char="●"/>
               <a:defRPr sz="1100"/>
             </a:lvl7pPr>
-            <a:lvl8pPr indent="-298450" lvl="7" marL="3657600">
+            <a:lvl8pPr marL="3657600" lvl="7" indent="-298450">
               <a:spcBef>
                 <a:spcPts val="0"/>
               </a:spcBef>
@@ -448,7 +559,7 @@
               <a:buChar char="○"/>
               <a:defRPr sz="1100"/>
             </a:lvl8pPr>
-            <a:lvl9pPr indent="-298450" lvl="8" marL="4114800">
+            <a:lvl9pPr marL="4114800" lvl="8" indent="-298450">
               <a:spcBef>
                 <a:spcPts val="0"/>
               </a:spcBef>
@@ -460,14 +571,16 @@
               <a:defRPr sz="1100"/>
             </a:lvl9pPr>
           </a:lstStyle>
-          <a:p/>
+          <a:p>
+            <a:endParaRPr/>
+          </a:p>
         </p:txBody>
       </p:sp>
     </p:spTree>
   </p:cSld>
-  <p:clrMap accent1="accent1" accent2="accent2" accent3="accent3" accent4="accent4" accent5="accent5" accent6="accent6" bg1="lt1" bg2="dk2" tx1="dk1" tx2="lt2" folHlink="folHlink" hlink="hlink"/>
+  <p:clrMap bg1="lt1" tx1="dk1" bg2="dk2" tx2="lt2" accent1="accent1" accent2="accent2" accent3="accent3" accent4="accent4" accent5="accent5" accent6="accent6" hlink="hlink" folHlink="folHlink"/>
   <p:notesStyle>
-    <a:defPPr lvl="0" marR="0" rtl="0" algn="l">
+    <a:defPPr marR="0" lvl="0" algn="l" rtl="0">
       <a:lnSpc>
         <a:spcPct val="100000"/>
       </a:lnSpc>
@@ -478,7 +591,7 @@
         <a:spcPts val="0"/>
       </a:spcAft>
     </a:defPPr>
-    <a:lvl1pPr lvl="0" marR="0" rtl="0" algn="l">
+    <a:lvl1pPr marR="0" lvl="0" algn="l" rtl="0">
       <a:lnSpc>
         <a:spcPct val="100000"/>
       </a:lnSpc>
@@ -492,7 +605,7 @@
         <a:srgbClr val="000000"/>
       </a:buClr>
       <a:buFont typeface="Arial"/>
-      <a:defRPr b="0" i="0" sz="1400" u="none" cap="none" strike="noStrike">
+      <a:defRPr sz="1400" b="0" i="0" u="none" strike="noStrike" cap="none">
         <a:solidFill>
           <a:srgbClr val="000000"/>
         </a:solidFill>
@@ -502,7 +615,7 @@
         <a:sym typeface="Arial"/>
       </a:defRPr>
     </a:lvl1pPr>
-    <a:lvl2pPr lvl="1" marR="0" rtl="0" algn="l">
+    <a:lvl2pPr marR="0" lvl="1" algn="l" rtl="0">
       <a:lnSpc>
         <a:spcPct val="100000"/>
       </a:lnSpc>
@@ -516,7 +629,7 @@
         <a:srgbClr val="000000"/>
       </a:buClr>
       <a:buFont typeface="Arial"/>
-      <a:defRPr b="0" i="0" sz="1400" u="none" cap="none" strike="noStrike">
+      <a:defRPr sz="1400" b="0" i="0" u="none" strike="noStrike" cap="none">
         <a:solidFill>
           <a:srgbClr val="000000"/>
         </a:solidFill>
@@ -526,7 +639,7 @@
         <a:sym typeface="Arial"/>
       </a:defRPr>
     </a:lvl2pPr>
-    <a:lvl3pPr lvl="2" marR="0" rtl="0" algn="l">
+    <a:lvl3pPr marR="0" lvl="2" algn="l" rtl="0">
       <a:lnSpc>
         <a:spcPct val="100000"/>
       </a:lnSpc>
@@ -540,7 +653,7 @@
         <a:srgbClr val="000000"/>
       </a:buClr>
       <a:buFont typeface="Arial"/>
-      <a:defRPr b="0" i="0" sz="1400" u="none" cap="none" strike="noStrike">
+      <a:defRPr sz="1400" b="0" i="0" u="none" strike="noStrike" cap="none">
         <a:solidFill>
           <a:srgbClr val="000000"/>
         </a:solidFill>
@@ -550,7 +663,7 @@
         <a:sym typeface="Arial"/>
       </a:defRPr>
     </a:lvl3pPr>
-    <a:lvl4pPr lvl="3" marR="0" rtl="0" algn="l">
+    <a:lvl4pPr marR="0" lvl="3" algn="l" rtl="0">
       <a:lnSpc>
         <a:spcPct val="100000"/>
       </a:lnSpc>
@@ -564,7 +677,7 @@
         <a:srgbClr val="000000"/>
       </a:buClr>
       <a:buFont typeface="Arial"/>
-      <a:defRPr b="0" i="0" sz="1400" u="none" cap="none" strike="noStrike">
+      <a:defRPr sz="1400" b="0" i="0" u="none" strike="noStrike" cap="none">
         <a:solidFill>
           <a:srgbClr val="000000"/>
         </a:solidFill>
@@ -574,7 +687,7 @@
         <a:sym typeface="Arial"/>
       </a:defRPr>
     </a:lvl4pPr>
-    <a:lvl5pPr lvl="4" marR="0" rtl="0" algn="l">
+    <a:lvl5pPr marR="0" lvl="4" algn="l" rtl="0">
       <a:lnSpc>
         <a:spcPct val="100000"/>
       </a:lnSpc>
@@ -588,7 +701,7 @@
         <a:srgbClr val="000000"/>
       </a:buClr>
       <a:buFont typeface="Arial"/>
-      <a:defRPr b="0" i="0" sz="1400" u="none" cap="none" strike="noStrike">
+      <a:defRPr sz="1400" b="0" i="0" u="none" strike="noStrike" cap="none">
         <a:solidFill>
           <a:srgbClr val="000000"/>
         </a:solidFill>
@@ -598,7 +711,7 @@
         <a:sym typeface="Arial"/>
       </a:defRPr>
     </a:lvl5pPr>
-    <a:lvl6pPr lvl="5" marR="0" rtl="0" algn="l">
+    <a:lvl6pPr marR="0" lvl="5" algn="l" rtl="0">
       <a:lnSpc>
         <a:spcPct val="100000"/>
       </a:lnSpc>
@@ -612,7 +725,7 @@
         <a:srgbClr val="000000"/>
       </a:buClr>
       <a:buFont typeface="Arial"/>
-      <a:defRPr b="0" i="0" sz="1400" u="none" cap="none" strike="noStrike">
+      <a:defRPr sz="1400" b="0" i="0" u="none" strike="noStrike" cap="none">
         <a:solidFill>
           <a:srgbClr val="000000"/>
         </a:solidFill>
@@ -622,7 +735,7 @@
         <a:sym typeface="Arial"/>
       </a:defRPr>
     </a:lvl6pPr>
-    <a:lvl7pPr lvl="6" marR="0" rtl="0" algn="l">
+    <a:lvl7pPr marR="0" lvl="6" algn="l" rtl="0">
       <a:lnSpc>
         <a:spcPct val="100000"/>
       </a:lnSpc>
@@ -636,7 +749,7 @@
         <a:srgbClr val="000000"/>
       </a:buClr>
       <a:buFont typeface="Arial"/>
-      <a:defRPr b="0" i="0" sz="1400" u="none" cap="none" strike="noStrike">
+      <a:defRPr sz="1400" b="0" i="0" u="none" strike="noStrike" cap="none">
         <a:solidFill>
           <a:srgbClr val="000000"/>
         </a:solidFill>
@@ -646,7 +759,7 @@
         <a:sym typeface="Arial"/>
       </a:defRPr>
     </a:lvl7pPr>
-    <a:lvl8pPr lvl="7" marR="0" rtl="0" algn="l">
+    <a:lvl8pPr marR="0" lvl="7" algn="l" rtl="0">
       <a:lnSpc>
         <a:spcPct val="100000"/>
       </a:lnSpc>
@@ -660,7 +773,7 @@
         <a:srgbClr val="000000"/>
       </a:buClr>
       <a:buFont typeface="Arial"/>
-      <a:defRPr b="0" i="0" sz="1400" u="none" cap="none" strike="noStrike">
+      <a:defRPr sz="1400" b="0" i="0" u="none" strike="noStrike" cap="none">
         <a:solidFill>
           <a:srgbClr val="000000"/>
         </a:solidFill>
@@ -670,7 +783,7 @@
         <a:sym typeface="Arial"/>
       </a:defRPr>
     </a:lvl8pPr>
-    <a:lvl9pPr lvl="8" marR="0" rtl="0" algn="l">
+    <a:lvl9pPr marR="0" lvl="8" algn="l" rtl="0">
       <a:lnSpc>
         <a:spcPct val="100000"/>
       </a:lnSpc>
@@ -684,7 +797,7 @@
         <a:srgbClr val="000000"/>
       </a:buClr>
       <a:buFont typeface="Arial"/>
-      <a:defRPr b="0" i="0" sz="1400" u="none" cap="none" strike="noStrike">
+      <a:defRPr sz="1400" b="0" i="0" u="none" strike="noStrike" cap="none">
         <a:solidFill>
           <a:srgbClr val="000000"/>
         </a:solidFill>
@@ -699,11 +812,11 @@
 </file>
 
 <file path=ppt/notesSlides/notesSlide1.xml><?xml version="1.0" encoding="utf-8"?>
-<p:notes xmlns:a="http://schemas.openxmlformats.org/drawingml/2006/main" xmlns:r="http://schemas.openxmlformats.org/officeDocument/2006/relationships" xmlns:mc="http://schemas.openxmlformats.org/markup-compatibility/2006" xmlns:mv="urn:schemas-microsoft-com:mac:vml" xmlns:p="http://schemas.openxmlformats.org/presentationml/2006/main" xmlns:c="http://schemas.openxmlformats.org/drawingml/2006/chart" xmlns:dgm="http://schemas.openxmlformats.org/drawingml/2006/diagram" xmlns:o="urn:schemas-microsoft-com:office:office" xmlns:v="urn:schemas-microsoft-com:vml" xmlns:pvml="urn:schemas-microsoft-com:office:powerpoint" xmlns:com="http://schemas.openxmlformats.org/drawingml/2006/compatibility" xmlns:p14="http://schemas.microsoft.com/office/powerpoint/2010/main" xmlns:p15="http://schemas.microsoft.com/office/powerpoint/2012/main" xmlns:ahyp="http://schemas.microsoft.com/office/drawing/2018/hyperlinkcolor" showMasterPhAnim="0" showMasterSp="0">
+<p:notes xmlns:a="http://schemas.openxmlformats.org/drawingml/2006/main" xmlns:r="http://schemas.openxmlformats.org/officeDocument/2006/relationships" xmlns:p="http://schemas.openxmlformats.org/presentationml/2006/main" showMasterSp="0" showMasterPhAnim="0">
   <p:cSld>
     <p:spTree>
       <p:nvGrpSpPr>
-        <p:cNvPr id="50" name="Shape 50"/>
+        <p:cNvPr id="1" name="Shape 50"/>
         <p:cNvGrpSpPr/>
         <p:nvPr/>
       </p:nvGrpSpPr>
@@ -718,9 +831,11 @@
       <p:sp>
         <p:nvSpPr>
           <p:cNvPr id="51" name="Google Shape;51;p:notes"/>
-          <p:cNvSpPr/>
+          <p:cNvSpPr>
+            <a:spLocks noGrp="1" noRot="1" noChangeAspect="1"/>
+          </p:cNvSpPr>
           <p:nvPr>
-            <p:ph idx="2" type="sldImg"/>
+            <p:ph type="sldImg" idx="2"/>
           </p:nvPr>
         </p:nvSpPr>
         <p:spPr>
@@ -729,9 +844,13 @@
             <a:ext cx="6096075" cy="3429000"/>
           </a:xfrm>
           <a:custGeom>
-            <a:rect b="b" l="l" r="r" t="t"/>
+            <a:avLst/>
+            <a:gdLst/>
+            <a:ahLst/>
+            <a:cxnLst/>
+            <a:rect l="l" t="t" r="r" b="b"/>
             <a:pathLst>
-              <a:path extrusionOk="0" h="120000" w="120000">
+              <a:path w="120000" h="120000" extrusionOk="0">
                 <a:moveTo>
                   <a:pt x="0" y="0"/>
                 </a:moveTo>
@@ -753,9 +872,11 @@
       <p:sp>
         <p:nvSpPr>
           <p:cNvPr id="52" name="Google Shape;52;p:notes"/>
-          <p:cNvSpPr txBox="1"/>
+          <p:cNvSpPr txBox="1">
+            <a:spLocks noGrp="1"/>
+          </p:cNvSpPr>
           <p:nvPr>
-            <p:ph idx="1" type="body"/>
+            <p:ph type="body" idx="1"/>
           </p:nvPr>
         </p:nvSpPr>
         <p:spPr>
@@ -768,12 +889,12 @@
           </a:prstGeom>
         </p:spPr>
         <p:txBody>
-          <a:bodyPr anchorCtr="0" anchor="t" bIns="91425" lIns="91425" spcFirstLastPara="1" rIns="91425" wrap="square" tIns="91425">
+          <a:bodyPr spcFirstLastPara="1" wrap="square" lIns="91425" tIns="91425" rIns="91425" bIns="91425" anchor="t" anchorCtr="0">
             <a:noAutofit/>
           </a:bodyPr>
           <a:lstStyle/>
           <a:p>
-            <a:pPr indent="0" lvl="0" marL="0" rtl="0" algn="l">
+            <a:pPr marL="0" lvl="0" indent="0" algn="l" rtl="0">
               <a:spcBef>
                 <a:spcPts val="0"/>
               </a:spcBef>
@@ -782,9 +903,6 @@
               </a:spcAft>
               <a:buNone/>
             </a:pPr>
-            <a:r>
-              <a:t/>
-            </a:r>
             <a:endParaRPr/>
           </a:p>
         </p:txBody>
@@ -798,11 +916,11 @@
 </file>
 
 <file path=ppt/notesSlides/notesSlide10.xml><?xml version="1.0" encoding="utf-8"?>
-<p:notes xmlns:a="http://schemas.openxmlformats.org/drawingml/2006/main" xmlns:r="http://schemas.openxmlformats.org/officeDocument/2006/relationships" xmlns:mc="http://schemas.openxmlformats.org/markup-compatibility/2006" xmlns:mv="urn:schemas-microsoft-com:mac:vml" xmlns:p="http://schemas.openxmlformats.org/presentationml/2006/main" xmlns:c="http://schemas.openxmlformats.org/drawingml/2006/chart" xmlns:dgm="http://schemas.openxmlformats.org/drawingml/2006/diagram" xmlns:o="urn:schemas-microsoft-com:office:office" xmlns:v="urn:schemas-microsoft-com:vml" xmlns:pvml="urn:schemas-microsoft-com:office:powerpoint" xmlns:com="http://schemas.openxmlformats.org/drawingml/2006/compatibility" xmlns:p14="http://schemas.microsoft.com/office/powerpoint/2010/main" xmlns:p15="http://schemas.microsoft.com/office/powerpoint/2012/main" xmlns:ahyp="http://schemas.microsoft.com/office/drawing/2018/hyperlinkcolor" showMasterPhAnim="0" showMasterSp="0">
+<p:notes xmlns:a="http://schemas.openxmlformats.org/drawingml/2006/main" xmlns:r="http://schemas.openxmlformats.org/officeDocument/2006/relationships" xmlns:p="http://schemas.openxmlformats.org/presentationml/2006/main" showMasterSp="0" showMasterPhAnim="0">
   <p:cSld>
     <p:spTree>
       <p:nvGrpSpPr>
-        <p:cNvPr id="110" name="Shape 110"/>
+        <p:cNvPr id="1" name="Shape 110"/>
         <p:cNvGrpSpPr/>
         <p:nvPr/>
       </p:nvGrpSpPr>
@@ -817,20 +935,26 @@
       <p:sp>
         <p:nvSpPr>
           <p:cNvPr id="111" name="Google Shape;111;gc3b09ac85a_0_38:notes"/>
-          <p:cNvSpPr/>
+          <p:cNvSpPr>
+            <a:spLocks noGrp="1" noRot="1" noChangeAspect="1"/>
+          </p:cNvSpPr>
           <p:nvPr>
-            <p:ph idx="2" type="sldImg"/>
+            <p:ph type="sldImg" idx="2"/>
           </p:nvPr>
         </p:nvSpPr>
         <p:spPr>
           <a:xfrm>
-            <a:off x="381300" y="685800"/>
+            <a:off x="381000" y="685800"/>
             <a:ext cx="6096000" cy="3429000"/>
           </a:xfrm>
           <a:custGeom>
-            <a:rect b="b" l="l" r="r" t="t"/>
+            <a:avLst/>
+            <a:gdLst/>
+            <a:ahLst/>
+            <a:cxnLst/>
+            <a:rect l="l" t="t" r="r" b="b"/>
             <a:pathLst>
-              <a:path extrusionOk="0" h="120000" w="120000">
+              <a:path w="120000" h="120000" extrusionOk="0">
                 <a:moveTo>
                   <a:pt x="0" y="0"/>
                 </a:moveTo>
@@ -852,9 +976,11 @@
       <p:sp>
         <p:nvSpPr>
           <p:cNvPr id="112" name="Google Shape;112;gc3b09ac85a_0_38:notes"/>
-          <p:cNvSpPr txBox="1"/>
+          <p:cNvSpPr txBox="1">
+            <a:spLocks noGrp="1"/>
+          </p:cNvSpPr>
           <p:nvPr>
-            <p:ph idx="1" type="body"/>
+            <p:ph type="body" idx="1"/>
           </p:nvPr>
         </p:nvSpPr>
         <p:spPr>
@@ -867,12 +993,12 @@
           </a:prstGeom>
         </p:spPr>
         <p:txBody>
-          <a:bodyPr anchorCtr="0" anchor="t" bIns="91425" lIns="91425" spcFirstLastPara="1" rIns="91425" wrap="square" tIns="91425">
+          <a:bodyPr spcFirstLastPara="1" wrap="square" lIns="91425" tIns="91425" rIns="91425" bIns="91425" anchor="t" anchorCtr="0">
             <a:noAutofit/>
           </a:bodyPr>
           <a:lstStyle/>
           <a:p>
-            <a:pPr indent="0" lvl="0" marL="0" rtl="0" algn="l">
+            <a:pPr marL="0" lvl="0" indent="0" algn="l" rtl="0">
               <a:spcBef>
                 <a:spcPts val="0"/>
               </a:spcBef>
@@ -881,9 +1007,6 @@
               </a:spcAft>
               <a:buNone/>
             </a:pPr>
-            <a:r>
-              <a:t/>
-            </a:r>
             <a:endParaRPr/>
           </a:p>
         </p:txBody>
@@ -897,11 +1020,11 @@
 </file>
 
 <file path=ppt/notesSlides/notesSlide11.xml><?xml version="1.0" encoding="utf-8"?>
-<p:notes xmlns:a="http://schemas.openxmlformats.org/drawingml/2006/main" xmlns:r="http://schemas.openxmlformats.org/officeDocument/2006/relationships" xmlns:mc="http://schemas.openxmlformats.org/markup-compatibility/2006" xmlns:mv="urn:schemas-microsoft-com:mac:vml" xmlns:p="http://schemas.openxmlformats.org/presentationml/2006/main" xmlns:c="http://schemas.openxmlformats.org/drawingml/2006/chart" xmlns:dgm="http://schemas.openxmlformats.org/drawingml/2006/diagram" xmlns:o="urn:schemas-microsoft-com:office:office" xmlns:v="urn:schemas-microsoft-com:vml" xmlns:pvml="urn:schemas-microsoft-com:office:powerpoint" xmlns:com="http://schemas.openxmlformats.org/drawingml/2006/compatibility" xmlns:p14="http://schemas.microsoft.com/office/powerpoint/2010/main" xmlns:p15="http://schemas.microsoft.com/office/powerpoint/2012/main" xmlns:ahyp="http://schemas.microsoft.com/office/drawing/2018/hyperlinkcolor" showMasterPhAnim="0" showMasterSp="0">
+<p:notes xmlns:a="http://schemas.openxmlformats.org/drawingml/2006/main" xmlns:r="http://schemas.openxmlformats.org/officeDocument/2006/relationships" xmlns:p="http://schemas.openxmlformats.org/presentationml/2006/main" showMasterSp="0" showMasterPhAnim="0">
   <p:cSld>
     <p:spTree>
       <p:nvGrpSpPr>
-        <p:cNvPr id="118" name="Shape 118"/>
+        <p:cNvPr id="1" name="Shape 118"/>
         <p:cNvGrpSpPr/>
         <p:nvPr/>
       </p:nvGrpSpPr>
@@ -916,20 +1039,26 @@
       <p:sp>
         <p:nvSpPr>
           <p:cNvPr id="119" name="Google Shape;119;gc3b09ac85a_0_47:notes"/>
-          <p:cNvSpPr/>
+          <p:cNvSpPr>
+            <a:spLocks noGrp="1" noRot="1" noChangeAspect="1"/>
+          </p:cNvSpPr>
           <p:nvPr>
-            <p:ph idx="2" type="sldImg"/>
+            <p:ph type="sldImg" idx="2"/>
           </p:nvPr>
         </p:nvSpPr>
         <p:spPr>
           <a:xfrm>
-            <a:off x="381300" y="685800"/>
+            <a:off x="381000" y="685800"/>
             <a:ext cx="6096000" cy="3429000"/>
           </a:xfrm>
           <a:custGeom>
-            <a:rect b="b" l="l" r="r" t="t"/>
+            <a:avLst/>
+            <a:gdLst/>
+            <a:ahLst/>
+            <a:cxnLst/>
+            <a:rect l="l" t="t" r="r" b="b"/>
             <a:pathLst>
-              <a:path extrusionOk="0" h="120000" w="120000">
+              <a:path w="120000" h="120000" extrusionOk="0">
                 <a:moveTo>
                   <a:pt x="0" y="0"/>
                 </a:moveTo>
@@ -951,9 +1080,11 @@
       <p:sp>
         <p:nvSpPr>
           <p:cNvPr id="120" name="Google Shape;120;gc3b09ac85a_0_47:notes"/>
-          <p:cNvSpPr txBox="1"/>
+          <p:cNvSpPr txBox="1">
+            <a:spLocks noGrp="1"/>
+          </p:cNvSpPr>
           <p:nvPr>
-            <p:ph idx="1" type="body"/>
+            <p:ph type="body" idx="1"/>
           </p:nvPr>
         </p:nvSpPr>
         <p:spPr>
@@ -966,12 +1097,12 @@
           </a:prstGeom>
         </p:spPr>
         <p:txBody>
-          <a:bodyPr anchorCtr="0" anchor="t" bIns="91425" lIns="91425" spcFirstLastPara="1" rIns="91425" wrap="square" tIns="91425">
+          <a:bodyPr spcFirstLastPara="1" wrap="square" lIns="91425" tIns="91425" rIns="91425" bIns="91425" anchor="t" anchorCtr="0">
             <a:noAutofit/>
           </a:bodyPr>
           <a:lstStyle/>
           <a:p>
-            <a:pPr indent="0" lvl="0" marL="0" rtl="0" algn="l">
+            <a:pPr marL="0" lvl="0" indent="0" algn="l" rtl="0">
               <a:spcBef>
                 <a:spcPts val="0"/>
               </a:spcBef>
@@ -980,9 +1111,6 @@
               </a:spcAft>
               <a:buNone/>
             </a:pPr>
-            <a:r>
-              <a:t/>
-            </a:r>
             <a:endParaRPr/>
           </a:p>
         </p:txBody>
@@ -996,11 +1124,11 @@
 </file>
 
 <file path=ppt/notesSlides/notesSlide12.xml><?xml version="1.0" encoding="utf-8"?>
-<p:notes xmlns:a="http://schemas.openxmlformats.org/drawingml/2006/main" xmlns:r="http://schemas.openxmlformats.org/officeDocument/2006/relationships" xmlns:mc="http://schemas.openxmlformats.org/markup-compatibility/2006" xmlns:mv="urn:schemas-microsoft-com:mac:vml" xmlns:p="http://schemas.openxmlformats.org/presentationml/2006/main" xmlns:c="http://schemas.openxmlformats.org/drawingml/2006/chart" xmlns:dgm="http://schemas.openxmlformats.org/drawingml/2006/diagram" xmlns:o="urn:schemas-microsoft-com:office:office" xmlns:v="urn:schemas-microsoft-com:vml" xmlns:pvml="urn:schemas-microsoft-com:office:powerpoint" xmlns:com="http://schemas.openxmlformats.org/drawingml/2006/compatibility" xmlns:p14="http://schemas.microsoft.com/office/powerpoint/2010/main" xmlns:p15="http://schemas.microsoft.com/office/powerpoint/2012/main" xmlns:ahyp="http://schemas.microsoft.com/office/drawing/2018/hyperlinkcolor" showMasterPhAnim="0" showMasterSp="0">
+<p:notes xmlns:a="http://schemas.openxmlformats.org/drawingml/2006/main" xmlns:r="http://schemas.openxmlformats.org/officeDocument/2006/relationships" xmlns:p="http://schemas.openxmlformats.org/presentationml/2006/main" showMasterSp="0" showMasterPhAnim="0">
   <p:cSld>
     <p:spTree>
       <p:nvGrpSpPr>
-        <p:cNvPr id="126" name="Shape 126"/>
+        <p:cNvPr id="1" name="Shape 126"/>
         <p:cNvGrpSpPr/>
         <p:nvPr/>
       </p:nvGrpSpPr>
@@ -1015,20 +1143,26 @@
       <p:sp>
         <p:nvSpPr>
           <p:cNvPr id="127" name="Google Shape;127;gd76b327238_0_0:notes"/>
-          <p:cNvSpPr/>
+          <p:cNvSpPr>
+            <a:spLocks noGrp="1" noRot="1" noChangeAspect="1"/>
+          </p:cNvSpPr>
           <p:nvPr>
-            <p:ph idx="2" type="sldImg"/>
+            <p:ph type="sldImg" idx="2"/>
           </p:nvPr>
         </p:nvSpPr>
         <p:spPr>
           <a:xfrm>
-            <a:off x="381300" y="685800"/>
+            <a:off x="381000" y="685800"/>
             <a:ext cx="6096000" cy="3429000"/>
           </a:xfrm>
           <a:custGeom>
-            <a:rect b="b" l="l" r="r" t="t"/>
+            <a:avLst/>
+            <a:gdLst/>
+            <a:ahLst/>
+            <a:cxnLst/>
+            <a:rect l="l" t="t" r="r" b="b"/>
             <a:pathLst>
-              <a:path extrusionOk="0" h="120000" w="120000">
+              <a:path w="120000" h="120000" extrusionOk="0">
                 <a:moveTo>
                   <a:pt x="0" y="0"/>
                 </a:moveTo>
@@ -1050,9 +1184,11 @@
       <p:sp>
         <p:nvSpPr>
           <p:cNvPr id="128" name="Google Shape;128;gd76b327238_0_0:notes"/>
-          <p:cNvSpPr txBox="1"/>
+          <p:cNvSpPr txBox="1">
+            <a:spLocks noGrp="1"/>
+          </p:cNvSpPr>
           <p:nvPr>
-            <p:ph idx="1" type="body"/>
+            <p:ph type="body" idx="1"/>
           </p:nvPr>
         </p:nvSpPr>
         <p:spPr>
@@ -1065,12 +1201,12 @@
           </a:prstGeom>
         </p:spPr>
         <p:txBody>
-          <a:bodyPr anchorCtr="0" anchor="t" bIns="91425" lIns="91425" spcFirstLastPara="1" rIns="91425" wrap="square" tIns="91425">
+          <a:bodyPr spcFirstLastPara="1" wrap="square" lIns="91425" tIns="91425" rIns="91425" bIns="91425" anchor="t" anchorCtr="0">
             <a:noAutofit/>
           </a:bodyPr>
           <a:lstStyle/>
           <a:p>
-            <a:pPr indent="0" lvl="0" marL="0" rtl="0" algn="l">
+            <a:pPr marL="0" lvl="0" indent="0" algn="l" rtl="0">
               <a:spcBef>
                 <a:spcPts val="0"/>
               </a:spcBef>
@@ -1079,9 +1215,6 @@
               </a:spcAft>
               <a:buNone/>
             </a:pPr>
-            <a:r>
-              <a:t/>
-            </a:r>
             <a:endParaRPr/>
           </a:p>
         </p:txBody>
@@ -1095,11 +1228,11 @@
 </file>
 
 <file path=ppt/notesSlides/notesSlide13.xml><?xml version="1.0" encoding="utf-8"?>
-<p:notes xmlns:a="http://schemas.openxmlformats.org/drawingml/2006/main" xmlns:r="http://schemas.openxmlformats.org/officeDocument/2006/relationships" xmlns:mc="http://schemas.openxmlformats.org/markup-compatibility/2006" xmlns:mv="urn:schemas-microsoft-com:mac:vml" xmlns:p="http://schemas.openxmlformats.org/presentationml/2006/main" xmlns:c="http://schemas.openxmlformats.org/drawingml/2006/chart" xmlns:dgm="http://schemas.openxmlformats.org/drawingml/2006/diagram" xmlns:o="urn:schemas-microsoft-com:office:office" xmlns:v="urn:schemas-microsoft-com:vml" xmlns:pvml="urn:schemas-microsoft-com:office:powerpoint" xmlns:com="http://schemas.openxmlformats.org/drawingml/2006/compatibility" xmlns:p14="http://schemas.microsoft.com/office/powerpoint/2010/main" xmlns:p15="http://schemas.microsoft.com/office/powerpoint/2012/main" xmlns:ahyp="http://schemas.microsoft.com/office/drawing/2018/hyperlinkcolor" showMasterPhAnim="0" showMasterSp="0">
+<p:notes xmlns:a="http://schemas.openxmlformats.org/drawingml/2006/main" xmlns:r="http://schemas.openxmlformats.org/officeDocument/2006/relationships" xmlns:p="http://schemas.openxmlformats.org/presentationml/2006/main" showMasterSp="0" showMasterPhAnim="0">
   <p:cSld>
     <p:spTree>
       <p:nvGrpSpPr>
-        <p:cNvPr id="134" name="Shape 134"/>
+        <p:cNvPr id="1" name="Shape 134"/>
         <p:cNvGrpSpPr/>
         <p:nvPr/>
       </p:nvGrpSpPr>
@@ -1114,20 +1247,26 @@
       <p:sp>
         <p:nvSpPr>
           <p:cNvPr id="135" name="Google Shape;135;gc3b09ac85a_0_65:notes"/>
-          <p:cNvSpPr/>
+          <p:cNvSpPr>
+            <a:spLocks noGrp="1" noRot="1" noChangeAspect="1"/>
+          </p:cNvSpPr>
           <p:nvPr>
-            <p:ph idx="2" type="sldImg"/>
+            <p:ph type="sldImg" idx="2"/>
           </p:nvPr>
         </p:nvSpPr>
         <p:spPr>
           <a:xfrm>
-            <a:off x="381300" y="685800"/>
+            <a:off x="381000" y="685800"/>
             <a:ext cx="6096000" cy="3429000"/>
           </a:xfrm>
           <a:custGeom>
-            <a:rect b="b" l="l" r="r" t="t"/>
+            <a:avLst/>
+            <a:gdLst/>
+            <a:ahLst/>
+            <a:cxnLst/>
+            <a:rect l="l" t="t" r="r" b="b"/>
             <a:pathLst>
-              <a:path extrusionOk="0" h="120000" w="120000">
+              <a:path w="120000" h="120000" extrusionOk="0">
                 <a:moveTo>
                   <a:pt x="0" y="0"/>
                 </a:moveTo>
@@ -1149,9 +1288,11 @@
       <p:sp>
         <p:nvSpPr>
           <p:cNvPr id="136" name="Google Shape;136;gc3b09ac85a_0_65:notes"/>
-          <p:cNvSpPr txBox="1"/>
+          <p:cNvSpPr txBox="1">
+            <a:spLocks noGrp="1"/>
+          </p:cNvSpPr>
           <p:nvPr>
-            <p:ph idx="1" type="body"/>
+            <p:ph type="body" idx="1"/>
           </p:nvPr>
         </p:nvSpPr>
         <p:spPr>
@@ -1164,12 +1305,12 @@
           </a:prstGeom>
         </p:spPr>
         <p:txBody>
-          <a:bodyPr anchorCtr="0" anchor="t" bIns="91425" lIns="91425" spcFirstLastPara="1" rIns="91425" wrap="square" tIns="91425">
+          <a:bodyPr spcFirstLastPara="1" wrap="square" lIns="91425" tIns="91425" rIns="91425" bIns="91425" anchor="t" anchorCtr="0">
             <a:noAutofit/>
           </a:bodyPr>
           <a:lstStyle/>
           <a:p>
-            <a:pPr indent="0" lvl="0" marL="0" rtl="0" algn="l">
+            <a:pPr marL="0" lvl="0" indent="0" algn="l" rtl="0">
               <a:spcBef>
                 <a:spcPts val="0"/>
               </a:spcBef>
@@ -1178,9 +1319,6 @@
               </a:spcAft>
               <a:buNone/>
             </a:pPr>
-            <a:r>
-              <a:t/>
-            </a:r>
             <a:endParaRPr/>
           </a:p>
         </p:txBody>
@@ -1194,11 +1332,11 @@
 </file>
 
 <file path=ppt/notesSlides/notesSlide2.xml><?xml version="1.0" encoding="utf-8"?>
-<p:notes xmlns:a="http://schemas.openxmlformats.org/drawingml/2006/main" xmlns:r="http://schemas.openxmlformats.org/officeDocument/2006/relationships" xmlns:mc="http://schemas.openxmlformats.org/markup-compatibility/2006" xmlns:mv="urn:schemas-microsoft-com:mac:vml" xmlns:p="http://schemas.openxmlformats.org/presentationml/2006/main" xmlns:c="http://schemas.openxmlformats.org/drawingml/2006/chart" xmlns:dgm="http://schemas.openxmlformats.org/drawingml/2006/diagram" xmlns:o="urn:schemas-microsoft-com:office:office" xmlns:v="urn:schemas-microsoft-com:vml" xmlns:pvml="urn:schemas-microsoft-com:office:powerpoint" xmlns:com="http://schemas.openxmlformats.org/drawingml/2006/compatibility" xmlns:p14="http://schemas.microsoft.com/office/powerpoint/2010/main" xmlns:p15="http://schemas.microsoft.com/office/powerpoint/2012/main" xmlns:ahyp="http://schemas.microsoft.com/office/drawing/2018/hyperlinkcolor" showMasterPhAnim="0" showMasterSp="0">
+<p:notes xmlns:a="http://schemas.openxmlformats.org/drawingml/2006/main" xmlns:r="http://schemas.openxmlformats.org/officeDocument/2006/relationships" xmlns:p="http://schemas.openxmlformats.org/presentationml/2006/main" showMasterSp="0" showMasterPhAnim="0">
   <p:cSld>
     <p:spTree>
       <p:nvGrpSpPr>
-        <p:cNvPr id="55" name="Shape 55"/>
+        <p:cNvPr id="1" name="Shape 55"/>
         <p:cNvGrpSpPr/>
         <p:nvPr/>
       </p:nvGrpSpPr>
@@ -1213,9 +1351,11 @@
       <p:sp>
         <p:nvSpPr>
           <p:cNvPr id="56" name="Google Shape;56;gc3b09ac85a_0_0:notes"/>
-          <p:cNvSpPr/>
+          <p:cNvSpPr>
+            <a:spLocks noGrp="1" noRot="1" noChangeAspect="1"/>
+          </p:cNvSpPr>
           <p:nvPr>
-            <p:ph idx="2" type="sldImg"/>
+            <p:ph type="sldImg" idx="2"/>
           </p:nvPr>
         </p:nvSpPr>
         <p:spPr>
@@ -1224,9 +1364,13 @@
             <a:ext cx="6096000" cy="3429000"/>
           </a:xfrm>
           <a:custGeom>
-            <a:rect b="b" l="l" r="r" t="t"/>
+            <a:avLst/>
+            <a:gdLst/>
+            <a:ahLst/>
+            <a:cxnLst/>
+            <a:rect l="l" t="t" r="r" b="b"/>
             <a:pathLst>
-              <a:path extrusionOk="0" h="120000" w="120000">
+              <a:path w="120000" h="120000" extrusionOk="0">
                 <a:moveTo>
                   <a:pt x="0" y="0"/>
                 </a:moveTo>
@@ -1248,9 +1392,11 @@
       <p:sp>
         <p:nvSpPr>
           <p:cNvPr id="57" name="Google Shape;57;gc3b09ac85a_0_0:notes"/>
-          <p:cNvSpPr txBox="1"/>
+          <p:cNvSpPr txBox="1">
+            <a:spLocks noGrp="1"/>
+          </p:cNvSpPr>
           <p:nvPr>
-            <p:ph idx="1" type="body"/>
+            <p:ph type="body" idx="1"/>
           </p:nvPr>
         </p:nvSpPr>
         <p:spPr>
@@ -1263,12 +1409,12 @@
           </a:prstGeom>
         </p:spPr>
         <p:txBody>
-          <a:bodyPr anchorCtr="0" anchor="t" bIns="91425" lIns="91425" spcFirstLastPara="1" rIns="91425" wrap="square" tIns="91425">
+          <a:bodyPr spcFirstLastPara="1" wrap="square" lIns="91425" tIns="91425" rIns="91425" bIns="91425" anchor="t" anchorCtr="0">
             <a:noAutofit/>
           </a:bodyPr>
           <a:lstStyle/>
           <a:p>
-            <a:pPr indent="0" lvl="0" marL="0" rtl="0" algn="l">
+            <a:pPr marL="0" lvl="0" indent="0" algn="l" rtl="0">
               <a:spcBef>
                 <a:spcPts val="0"/>
               </a:spcBef>
@@ -1277,9 +1423,6 @@
               </a:spcAft>
               <a:buNone/>
             </a:pPr>
-            <a:r>
-              <a:t/>
-            </a:r>
             <a:endParaRPr/>
           </a:p>
         </p:txBody>
@@ -1293,11 +1436,11 @@
 </file>
 
 <file path=ppt/notesSlides/notesSlide3.xml><?xml version="1.0" encoding="utf-8"?>
-<p:notes xmlns:a="http://schemas.openxmlformats.org/drawingml/2006/main" xmlns:r="http://schemas.openxmlformats.org/officeDocument/2006/relationships" xmlns:mc="http://schemas.openxmlformats.org/markup-compatibility/2006" xmlns:mv="urn:schemas-microsoft-com:mac:vml" xmlns:p="http://schemas.openxmlformats.org/presentationml/2006/main" xmlns:c="http://schemas.openxmlformats.org/drawingml/2006/chart" xmlns:dgm="http://schemas.openxmlformats.org/drawingml/2006/diagram" xmlns:o="urn:schemas-microsoft-com:office:office" xmlns:v="urn:schemas-microsoft-com:vml" xmlns:pvml="urn:schemas-microsoft-com:office:powerpoint" xmlns:com="http://schemas.openxmlformats.org/drawingml/2006/compatibility" xmlns:p14="http://schemas.microsoft.com/office/powerpoint/2010/main" xmlns:p15="http://schemas.microsoft.com/office/powerpoint/2012/main" xmlns:ahyp="http://schemas.microsoft.com/office/drawing/2018/hyperlinkcolor" showMasterPhAnim="0" showMasterSp="0">
+<p:notes xmlns:a="http://schemas.openxmlformats.org/drawingml/2006/main" xmlns:r="http://schemas.openxmlformats.org/officeDocument/2006/relationships" xmlns:p="http://schemas.openxmlformats.org/presentationml/2006/main" showMasterSp="0" showMasterPhAnim="0">
   <p:cSld>
     <p:spTree>
       <p:nvGrpSpPr>
-        <p:cNvPr id="61" name="Shape 61"/>
+        <p:cNvPr id="1" name="Shape 61"/>
         <p:cNvGrpSpPr/>
         <p:nvPr/>
       </p:nvGrpSpPr>
@@ -1312,9 +1455,11 @@
       <p:sp>
         <p:nvSpPr>
           <p:cNvPr id="62" name="Google Shape;62;gc3b09ac85a_0_5:notes"/>
-          <p:cNvSpPr/>
+          <p:cNvSpPr>
+            <a:spLocks noGrp="1" noRot="1" noChangeAspect="1"/>
+          </p:cNvSpPr>
           <p:nvPr>
-            <p:ph idx="2" type="sldImg"/>
+            <p:ph type="sldImg" idx="2"/>
           </p:nvPr>
         </p:nvSpPr>
         <p:spPr>
@@ -1323,9 +1468,13 @@
             <a:ext cx="6096000" cy="3429000"/>
           </a:xfrm>
           <a:custGeom>
-            <a:rect b="b" l="l" r="r" t="t"/>
+            <a:avLst/>
+            <a:gdLst/>
+            <a:ahLst/>
+            <a:cxnLst/>
+            <a:rect l="l" t="t" r="r" b="b"/>
             <a:pathLst>
-              <a:path extrusionOk="0" h="120000" w="120000">
+              <a:path w="120000" h="120000" extrusionOk="0">
                 <a:moveTo>
                   <a:pt x="0" y="0"/>
                 </a:moveTo>
@@ -1347,9 +1496,11 @@
       <p:sp>
         <p:nvSpPr>
           <p:cNvPr id="63" name="Google Shape;63;gc3b09ac85a_0_5:notes"/>
-          <p:cNvSpPr txBox="1"/>
+          <p:cNvSpPr txBox="1">
+            <a:spLocks noGrp="1"/>
+          </p:cNvSpPr>
           <p:nvPr>
-            <p:ph idx="1" type="body"/>
+            <p:ph type="body" idx="1"/>
           </p:nvPr>
         </p:nvSpPr>
         <p:spPr>
@@ -1362,12 +1513,12 @@
           </a:prstGeom>
         </p:spPr>
         <p:txBody>
-          <a:bodyPr anchorCtr="0" anchor="t" bIns="91425" lIns="91425" spcFirstLastPara="1" rIns="91425" wrap="square" tIns="91425">
+          <a:bodyPr spcFirstLastPara="1" wrap="square" lIns="91425" tIns="91425" rIns="91425" bIns="91425" anchor="t" anchorCtr="0">
             <a:noAutofit/>
           </a:bodyPr>
           <a:lstStyle/>
           <a:p>
-            <a:pPr indent="0" lvl="0" marL="0" rtl="0" algn="l">
+            <a:pPr marL="0" lvl="0" indent="0" algn="l" rtl="0">
               <a:spcBef>
                 <a:spcPts val="0"/>
               </a:spcBef>
@@ -1376,9 +1527,6 @@
               </a:spcAft>
               <a:buNone/>
             </a:pPr>
-            <a:r>
-              <a:t/>
-            </a:r>
             <a:endParaRPr/>
           </a:p>
         </p:txBody>
@@ -1392,11 +1540,11 @@
 </file>
 
 <file path=ppt/notesSlides/notesSlide4.xml><?xml version="1.0" encoding="utf-8"?>
-<p:notes xmlns:a="http://schemas.openxmlformats.org/drawingml/2006/main" xmlns:r="http://schemas.openxmlformats.org/officeDocument/2006/relationships" xmlns:mc="http://schemas.openxmlformats.org/markup-compatibility/2006" xmlns:mv="urn:schemas-microsoft-com:mac:vml" xmlns:p="http://schemas.openxmlformats.org/presentationml/2006/main" xmlns:c="http://schemas.openxmlformats.org/drawingml/2006/chart" xmlns:dgm="http://schemas.openxmlformats.org/drawingml/2006/diagram" xmlns:o="urn:schemas-microsoft-com:office:office" xmlns:v="urn:schemas-microsoft-com:vml" xmlns:pvml="urn:schemas-microsoft-com:office:powerpoint" xmlns:com="http://schemas.openxmlformats.org/drawingml/2006/compatibility" xmlns:p14="http://schemas.microsoft.com/office/powerpoint/2010/main" xmlns:p15="http://schemas.microsoft.com/office/powerpoint/2012/main" xmlns:ahyp="http://schemas.microsoft.com/office/drawing/2018/hyperlinkcolor" showMasterPhAnim="0" showMasterSp="0">
+<p:notes xmlns:a="http://schemas.openxmlformats.org/drawingml/2006/main" xmlns:r="http://schemas.openxmlformats.org/officeDocument/2006/relationships" xmlns:p="http://schemas.openxmlformats.org/presentationml/2006/main" showMasterSp="0" showMasterPhAnim="0">
   <p:cSld>
     <p:spTree>
       <p:nvGrpSpPr>
-        <p:cNvPr id="71" name="Shape 71"/>
+        <p:cNvPr id="1" name="Shape 71"/>
         <p:cNvGrpSpPr/>
         <p:nvPr/>
       </p:nvGrpSpPr>
@@ -1411,9 +1559,11 @@
       <p:sp>
         <p:nvSpPr>
           <p:cNvPr id="72" name="Google Shape;72;gc3b09ac85a_0_15:notes"/>
-          <p:cNvSpPr/>
+          <p:cNvSpPr>
+            <a:spLocks noGrp="1" noRot="1" noChangeAspect="1"/>
+          </p:cNvSpPr>
           <p:nvPr>
-            <p:ph idx="2" type="sldImg"/>
+            <p:ph type="sldImg" idx="2"/>
           </p:nvPr>
         </p:nvSpPr>
         <p:spPr>
@@ -1422,9 +1572,13 @@
             <a:ext cx="6096000" cy="3429000"/>
           </a:xfrm>
           <a:custGeom>
-            <a:rect b="b" l="l" r="r" t="t"/>
+            <a:avLst/>
+            <a:gdLst/>
+            <a:ahLst/>
+            <a:cxnLst/>
+            <a:rect l="l" t="t" r="r" b="b"/>
             <a:pathLst>
-              <a:path extrusionOk="0" h="120000" w="120000">
+              <a:path w="120000" h="120000" extrusionOk="0">
                 <a:moveTo>
                   <a:pt x="0" y="0"/>
                 </a:moveTo>
@@ -1446,9 +1600,11 @@
       <p:sp>
         <p:nvSpPr>
           <p:cNvPr id="73" name="Google Shape;73;gc3b09ac85a_0_15:notes"/>
-          <p:cNvSpPr txBox="1"/>
+          <p:cNvSpPr txBox="1">
+            <a:spLocks noGrp="1"/>
+          </p:cNvSpPr>
           <p:nvPr>
-            <p:ph idx="1" type="body"/>
+            <p:ph type="body" idx="1"/>
           </p:nvPr>
         </p:nvSpPr>
         <p:spPr>
@@ -1461,12 +1617,12 @@
           </a:prstGeom>
         </p:spPr>
         <p:txBody>
-          <a:bodyPr anchorCtr="0" anchor="t" bIns="91425" lIns="91425" spcFirstLastPara="1" rIns="91425" wrap="square" tIns="91425">
+          <a:bodyPr spcFirstLastPara="1" wrap="square" lIns="91425" tIns="91425" rIns="91425" bIns="91425" anchor="t" anchorCtr="0">
             <a:noAutofit/>
           </a:bodyPr>
           <a:lstStyle/>
           <a:p>
-            <a:pPr indent="0" lvl="0" marL="0" rtl="0" algn="l">
+            <a:pPr marL="0" lvl="0" indent="0" algn="l" rtl="0">
               <a:spcBef>
                 <a:spcPts val="0"/>
               </a:spcBef>
@@ -1475,9 +1631,6 @@
               </a:spcAft>
               <a:buNone/>
             </a:pPr>
-            <a:r>
-              <a:t/>
-            </a:r>
             <a:endParaRPr/>
           </a:p>
         </p:txBody>
@@ -1491,11 +1644,11 @@
 </file>
 
 <file path=ppt/notesSlides/notesSlide5.xml><?xml version="1.0" encoding="utf-8"?>
-<p:notes xmlns:a="http://schemas.openxmlformats.org/drawingml/2006/main" xmlns:r="http://schemas.openxmlformats.org/officeDocument/2006/relationships" xmlns:mc="http://schemas.openxmlformats.org/markup-compatibility/2006" xmlns:mv="urn:schemas-microsoft-com:mac:vml" xmlns:p="http://schemas.openxmlformats.org/presentationml/2006/main" xmlns:c="http://schemas.openxmlformats.org/drawingml/2006/chart" xmlns:dgm="http://schemas.openxmlformats.org/drawingml/2006/diagram" xmlns:o="urn:schemas-microsoft-com:office:office" xmlns:v="urn:schemas-microsoft-com:vml" xmlns:pvml="urn:schemas-microsoft-com:office:powerpoint" xmlns:com="http://schemas.openxmlformats.org/drawingml/2006/compatibility" xmlns:p14="http://schemas.microsoft.com/office/powerpoint/2010/main" xmlns:p15="http://schemas.microsoft.com/office/powerpoint/2012/main" xmlns:ahyp="http://schemas.microsoft.com/office/drawing/2018/hyperlinkcolor" showMasterPhAnim="0" showMasterSp="0">
+<p:notes xmlns:a="http://schemas.openxmlformats.org/drawingml/2006/main" xmlns:r="http://schemas.openxmlformats.org/officeDocument/2006/relationships" xmlns:p="http://schemas.openxmlformats.org/presentationml/2006/main" showMasterSp="0" showMasterPhAnim="0">
   <p:cSld>
     <p:spTree>
       <p:nvGrpSpPr>
-        <p:cNvPr id="78" name="Shape 78"/>
+        <p:cNvPr id="1" name="Shape 78"/>
         <p:cNvGrpSpPr/>
         <p:nvPr/>
       </p:nvGrpSpPr>
@@ -1510,9 +1663,11 @@
       <p:sp>
         <p:nvSpPr>
           <p:cNvPr id="79" name="Google Shape;79;gc3b09ac85a_0_22:notes"/>
-          <p:cNvSpPr/>
+          <p:cNvSpPr>
+            <a:spLocks noGrp="1" noRot="1" noChangeAspect="1"/>
+          </p:cNvSpPr>
           <p:nvPr>
-            <p:ph idx="2" type="sldImg"/>
+            <p:ph type="sldImg" idx="2"/>
           </p:nvPr>
         </p:nvSpPr>
         <p:spPr>
@@ -1521,9 +1676,13 @@
             <a:ext cx="6096000" cy="3429000"/>
           </a:xfrm>
           <a:custGeom>
-            <a:rect b="b" l="l" r="r" t="t"/>
+            <a:avLst/>
+            <a:gdLst/>
+            <a:ahLst/>
+            <a:cxnLst/>
+            <a:rect l="l" t="t" r="r" b="b"/>
             <a:pathLst>
-              <a:path extrusionOk="0" h="120000" w="120000">
+              <a:path w="120000" h="120000" extrusionOk="0">
                 <a:moveTo>
                   <a:pt x="0" y="0"/>
                 </a:moveTo>
@@ -1545,9 +1704,11 @@
       <p:sp>
         <p:nvSpPr>
           <p:cNvPr id="80" name="Google Shape;80;gc3b09ac85a_0_22:notes"/>
-          <p:cNvSpPr txBox="1"/>
+          <p:cNvSpPr txBox="1">
+            <a:spLocks noGrp="1"/>
+          </p:cNvSpPr>
           <p:nvPr>
-            <p:ph idx="1" type="body"/>
+            <p:ph type="body" idx="1"/>
           </p:nvPr>
         </p:nvSpPr>
         <p:spPr>
@@ -1560,12 +1721,12 @@
           </a:prstGeom>
         </p:spPr>
         <p:txBody>
-          <a:bodyPr anchorCtr="0" anchor="t" bIns="91425" lIns="91425" spcFirstLastPara="1" rIns="91425" wrap="square" tIns="91425">
+          <a:bodyPr spcFirstLastPara="1" wrap="square" lIns="91425" tIns="91425" rIns="91425" bIns="91425" anchor="t" anchorCtr="0">
             <a:noAutofit/>
           </a:bodyPr>
           <a:lstStyle/>
           <a:p>
-            <a:pPr indent="0" lvl="0" marL="0" rtl="0" algn="l">
+            <a:pPr marL="0" lvl="0" indent="0" algn="l" rtl="0">
               <a:spcBef>
                 <a:spcPts val="0"/>
               </a:spcBef>
@@ -1574,9 +1735,6 @@
               </a:spcAft>
               <a:buNone/>
             </a:pPr>
-            <a:r>
-              <a:t/>
-            </a:r>
             <a:endParaRPr/>
           </a:p>
         </p:txBody>
@@ -1590,11 +1748,11 @@
 </file>
 
 <file path=ppt/notesSlides/notesSlide6.xml><?xml version="1.0" encoding="utf-8"?>
-<p:notes xmlns:a="http://schemas.openxmlformats.org/drawingml/2006/main" xmlns:r="http://schemas.openxmlformats.org/officeDocument/2006/relationships" xmlns:mc="http://schemas.openxmlformats.org/markup-compatibility/2006" xmlns:mv="urn:schemas-microsoft-com:mac:vml" xmlns:p="http://schemas.openxmlformats.org/presentationml/2006/main" xmlns:c="http://schemas.openxmlformats.org/drawingml/2006/chart" xmlns:dgm="http://schemas.openxmlformats.org/drawingml/2006/diagram" xmlns:o="urn:schemas-microsoft-com:office:office" xmlns:v="urn:schemas-microsoft-com:vml" xmlns:pvml="urn:schemas-microsoft-com:office:powerpoint" xmlns:com="http://schemas.openxmlformats.org/drawingml/2006/compatibility" xmlns:p14="http://schemas.microsoft.com/office/powerpoint/2010/main" xmlns:p15="http://schemas.microsoft.com/office/powerpoint/2012/main" xmlns:ahyp="http://schemas.microsoft.com/office/drawing/2018/hyperlinkcolor" showMasterPhAnim="0" showMasterSp="0">
+<p:notes xmlns:a="http://schemas.openxmlformats.org/drawingml/2006/main" xmlns:r="http://schemas.openxmlformats.org/officeDocument/2006/relationships" xmlns:p="http://schemas.openxmlformats.org/presentationml/2006/main" showMasterSp="0" showMasterPhAnim="0">
   <p:cSld>
     <p:spTree>
       <p:nvGrpSpPr>
-        <p:cNvPr id="84" name="Shape 84"/>
+        <p:cNvPr id="1" name="Shape 84"/>
         <p:cNvGrpSpPr/>
         <p:nvPr/>
       </p:nvGrpSpPr>
@@ -1609,9 +1767,11 @@
       <p:sp>
         <p:nvSpPr>
           <p:cNvPr id="85" name="Google Shape;85;gc3b09ac85a_0_27:notes"/>
-          <p:cNvSpPr/>
+          <p:cNvSpPr>
+            <a:spLocks noGrp="1" noRot="1" noChangeAspect="1"/>
+          </p:cNvSpPr>
           <p:nvPr>
-            <p:ph idx="2" type="sldImg"/>
+            <p:ph type="sldImg" idx="2"/>
           </p:nvPr>
         </p:nvSpPr>
         <p:spPr>
@@ -1620,9 +1780,13 @@
             <a:ext cx="6096000" cy="3429000"/>
           </a:xfrm>
           <a:custGeom>
-            <a:rect b="b" l="l" r="r" t="t"/>
+            <a:avLst/>
+            <a:gdLst/>
+            <a:ahLst/>
+            <a:cxnLst/>
+            <a:rect l="l" t="t" r="r" b="b"/>
             <a:pathLst>
-              <a:path extrusionOk="0" h="120000" w="120000">
+              <a:path w="120000" h="120000" extrusionOk="0">
                 <a:moveTo>
                   <a:pt x="0" y="0"/>
                 </a:moveTo>
@@ -1644,9 +1808,11 @@
       <p:sp>
         <p:nvSpPr>
           <p:cNvPr id="86" name="Google Shape;86;gc3b09ac85a_0_27:notes"/>
-          <p:cNvSpPr txBox="1"/>
+          <p:cNvSpPr txBox="1">
+            <a:spLocks noGrp="1"/>
+          </p:cNvSpPr>
           <p:nvPr>
-            <p:ph idx="1" type="body"/>
+            <p:ph type="body" idx="1"/>
           </p:nvPr>
         </p:nvSpPr>
         <p:spPr>
@@ -1659,12 +1825,12 @@
           </a:prstGeom>
         </p:spPr>
         <p:txBody>
-          <a:bodyPr anchorCtr="0" anchor="t" bIns="91425" lIns="91425" spcFirstLastPara="1" rIns="91425" wrap="square" tIns="91425">
+          <a:bodyPr spcFirstLastPara="1" wrap="square" lIns="91425" tIns="91425" rIns="91425" bIns="91425" anchor="t" anchorCtr="0">
             <a:noAutofit/>
           </a:bodyPr>
           <a:lstStyle/>
           <a:p>
-            <a:pPr indent="0" lvl="0" marL="0" rtl="0" algn="l">
+            <a:pPr marL="0" lvl="0" indent="0" algn="l" rtl="0">
               <a:spcBef>
                 <a:spcPts val="0"/>
               </a:spcBef>
@@ -1673,9 +1839,6 @@
               </a:spcAft>
               <a:buNone/>
             </a:pPr>
-            <a:r>
-              <a:t/>
-            </a:r>
             <a:endParaRPr/>
           </a:p>
         </p:txBody>
@@ -1689,11 +1852,11 @@
 </file>
 
 <file path=ppt/notesSlides/notesSlide7.xml><?xml version="1.0" encoding="utf-8"?>
-<p:notes xmlns:a="http://schemas.openxmlformats.org/drawingml/2006/main" xmlns:r="http://schemas.openxmlformats.org/officeDocument/2006/relationships" xmlns:mc="http://schemas.openxmlformats.org/markup-compatibility/2006" xmlns:mv="urn:schemas-microsoft-com:mac:vml" xmlns:p="http://schemas.openxmlformats.org/presentationml/2006/main" xmlns:c="http://schemas.openxmlformats.org/drawingml/2006/chart" xmlns:dgm="http://schemas.openxmlformats.org/drawingml/2006/diagram" xmlns:o="urn:schemas-microsoft-com:office:office" xmlns:v="urn:schemas-microsoft-com:vml" xmlns:pvml="urn:schemas-microsoft-com:office:powerpoint" xmlns:com="http://schemas.openxmlformats.org/drawingml/2006/compatibility" xmlns:p14="http://schemas.microsoft.com/office/powerpoint/2010/main" xmlns:p15="http://schemas.microsoft.com/office/powerpoint/2012/main" xmlns:ahyp="http://schemas.microsoft.com/office/drawing/2018/hyperlinkcolor" showMasterPhAnim="0" showMasterSp="0">
+<p:notes xmlns:a="http://schemas.openxmlformats.org/drawingml/2006/main" xmlns:r="http://schemas.openxmlformats.org/officeDocument/2006/relationships" xmlns:p="http://schemas.openxmlformats.org/presentationml/2006/main" showMasterSp="0" showMasterPhAnim="0">
   <p:cSld>
     <p:spTree>
       <p:nvGrpSpPr>
-        <p:cNvPr id="91" name="Shape 91"/>
+        <p:cNvPr id="1" name="Shape 91"/>
         <p:cNvGrpSpPr/>
         <p:nvPr/>
       </p:nvGrpSpPr>
@@ -1708,9 +1871,11 @@
       <p:sp>
         <p:nvSpPr>
           <p:cNvPr id="92" name="Google Shape;92;gc3b09ac85a_0_33:notes"/>
-          <p:cNvSpPr/>
+          <p:cNvSpPr>
+            <a:spLocks noGrp="1" noRot="1" noChangeAspect="1"/>
+          </p:cNvSpPr>
           <p:nvPr>
-            <p:ph idx="2" type="sldImg"/>
+            <p:ph type="sldImg" idx="2"/>
           </p:nvPr>
         </p:nvSpPr>
         <p:spPr>
@@ -1719,9 +1884,13 @@
             <a:ext cx="6096000" cy="3429000"/>
           </a:xfrm>
           <a:custGeom>
-            <a:rect b="b" l="l" r="r" t="t"/>
+            <a:avLst/>
+            <a:gdLst/>
+            <a:ahLst/>
+            <a:cxnLst/>
+            <a:rect l="l" t="t" r="r" b="b"/>
             <a:pathLst>
-              <a:path extrusionOk="0" h="120000" w="120000">
+              <a:path w="120000" h="120000" extrusionOk="0">
                 <a:moveTo>
                   <a:pt x="0" y="0"/>
                 </a:moveTo>
@@ -1743,9 +1912,11 @@
       <p:sp>
         <p:nvSpPr>
           <p:cNvPr id="93" name="Google Shape;93;gc3b09ac85a_0_33:notes"/>
-          <p:cNvSpPr txBox="1"/>
+          <p:cNvSpPr txBox="1">
+            <a:spLocks noGrp="1"/>
+          </p:cNvSpPr>
           <p:nvPr>
-            <p:ph idx="1" type="body"/>
+            <p:ph type="body" idx="1"/>
           </p:nvPr>
         </p:nvSpPr>
         <p:spPr>
@@ -1758,12 +1929,12 @@
           </a:prstGeom>
         </p:spPr>
         <p:txBody>
-          <a:bodyPr anchorCtr="0" anchor="t" bIns="91425" lIns="91425" spcFirstLastPara="1" rIns="91425" wrap="square" tIns="91425">
+          <a:bodyPr spcFirstLastPara="1" wrap="square" lIns="91425" tIns="91425" rIns="91425" bIns="91425" anchor="t" anchorCtr="0">
             <a:noAutofit/>
           </a:bodyPr>
           <a:lstStyle/>
           <a:p>
-            <a:pPr indent="0" lvl="0" marL="0" rtl="0" algn="l">
+            <a:pPr marL="0" lvl="0" indent="0" algn="l" rtl="0">
               <a:spcBef>
                 <a:spcPts val="0"/>
               </a:spcBef>
@@ -1772,9 +1943,6 @@
               </a:spcAft>
               <a:buNone/>
             </a:pPr>
-            <a:r>
-              <a:t/>
-            </a:r>
             <a:endParaRPr/>
           </a:p>
         </p:txBody>
@@ -1788,11 +1956,11 @@
 </file>
 
 <file path=ppt/notesSlides/notesSlide8.xml><?xml version="1.0" encoding="utf-8"?>
-<p:notes xmlns:a="http://schemas.openxmlformats.org/drawingml/2006/main" xmlns:r="http://schemas.openxmlformats.org/officeDocument/2006/relationships" xmlns:mc="http://schemas.openxmlformats.org/markup-compatibility/2006" xmlns:mv="urn:schemas-microsoft-com:mac:vml" xmlns:p="http://schemas.openxmlformats.org/presentationml/2006/main" xmlns:c="http://schemas.openxmlformats.org/drawingml/2006/chart" xmlns:dgm="http://schemas.openxmlformats.org/drawingml/2006/diagram" xmlns:o="urn:schemas-microsoft-com:office:office" xmlns:v="urn:schemas-microsoft-com:vml" xmlns:pvml="urn:schemas-microsoft-com:office:powerpoint" xmlns:com="http://schemas.openxmlformats.org/drawingml/2006/compatibility" xmlns:p14="http://schemas.microsoft.com/office/powerpoint/2010/main" xmlns:p15="http://schemas.microsoft.com/office/powerpoint/2012/main" xmlns:ahyp="http://schemas.microsoft.com/office/drawing/2018/hyperlinkcolor" showMasterPhAnim="0" showMasterSp="0">
+<p:notes xmlns:a="http://schemas.openxmlformats.org/drawingml/2006/main" xmlns:r="http://schemas.openxmlformats.org/officeDocument/2006/relationships" xmlns:p="http://schemas.openxmlformats.org/presentationml/2006/main" showMasterSp="0" showMasterPhAnim="0">
   <p:cSld>
     <p:spTree>
       <p:nvGrpSpPr>
-        <p:cNvPr id="98" name="Shape 98"/>
+        <p:cNvPr id="1" name="Shape 98"/>
         <p:cNvGrpSpPr/>
         <p:nvPr/>
       </p:nvGrpSpPr>
@@ -1807,9 +1975,11 @@
       <p:sp>
         <p:nvSpPr>
           <p:cNvPr id="99" name="Google Shape;99;gc3b09ac85a_0_55:notes"/>
-          <p:cNvSpPr/>
+          <p:cNvSpPr>
+            <a:spLocks noGrp="1" noRot="1" noChangeAspect="1"/>
+          </p:cNvSpPr>
           <p:nvPr>
-            <p:ph idx="2" type="sldImg"/>
+            <p:ph type="sldImg" idx="2"/>
           </p:nvPr>
         </p:nvSpPr>
         <p:spPr>
@@ -1818,9 +1988,13 @@
             <a:ext cx="6096000" cy="3429000"/>
           </a:xfrm>
           <a:custGeom>
-            <a:rect b="b" l="l" r="r" t="t"/>
+            <a:avLst/>
+            <a:gdLst/>
+            <a:ahLst/>
+            <a:cxnLst/>
+            <a:rect l="l" t="t" r="r" b="b"/>
             <a:pathLst>
-              <a:path extrusionOk="0" h="120000" w="120000">
+              <a:path w="120000" h="120000" extrusionOk="0">
                 <a:moveTo>
                   <a:pt x="0" y="0"/>
                 </a:moveTo>
@@ -1842,9 +2016,11 @@
       <p:sp>
         <p:nvSpPr>
           <p:cNvPr id="100" name="Google Shape;100;gc3b09ac85a_0_55:notes"/>
-          <p:cNvSpPr txBox="1"/>
+          <p:cNvSpPr txBox="1">
+            <a:spLocks noGrp="1"/>
+          </p:cNvSpPr>
           <p:nvPr>
-            <p:ph idx="1" type="body"/>
+            <p:ph type="body" idx="1"/>
           </p:nvPr>
         </p:nvSpPr>
         <p:spPr>
@@ -1857,12 +2033,12 @@
           </a:prstGeom>
         </p:spPr>
         <p:txBody>
-          <a:bodyPr anchorCtr="0" anchor="t" bIns="91425" lIns="91425" spcFirstLastPara="1" rIns="91425" wrap="square" tIns="91425">
+          <a:bodyPr spcFirstLastPara="1" wrap="square" lIns="91425" tIns="91425" rIns="91425" bIns="91425" anchor="t" anchorCtr="0">
             <a:noAutofit/>
           </a:bodyPr>
           <a:lstStyle/>
           <a:p>
-            <a:pPr indent="0" lvl="0" marL="0" rtl="0" algn="l">
+            <a:pPr marL="0" lvl="0" indent="0" algn="l" rtl="0">
               <a:spcBef>
                 <a:spcPts val="0"/>
               </a:spcBef>
@@ -1871,9 +2047,6 @@
               </a:spcAft>
               <a:buNone/>
             </a:pPr>
-            <a:r>
-              <a:t/>
-            </a:r>
             <a:endParaRPr/>
           </a:p>
         </p:txBody>
@@ -1887,11 +2060,11 @@
 </file>
 
 <file path=ppt/notesSlides/notesSlide9.xml><?xml version="1.0" encoding="utf-8"?>
-<p:notes xmlns:a="http://schemas.openxmlformats.org/drawingml/2006/main" xmlns:r="http://schemas.openxmlformats.org/officeDocument/2006/relationships" xmlns:mc="http://schemas.openxmlformats.org/markup-compatibility/2006" xmlns:mv="urn:schemas-microsoft-com:mac:vml" xmlns:p="http://schemas.openxmlformats.org/presentationml/2006/main" xmlns:c="http://schemas.openxmlformats.org/drawingml/2006/chart" xmlns:dgm="http://schemas.openxmlformats.org/drawingml/2006/diagram" xmlns:o="urn:schemas-microsoft-com:office:office" xmlns:v="urn:schemas-microsoft-com:vml" xmlns:pvml="urn:schemas-microsoft-com:office:powerpoint" xmlns:com="http://schemas.openxmlformats.org/drawingml/2006/compatibility" xmlns:p14="http://schemas.microsoft.com/office/powerpoint/2010/main" xmlns:p15="http://schemas.microsoft.com/office/powerpoint/2012/main" xmlns:ahyp="http://schemas.microsoft.com/office/drawing/2018/hyperlinkcolor" showMasterPhAnim="0" showMasterSp="0">
+<p:notes xmlns:a="http://schemas.openxmlformats.org/drawingml/2006/main" xmlns:r="http://schemas.openxmlformats.org/officeDocument/2006/relationships" xmlns:p="http://schemas.openxmlformats.org/presentationml/2006/main" showMasterSp="0" showMasterPhAnim="0">
   <p:cSld>
     <p:spTree>
       <p:nvGrpSpPr>
-        <p:cNvPr id="104" name="Shape 104"/>
+        <p:cNvPr id="1" name="Shape 104"/>
         <p:cNvGrpSpPr/>
         <p:nvPr/>
       </p:nvGrpSpPr>
@@ -1906,9 +2079,11 @@
       <p:sp>
         <p:nvSpPr>
           <p:cNvPr id="105" name="Google Shape;105;gc3b09ac85a_0_60:notes"/>
-          <p:cNvSpPr/>
+          <p:cNvSpPr>
+            <a:spLocks noGrp="1" noRot="1" noChangeAspect="1"/>
+          </p:cNvSpPr>
           <p:nvPr>
-            <p:ph idx="2" type="sldImg"/>
+            <p:ph type="sldImg" idx="2"/>
           </p:nvPr>
         </p:nvSpPr>
         <p:spPr>
@@ -1917,9 +2092,13 @@
             <a:ext cx="6096000" cy="3429000"/>
           </a:xfrm>
           <a:custGeom>
-            <a:rect b="b" l="l" r="r" t="t"/>
+            <a:avLst/>
+            <a:gdLst/>
+            <a:ahLst/>
+            <a:cxnLst/>
+            <a:rect l="l" t="t" r="r" b="b"/>
             <a:pathLst>
-              <a:path extrusionOk="0" h="120000" w="120000">
+              <a:path w="120000" h="120000" extrusionOk="0">
                 <a:moveTo>
                   <a:pt x="0" y="0"/>
                 </a:moveTo>
@@ -1941,9 +2120,11 @@
       <p:sp>
         <p:nvSpPr>
           <p:cNvPr id="106" name="Google Shape;106;gc3b09ac85a_0_60:notes"/>
-          <p:cNvSpPr txBox="1"/>
+          <p:cNvSpPr txBox="1">
+            <a:spLocks noGrp="1"/>
+          </p:cNvSpPr>
           <p:nvPr>
-            <p:ph idx="1" type="body"/>
+            <p:ph type="body" idx="1"/>
           </p:nvPr>
         </p:nvSpPr>
         <p:spPr>
@@ -1956,12 +2137,12 @@
           </a:prstGeom>
         </p:spPr>
         <p:txBody>
-          <a:bodyPr anchorCtr="0" anchor="t" bIns="91425" lIns="91425" spcFirstLastPara="1" rIns="91425" wrap="square" tIns="91425">
+          <a:bodyPr spcFirstLastPara="1" wrap="square" lIns="91425" tIns="91425" rIns="91425" bIns="91425" anchor="t" anchorCtr="0">
             <a:noAutofit/>
           </a:bodyPr>
           <a:lstStyle/>
           <a:p>
-            <a:pPr indent="0" lvl="0" marL="0" rtl="0" algn="l">
+            <a:pPr marL="0" lvl="0" indent="0" algn="l" rtl="0">
               <a:spcBef>
                 <a:spcPts val="0"/>
               </a:spcBef>
@@ -1970,9 +2151,6 @@
               </a:spcAft>
               <a:buNone/>
             </a:pPr>
-            <a:r>
-              <a:t/>
-            </a:r>
             <a:endParaRPr/>
           </a:p>
         </p:txBody>
@@ -1986,11 +2164,11 @@
 </file>
 
 <file path=ppt/slideLayouts/slideLayout1.xml><?xml version="1.0" encoding="utf-8"?>
-<p:sldLayout xmlns:a="http://schemas.openxmlformats.org/drawingml/2006/main" xmlns:r="http://schemas.openxmlformats.org/officeDocument/2006/relationships" xmlns:mc="http://schemas.openxmlformats.org/markup-compatibility/2006" xmlns:mv="urn:schemas-microsoft-com:mac:vml" xmlns:p="http://schemas.openxmlformats.org/presentationml/2006/main" xmlns:c="http://schemas.openxmlformats.org/drawingml/2006/chart" xmlns:dgm="http://schemas.openxmlformats.org/drawingml/2006/diagram" xmlns:o="urn:schemas-microsoft-com:office:office" xmlns:v="urn:schemas-microsoft-com:vml" xmlns:pvml="urn:schemas-microsoft-com:office:powerpoint" xmlns:com="http://schemas.openxmlformats.org/drawingml/2006/compatibility" xmlns:p14="http://schemas.microsoft.com/office/powerpoint/2010/main" xmlns:p15="http://schemas.microsoft.com/office/powerpoint/2012/main" xmlns:ahyp="http://schemas.microsoft.com/office/drawing/2018/hyperlinkcolor" matchingName="Title slide" type="title">
+<p:sldLayout xmlns:a="http://schemas.openxmlformats.org/drawingml/2006/main" xmlns:r="http://schemas.openxmlformats.org/officeDocument/2006/relationships" xmlns:p="http://schemas.openxmlformats.org/presentationml/2006/main" matchingName="Title slide" type="title">
   <p:cSld name="TITLE">
     <p:spTree>
       <p:nvGrpSpPr>
-        <p:cNvPr id="9" name="Shape 9"/>
+        <p:cNvPr id="1" name="Shape 9"/>
         <p:cNvGrpSpPr/>
         <p:nvPr/>
       </p:nvGrpSpPr>
@@ -2005,7 +2183,9 @@
       <p:sp>
         <p:nvSpPr>
           <p:cNvPr id="10" name="Google Shape;10;p2"/>
-          <p:cNvSpPr txBox="1"/>
+          <p:cNvSpPr txBox="1">
+            <a:spLocks noGrp="1"/>
+          </p:cNvSpPr>
           <p:nvPr>
             <p:ph type="ctrTitle"/>
           </p:nvPr>
@@ -2020,7 +2200,7 @@
           </a:prstGeom>
         </p:spPr>
         <p:txBody>
-          <a:bodyPr anchorCtr="0" anchor="b" bIns="91425" lIns="91425" spcFirstLastPara="1" rIns="91425" wrap="square" tIns="91425">
+          <a:bodyPr spcFirstLastPara="1" wrap="square" lIns="91425" tIns="91425" rIns="91425" bIns="91425" anchor="b" anchorCtr="0">
             <a:normAutofit/>
           </a:bodyPr>
           <a:lstStyle>
@@ -2124,15 +2304,19 @@
               <a:defRPr sz="5200"/>
             </a:lvl9pPr>
           </a:lstStyle>
-          <a:p/>
+          <a:p>
+            <a:endParaRPr/>
+          </a:p>
         </p:txBody>
       </p:sp>
       <p:sp>
         <p:nvSpPr>
           <p:cNvPr id="11" name="Google Shape;11;p2"/>
-          <p:cNvSpPr txBox="1"/>
+          <p:cNvSpPr txBox="1">
+            <a:spLocks noGrp="1"/>
+          </p:cNvSpPr>
           <p:nvPr>
-            <p:ph idx="1" type="subTitle"/>
+            <p:ph type="subTitle" idx="1"/>
           </p:nvPr>
         </p:nvSpPr>
         <p:spPr>
@@ -2145,7 +2329,7 @@
           </a:prstGeom>
         </p:spPr>
         <p:txBody>
-          <a:bodyPr anchorCtr="0" anchor="t" bIns="91425" lIns="91425" spcFirstLastPara="1" rIns="91425" wrap="square" tIns="91425">
+          <a:bodyPr spcFirstLastPara="1" wrap="square" lIns="91425" tIns="91425" rIns="91425" bIns="91425" anchor="t" anchorCtr="0">
             <a:normAutofit/>
           </a:bodyPr>
           <a:lstStyle>
@@ -2276,15 +2460,19 @@
               <a:defRPr sz="2800"/>
             </a:lvl9pPr>
           </a:lstStyle>
-          <a:p/>
+          <a:p>
+            <a:endParaRPr/>
+          </a:p>
         </p:txBody>
       </p:sp>
       <p:sp>
         <p:nvSpPr>
           <p:cNvPr id="12" name="Google Shape;12;p2"/>
-          <p:cNvSpPr txBox="1"/>
+          <p:cNvSpPr txBox="1">
+            <a:spLocks noGrp="1"/>
+          </p:cNvSpPr>
           <p:nvPr>
-            <p:ph idx="12" type="sldNum"/>
+            <p:ph type="sldNum" idx="12"/>
           </p:nvPr>
         </p:nvSpPr>
         <p:spPr>
@@ -2297,7 +2485,7 @@
           </a:prstGeom>
         </p:spPr>
         <p:txBody>
-          <a:bodyPr anchorCtr="0" anchor="ctr" bIns="91425" lIns="91425" spcFirstLastPara="1" rIns="91425" wrap="square" tIns="91425">
+          <a:bodyPr spcFirstLastPara="1" wrap="square" lIns="91425" tIns="91425" rIns="91425" bIns="91425" anchor="ctr" anchorCtr="0">
             <a:normAutofit/>
           </a:bodyPr>
           <a:lstStyle>
@@ -2339,7 +2527,7 @@
             </a:lvl9pPr>
           </a:lstStyle>
           <a:p>
-            <a:pPr indent="0" lvl="0" marL="0" rtl="0" algn="r">
+            <a:pPr marL="0" lvl="0" indent="0" algn="r" rtl="0">
               <a:spcBef>
                 <a:spcPts val="0"/>
               </a:spcBef>
@@ -2365,11 +2553,11 @@
 </file>
 
 <file path=ppt/slideLayouts/slideLayout10.xml><?xml version="1.0" encoding="utf-8"?>
-<p:sldLayout xmlns:a="http://schemas.openxmlformats.org/drawingml/2006/main" xmlns:r="http://schemas.openxmlformats.org/officeDocument/2006/relationships" xmlns:mc="http://schemas.openxmlformats.org/markup-compatibility/2006" xmlns:mv="urn:schemas-microsoft-com:mac:vml" xmlns:p="http://schemas.openxmlformats.org/presentationml/2006/main" xmlns:c="http://schemas.openxmlformats.org/drawingml/2006/chart" xmlns:dgm="http://schemas.openxmlformats.org/drawingml/2006/diagram" xmlns:o="urn:schemas-microsoft-com:office:office" xmlns:v="urn:schemas-microsoft-com:vml" xmlns:pvml="urn:schemas-microsoft-com:office:powerpoint" xmlns:com="http://schemas.openxmlformats.org/drawingml/2006/compatibility" xmlns:p14="http://schemas.microsoft.com/office/powerpoint/2010/main" xmlns:p15="http://schemas.microsoft.com/office/powerpoint/2012/main" xmlns:ahyp="http://schemas.microsoft.com/office/drawing/2018/hyperlinkcolor" matchingName="Big number">
+<p:sldLayout xmlns:a="http://schemas.openxmlformats.org/drawingml/2006/main" xmlns:r="http://schemas.openxmlformats.org/officeDocument/2006/relationships" xmlns:p="http://schemas.openxmlformats.org/presentationml/2006/main" matchingName="Big number">
   <p:cSld name="BIG_NUMBER">
     <p:spTree>
       <p:nvGrpSpPr>
-        <p:cNvPr id="44" name="Shape 44"/>
+        <p:cNvPr id="1" name="Shape 44"/>
         <p:cNvGrpSpPr/>
         <p:nvPr/>
       </p:nvGrpSpPr>
@@ -2384,9 +2572,11 @@
       <p:sp>
         <p:nvSpPr>
           <p:cNvPr id="45" name="Google Shape;45;p11"/>
-          <p:cNvSpPr txBox="1"/>
+          <p:cNvSpPr txBox="1">
+            <a:spLocks noGrp="1"/>
+          </p:cNvSpPr>
           <p:nvPr>
-            <p:ph hasCustomPrompt="1" type="title"/>
+            <p:ph type="title" hasCustomPrompt="1"/>
           </p:nvPr>
         </p:nvSpPr>
         <p:spPr>
@@ -2399,7 +2589,7 @@
           </a:prstGeom>
         </p:spPr>
         <p:txBody>
-          <a:bodyPr anchorCtr="0" anchor="b" bIns="91425" lIns="91425" spcFirstLastPara="1" rIns="91425" wrap="square" tIns="91425">
+          <a:bodyPr spcFirstLastPara="1" wrap="square" lIns="91425" tIns="91425" rIns="91425" bIns="91425" anchor="b" anchorCtr="0">
             <a:normAutofit/>
           </a:bodyPr>
           <a:lstStyle>
@@ -2513,9 +2703,11 @@
       <p:sp>
         <p:nvSpPr>
           <p:cNvPr id="46" name="Google Shape;46;p11"/>
-          <p:cNvSpPr txBox="1"/>
+          <p:cNvSpPr txBox="1">
+            <a:spLocks noGrp="1"/>
+          </p:cNvSpPr>
           <p:nvPr>
-            <p:ph idx="1" type="body"/>
+            <p:ph type="body" idx="1"/>
           </p:nvPr>
         </p:nvSpPr>
         <p:spPr>
@@ -2528,11 +2720,11 @@
           </a:prstGeom>
         </p:spPr>
         <p:txBody>
-          <a:bodyPr anchorCtr="0" anchor="t" bIns="91425" lIns="91425" spcFirstLastPara="1" rIns="91425" wrap="square" tIns="91425">
+          <a:bodyPr spcFirstLastPara="1" wrap="square" lIns="91425" tIns="91425" rIns="91425" bIns="91425" anchor="t" anchorCtr="0">
             <a:normAutofit/>
           </a:bodyPr>
           <a:lstStyle>
-            <a:lvl1pPr indent="-342900" lvl="0" marL="457200" algn="ctr">
+            <a:lvl1pPr marL="457200" lvl="0" indent="-342900" algn="ctr">
               <a:spcBef>
                 <a:spcPts val="0"/>
               </a:spcBef>
@@ -2543,7 +2735,7 @@
               <a:buChar char="●"/>
               <a:defRPr/>
             </a:lvl1pPr>
-            <a:lvl2pPr indent="-317500" lvl="1" marL="914400" algn="ctr">
+            <a:lvl2pPr marL="914400" lvl="1" indent="-317500" algn="ctr">
               <a:spcBef>
                 <a:spcPts val="0"/>
               </a:spcBef>
@@ -2554,7 +2746,7 @@
               <a:buChar char="○"/>
               <a:defRPr/>
             </a:lvl2pPr>
-            <a:lvl3pPr indent="-317500" lvl="2" marL="1371600" algn="ctr">
+            <a:lvl3pPr marL="1371600" lvl="2" indent="-317500" algn="ctr">
               <a:spcBef>
                 <a:spcPts val="0"/>
               </a:spcBef>
@@ -2565,7 +2757,7 @@
               <a:buChar char="■"/>
               <a:defRPr/>
             </a:lvl3pPr>
-            <a:lvl4pPr indent="-317500" lvl="3" marL="1828800" algn="ctr">
+            <a:lvl4pPr marL="1828800" lvl="3" indent="-317500" algn="ctr">
               <a:spcBef>
                 <a:spcPts val="0"/>
               </a:spcBef>
@@ -2576,7 +2768,7 @@
               <a:buChar char="●"/>
               <a:defRPr/>
             </a:lvl4pPr>
-            <a:lvl5pPr indent="-317500" lvl="4" marL="2286000" algn="ctr">
+            <a:lvl5pPr marL="2286000" lvl="4" indent="-317500" algn="ctr">
               <a:spcBef>
                 <a:spcPts val="0"/>
               </a:spcBef>
@@ -2587,7 +2779,7 @@
               <a:buChar char="○"/>
               <a:defRPr/>
             </a:lvl5pPr>
-            <a:lvl6pPr indent="-317500" lvl="5" marL="2743200" algn="ctr">
+            <a:lvl6pPr marL="2743200" lvl="5" indent="-317500" algn="ctr">
               <a:spcBef>
                 <a:spcPts val="0"/>
               </a:spcBef>
@@ -2598,7 +2790,7 @@
               <a:buChar char="■"/>
               <a:defRPr/>
             </a:lvl6pPr>
-            <a:lvl7pPr indent="-317500" lvl="6" marL="3200400" algn="ctr">
+            <a:lvl7pPr marL="3200400" lvl="6" indent="-317500" algn="ctr">
               <a:spcBef>
                 <a:spcPts val="0"/>
               </a:spcBef>
@@ -2609,7 +2801,7 @@
               <a:buChar char="●"/>
               <a:defRPr/>
             </a:lvl7pPr>
-            <a:lvl8pPr indent="-317500" lvl="7" marL="3657600" algn="ctr">
+            <a:lvl8pPr marL="3657600" lvl="7" indent="-317500" algn="ctr">
               <a:spcBef>
                 <a:spcPts val="0"/>
               </a:spcBef>
@@ -2620,7 +2812,7 @@
               <a:buChar char="○"/>
               <a:defRPr/>
             </a:lvl8pPr>
-            <a:lvl9pPr indent="-317500" lvl="8" marL="4114800" algn="ctr">
+            <a:lvl9pPr marL="4114800" lvl="8" indent="-317500" algn="ctr">
               <a:spcBef>
                 <a:spcPts val="0"/>
               </a:spcBef>
@@ -2632,15 +2824,19 @@
               <a:defRPr/>
             </a:lvl9pPr>
           </a:lstStyle>
-          <a:p/>
+          <a:p>
+            <a:endParaRPr/>
+          </a:p>
         </p:txBody>
       </p:sp>
       <p:sp>
         <p:nvSpPr>
           <p:cNvPr id="47" name="Google Shape;47;p11"/>
-          <p:cNvSpPr txBox="1"/>
+          <p:cNvSpPr txBox="1">
+            <a:spLocks noGrp="1"/>
+          </p:cNvSpPr>
           <p:nvPr>
-            <p:ph idx="12" type="sldNum"/>
+            <p:ph type="sldNum" idx="12"/>
           </p:nvPr>
         </p:nvSpPr>
         <p:spPr>
@@ -2653,7 +2849,7 @@
           </a:prstGeom>
         </p:spPr>
         <p:txBody>
-          <a:bodyPr anchorCtr="0" anchor="ctr" bIns="91425" lIns="91425" spcFirstLastPara="1" rIns="91425" wrap="square" tIns="91425">
+          <a:bodyPr spcFirstLastPara="1" wrap="square" lIns="91425" tIns="91425" rIns="91425" bIns="91425" anchor="ctr" anchorCtr="0">
             <a:normAutofit/>
           </a:bodyPr>
           <a:lstStyle>
@@ -2695,7 +2891,7 @@
             </a:lvl9pPr>
           </a:lstStyle>
           <a:p>
-            <a:pPr indent="0" lvl="0" marL="0" rtl="0" algn="r">
+            <a:pPr marL="0" lvl="0" indent="0" algn="r" rtl="0">
               <a:spcBef>
                 <a:spcPts val="0"/>
               </a:spcBef>
@@ -2721,11 +2917,11 @@
 </file>
 
 <file path=ppt/slideLayouts/slideLayout11.xml><?xml version="1.0" encoding="utf-8"?>
-<p:sldLayout xmlns:a="http://schemas.openxmlformats.org/drawingml/2006/main" xmlns:r="http://schemas.openxmlformats.org/officeDocument/2006/relationships" xmlns:mc="http://schemas.openxmlformats.org/markup-compatibility/2006" xmlns:mv="urn:schemas-microsoft-com:mac:vml" xmlns:p="http://schemas.openxmlformats.org/presentationml/2006/main" xmlns:c="http://schemas.openxmlformats.org/drawingml/2006/chart" xmlns:dgm="http://schemas.openxmlformats.org/drawingml/2006/diagram" xmlns:o="urn:schemas-microsoft-com:office:office" xmlns:v="urn:schemas-microsoft-com:vml" xmlns:pvml="urn:schemas-microsoft-com:office:powerpoint" xmlns:com="http://schemas.openxmlformats.org/drawingml/2006/compatibility" xmlns:p14="http://schemas.microsoft.com/office/powerpoint/2010/main" xmlns:p15="http://schemas.microsoft.com/office/powerpoint/2012/main" xmlns:ahyp="http://schemas.microsoft.com/office/drawing/2018/hyperlinkcolor" matchingName="Blank" type="blank">
+<p:sldLayout xmlns:a="http://schemas.openxmlformats.org/drawingml/2006/main" xmlns:r="http://schemas.openxmlformats.org/officeDocument/2006/relationships" xmlns:p="http://schemas.openxmlformats.org/presentationml/2006/main" matchingName="Blank" type="blank">
   <p:cSld name="BLANK">
     <p:spTree>
       <p:nvGrpSpPr>
-        <p:cNvPr id="48" name="Shape 48"/>
+        <p:cNvPr id="1" name="Shape 48"/>
         <p:cNvGrpSpPr/>
         <p:nvPr/>
       </p:nvGrpSpPr>
@@ -2740,9 +2936,11 @@
       <p:sp>
         <p:nvSpPr>
           <p:cNvPr id="49" name="Google Shape;49;p12"/>
-          <p:cNvSpPr txBox="1"/>
+          <p:cNvSpPr txBox="1">
+            <a:spLocks noGrp="1"/>
+          </p:cNvSpPr>
           <p:nvPr>
-            <p:ph idx="12" type="sldNum"/>
+            <p:ph type="sldNum" idx="12"/>
           </p:nvPr>
         </p:nvSpPr>
         <p:spPr>
@@ -2755,7 +2953,7 @@
           </a:prstGeom>
         </p:spPr>
         <p:txBody>
-          <a:bodyPr anchorCtr="0" anchor="ctr" bIns="91425" lIns="91425" spcFirstLastPara="1" rIns="91425" wrap="square" tIns="91425">
+          <a:bodyPr spcFirstLastPara="1" wrap="square" lIns="91425" tIns="91425" rIns="91425" bIns="91425" anchor="ctr" anchorCtr="0">
             <a:normAutofit/>
           </a:bodyPr>
           <a:lstStyle>
@@ -2797,7 +2995,7 @@
             </a:lvl9pPr>
           </a:lstStyle>
           <a:p>
-            <a:pPr indent="0" lvl="0" marL="0" rtl="0" algn="r">
+            <a:pPr marL="0" lvl="0" indent="0" algn="r" rtl="0">
               <a:spcBef>
                 <a:spcPts val="0"/>
               </a:spcBef>
@@ -2823,11 +3021,11 @@
 </file>
 
 <file path=ppt/slideLayouts/slideLayout2.xml><?xml version="1.0" encoding="utf-8"?>
-<p:sldLayout xmlns:a="http://schemas.openxmlformats.org/drawingml/2006/main" xmlns:r="http://schemas.openxmlformats.org/officeDocument/2006/relationships" xmlns:mc="http://schemas.openxmlformats.org/markup-compatibility/2006" xmlns:mv="urn:schemas-microsoft-com:mac:vml" xmlns:p="http://schemas.openxmlformats.org/presentationml/2006/main" xmlns:c="http://schemas.openxmlformats.org/drawingml/2006/chart" xmlns:dgm="http://schemas.openxmlformats.org/drawingml/2006/diagram" xmlns:o="urn:schemas-microsoft-com:office:office" xmlns:v="urn:schemas-microsoft-com:vml" xmlns:pvml="urn:schemas-microsoft-com:office:powerpoint" xmlns:com="http://schemas.openxmlformats.org/drawingml/2006/compatibility" xmlns:p14="http://schemas.microsoft.com/office/powerpoint/2010/main" xmlns:p15="http://schemas.microsoft.com/office/powerpoint/2012/main" xmlns:ahyp="http://schemas.microsoft.com/office/drawing/2018/hyperlinkcolor" matchingName="Section header" type="secHead">
+<p:sldLayout xmlns:a="http://schemas.openxmlformats.org/drawingml/2006/main" xmlns:r="http://schemas.openxmlformats.org/officeDocument/2006/relationships" xmlns:p="http://schemas.openxmlformats.org/presentationml/2006/main" matchingName="Section header" type="secHead">
   <p:cSld name="SECTION_HEADER">
     <p:spTree>
       <p:nvGrpSpPr>
-        <p:cNvPr id="13" name="Shape 13"/>
+        <p:cNvPr id="1" name="Shape 13"/>
         <p:cNvGrpSpPr/>
         <p:nvPr/>
       </p:nvGrpSpPr>
@@ -2842,7 +3040,9 @@
       <p:sp>
         <p:nvSpPr>
           <p:cNvPr id="14" name="Google Shape;14;p3"/>
-          <p:cNvSpPr txBox="1"/>
+          <p:cNvSpPr txBox="1">
+            <a:spLocks noGrp="1"/>
+          </p:cNvSpPr>
           <p:nvPr>
             <p:ph type="title"/>
           </p:nvPr>
@@ -2857,7 +3057,7 @@
           </a:prstGeom>
         </p:spPr>
         <p:txBody>
-          <a:bodyPr anchorCtr="0" anchor="ctr" bIns="91425" lIns="91425" spcFirstLastPara="1" rIns="91425" wrap="square" tIns="91425">
+          <a:bodyPr spcFirstLastPara="1" wrap="square" lIns="91425" tIns="91425" rIns="91425" bIns="91425" anchor="ctr" anchorCtr="0">
             <a:normAutofit/>
           </a:bodyPr>
           <a:lstStyle>
@@ -2961,15 +3161,19 @@
               <a:defRPr sz="3600"/>
             </a:lvl9pPr>
           </a:lstStyle>
-          <a:p/>
+          <a:p>
+            <a:endParaRPr/>
+          </a:p>
         </p:txBody>
       </p:sp>
       <p:sp>
         <p:nvSpPr>
           <p:cNvPr id="15" name="Google Shape;15;p3"/>
-          <p:cNvSpPr txBox="1"/>
+          <p:cNvSpPr txBox="1">
+            <a:spLocks noGrp="1"/>
+          </p:cNvSpPr>
           <p:nvPr>
-            <p:ph idx="12" type="sldNum"/>
+            <p:ph type="sldNum" idx="12"/>
           </p:nvPr>
         </p:nvSpPr>
         <p:spPr>
@@ -2982,7 +3186,7 @@
           </a:prstGeom>
         </p:spPr>
         <p:txBody>
-          <a:bodyPr anchorCtr="0" anchor="ctr" bIns="91425" lIns="91425" spcFirstLastPara="1" rIns="91425" wrap="square" tIns="91425">
+          <a:bodyPr spcFirstLastPara="1" wrap="square" lIns="91425" tIns="91425" rIns="91425" bIns="91425" anchor="ctr" anchorCtr="0">
             <a:normAutofit/>
           </a:bodyPr>
           <a:lstStyle>
@@ -3024,7 +3228,7 @@
             </a:lvl9pPr>
           </a:lstStyle>
           <a:p>
-            <a:pPr indent="0" lvl="0" marL="0" rtl="0" algn="r">
+            <a:pPr marL="0" lvl="0" indent="0" algn="r" rtl="0">
               <a:spcBef>
                 <a:spcPts val="0"/>
               </a:spcBef>
@@ -3050,11 +3254,11 @@
 </file>
 
 <file path=ppt/slideLayouts/slideLayout3.xml><?xml version="1.0" encoding="utf-8"?>
-<p:sldLayout xmlns:a="http://schemas.openxmlformats.org/drawingml/2006/main" xmlns:r="http://schemas.openxmlformats.org/officeDocument/2006/relationships" xmlns:mc="http://schemas.openxmlformats.org/markup-compatibility/2006" xmlns:mv="urn:schemas-microsoft-com:mac:vml" xmlns:p="http://schemas.openxmlformats.org/presentationml/2006/main" xmlns:c="http://schemas.openxmlformats.org/drawingml/2006/chart" xmlns:dgm="http://schemas.openxmlformats.org/drawingml/2006/diagram" xmlns:o="urn:schemas-microsoft-com:office:office" xmlns:v="urn:schemas-microsoft-com:vml" xmlns:pvml="urn:schemas-microsoft-com:office:powerpoint" xmlns:com="http://schemas.openxmlformats.org/drawingml/2006/compatibility" xmlns:p14="http://schemas.microsoft.com/office/powerpoint/2010/main" xmlns:p15="http://schemas.microsoft.com/office/powerpoint/2012/main" xmlns:ahyp="http://schemas.microsoft.com/office/drawing/2018/hyperlinkcolor" matchingName="Title and body" type="tx">
+<p:sldLayout xmlns:a="http://schemas.openxmlformats.org/drawingml/2006/main" xmlns:r="http://schemas.openxmlformats.org/officeDocument/2006/relationships" xmlns:p="http://schemas.openxmlformats.org/presentationml/2006/main" matchingName="Title and body" type="tx">
   <p:cSld name="TITLE_AND_BODY">
     <p:spTree>
       <p:nvGrpSpPr>
-        <p:cNvPr id="16" name="Shape 16"/>
+        <p:cNvPr id="1" name="Shape 16"/>
         <p:cNvGrpSpPr/>
         <p:nvPr/>
       </p:nvGrpSpPr>
@@ -3069,7 +3273,9 @@
       <p:sp>
         <p:nvSpPr>
           <p:cNvPr id="17" name="Google Shape;17;p4"/>
-          <p:cNvSpPr txBox="1"/>
+          <p:cNvSpPr txBox="1">
+            <a:spLocks noGrp="1"/>
+          </p:cNvSpPr>
           <p:nvPr>
             <p:ph type="title"/>
           </p:nvPr>
@@ -3084,7 +3290,7 @@
           </a:prstGeom>
         </p:spPr>
         <p:txBody>
-          <a:bodyPr anchorCtr="0" anchor="t" bIns="91425" lIns="91425" spcFirstLastPara="1" rIns="91425" wrap="square" tIns="91425">
+          <a:bodyPr spcFirstLastPara="1" wrap="square" lIns="91425" tIns="91425" rIns="91425" bIns="91425" anchor="t" anchorCtr="0">
             <a:normAutofit/>
           </a:bodyPr>
           <a:lstStyle>
@@ -3188,15 +3394,19 @@
               <a:defRPr/>
             </a:lvl9pPr>
           </a:lstStyle>
-          <a:p/>
+          <a:p>
+            <a:endParaRPr/>
+          </a:p>
         </p:txBody>
       </p:sp>
       <p:sp>
         <p:nvSpPr>
           <p:cNvPr id="18" name="Google Shape;18;p4"/>
-          <p:cNvSpPr txBox="1"/>
+          <p:cNvSpPr txBox="1">
+            <a:spLocks noGrp="1"/>
+          </p:cNvSpPr>
           <p:nvPr>
-            <p:ph idx="1" type="body"/>
+            <p:ph type="body" idx="1"/>
           </p:nvPr>
         </p:nvSpPr>
         <p:spPr>
@@ -3209,11 +3419,11 @@
           </a:prstGeom>
         </p:spPr>
         <p:txBody>
-          <a:bodyPr anchorCtr="0" anchor="t" bIns="91425" lIns="91425" spcFirstLastPara="1" rIns="91425" wrap="square" tIns="91425">
+          <a:bodyPr spcFirstLastPara="1" wrap="square" lIns="91425" tIns="91425" rIns="91425" bIns="91425" anchor="t" anchorCtr="0">
             <a:normAutofit/>
           </a:bodyPr>
           <a:lstStyle>
-            <a:lvl1pPr indent="-342900" lvl="0" marL="457200">
+            <a:lvl1pPr marL="457200" lvl="0" indent="-342900">
               <a:spcBef>
                 <a:spcPts val="0"/>
               </a:spcBef>
@@ -3224,7 +3434,7 @@
               <a:buChar char="●"/>
               <a:defRPr/>
             </a:lvl1pPr>
-            <a:lvl2pPr indent="-317500" lvl="1" marL="914400">
+            <a:lvl2pPr marL="914400" lvl="1" indent="-317500">
               <a:spcBef>
                 <a:spcPts val="0"/>
               </a:spcBef>
@@ -3235,7 +3445,7 @@
               <a:buChar char="○"/>
               <a:defRPr/>
             </a:lvl2pPr>
-            <a:lvl3pPr indent="-317500" lvl="2" marL="1371600">
+            <a:lvl3pPr marL="1371600" lvl="2" indent="-317500">
               <a:spcBef>
                 <a:spcPts val="0"/>
               </a:spcBef>
@@ -3246,7 +3456,7 @@
               <a:buChar char="■"/>
               <a:defRPr/>
             </a:lvl3pPr>
-            <a:lvl4pPr indent="-317500" lvl="3" marL="1828800">
+            <a:lvl4pPr marL="1828800" lvl="3" indent="-317500">
               <a:spcBef>
                 <a:spcPts val="0"/>
               </a:spcBef>
@@ -3257,7 +3467,7 @@
               <a:buChar char="●"/>
               <a:defRPr/>
             </a:lvl4pPr>
-            <a:lvl5pPr indent="-317500" lvl="4" marL="2286000">
+            <a:lvl5pPr marL="2286000" lvl="4" indent="-317500">
               <a:spcBef>
                 <a:spcPts val="0"/>
               </a:spcBef>
@@ -3268,7 +3478,7 @@
               <a:buChar char="○"/>
               <a:defRPr/>
             </a:lvl5pPr>
-            <a:lvl6pPr indent="-317500" lvl="5" marL="2743200">
+            <a:lvl6pPr marL="2743200" lvl="5" indent="-317500">
               <a:spcBef>
                 <a:spcPts val="0"/>
               </a:spcBef>
@@ -3279,7 +3489,7 @@
               <a:buChar char="■"/>
               <a:defRPr/>
             </a:lvl6pPr>
-            <a:lvl7pPr indent="-317500" lvl="6" marL="3200400">
+            <a:lvl7pPr marL="3200400" lvl="6" indent="-317500">
               <a:spcBef>
                 <a:spcPts val="0"/>
               </a:spcBef>
@@ -3290,7 +3500,7 @@
               <a:buChar char="●"/>
               <a:defRPr/>
             </a:lvl7pPr>
-            <a:lvl8pPr indent="-317500" lvl="7" marL="3657600">
+            <a:lvl8pPr marL="3657600" lvl="7" indent="-317500">
               <a:spcBef>
                 <a:spcPts val="0"/>
               </a:spcBef>
@@ -3301,7 +3511,7 @@
               <a:buChar char="○"/>
               <a:defRPr/>
             </a:lvl8pPr>
-            <a:lvl9pPr indent="-317500" lvl="8" marL="4114800">
+            <a:lvl9pPr marL="4114800" lvl="8" indent="-317500">
               <a:spcBef>
                 <a:spcPts val="0"/>
               </a:spcBef>
@@ -3313,15 +3523,19 @@
               <a:defRPr/>
             </a:lvl9pPr>
           </a:lstStyle>
-          <a:p/>
+          <a:p>
+            <a:endParaRPr/>
+          </a:p>
         </p:txBody>
       </p:sp>
       <p:sp>
         <p:nvSpPr>
           <p:cNvPr id="19" name="Google Shape;19;p4"/>
-          <p:cNvSpPr txBox="1"/>
+          <p:cNvSpPr txBox="1">
+            <a:spLocks noGrp="1"/>
+          </p:cNvSpPr>
           <p:nvPr>
-            <p:ph idx="12" type="sldNum"/>
+            <p:ph type="sldNum" idx="12"/>
           </p:nvPr>
         </p:nvSpPr>
         <p:spPr>
@@ -3334,7 +3548,7 @@
           </a:prstGeom>
         </p:spPr>
         <p:txBody>
-          <a:bodyPr anchorCtr="0" anchor="ctr" bIns="91425" lIns="91425" spcFirstLastPara="1" rIns="91425" wrap="square" tIns="91425">
+          <a:bodyPr spcFirstLastPara="1" wrap="square" lIns="91425" tIns="91425" rIns="91425" bIns="91425" anchor="ctr" anchorCtr="0">
             <a:normAutofit/>
           </a:bodyPr>
           <a:lstStyle>
@@ -3376,7 +3590,7 @@
             </a:lvl9pPr>
           </a:lstStyle>
           <a:p>
-            <a:pPr indent="0" lvl="0" marL="0" rtl="0" algn="r">
+            <a:pPr marL="0" lvl="0" indent="0" algn="r" rtl="0">
               <a:spcBef>
                 <a:spcPts val="0"/>
               </a:spcBef>
@@ -3402,11 +3616,11 @@
 </file>
 
 <file path=ppt/slideLayouts/slideLayout4.xml><?xml version="1.0" encoding="utf-8"?>
-<p:sldLayout xmlns:a="http://schemas.openxmlformats.org/drawingml/2006/main" xmlns:r="http://schemas.openxmlformats.org/officeDocument/2006/relationships" xmlns:mc="http://schemas.openxmlformats.org/markup-compatibility/2006" xmlns:mv="urn:schemas-microsoft-com:mac:vml" xmlns:p="http://schemas.openxmlformats.org/presentationml/2006/main" xmlns:c="http://schemas.openxmlformats.org/drawingml/2006/chart" xmlns:dgm="http://schemas.openxmlformats.org/drawingml/2006/diagram" xmlns:o="urn:schemas-microsoft-com:office:office" xmlns:v="urn:schemas-microsoft-com:vml" xmlns:pvml="urn:schemas-microsoft-com:office:powerpoint" xmlns:com="http://schemas.openxmlformats.org/drawingml/2006/compatibility" xmlns:p14="http://schemas.microsoft.com/office/powerpoint/2010/main" xmlns:p15="http://schemas.microsoft.com/office/powerpoint/2012/main" xmlns:ahyp="http://schemas.microsoft.com/office/drawing/2018/hyperlinkcolor" matchingName="Title and two columns" type="twoColTx">
+<p:sldLayout xmlns:a="http://schemas.openxmlformats.org/drawingml/2006/main" xmlns:r="http://schemas.openxmlformats.org/officeDocument/2006/relationships" xmlns:p="http://schemas.openxmlformats.org/presentationml/2006/main" matchingName="Title and two columns" type="twoColTx">
   <p:cSld name="TITLE_AND_TWO_COLUMNS">
     <p:spTree>
       <p:nvGrpSpPr>
-        <p:cNvPr id="20" name="Shape 20"/>
+        <p:cNvPr id="1" name="Shape 20"/>
         <p:cNvGrpSpPr/>
         <p:nvPr/>
       </p:nvGrpSpPr>
@@ -3421,7 +3635,9 @@
       <p:sp>
         <p:nvSpPr>
           <p:cNvPr id="21" name="Google Shape;21;p5"/>
-          <p:cNvSpPr txBox="1"/>
+          <p:cNvSpPr txBox="1">
+            <a:spLocks noGrp="1"/>
+          </p:cNvSpPr>
           <p:nvPr>
             <p:ph type="title"/>
           </p:nvPr>
@@ -3436,7 +3652,7 @@
           </a:prstGeom>
         </p:spPr>
         <p:txBody>
-          <a:bodyPr anchorCtr="0" anchor="t" bIns="91425" lIns="91425" spcFirstLastPara="1" rIns="91425" wrap="square" tIns="91425">
+          <a:bodyPr spcFirstLastPara="1" wrap="square" lIns="91425" tIns="91425" rIns="91425" bIns="91425" anchor="t" anchorCtr="0">
             <a:normAutofit/>
           </a:bodyPr>
           <a:lstStyle>
@@ -3540,15 +3756,19 @@
               <a:defRPr/>
             </a:lvl9pPr>
           </a:lstStyle>
-          <a:p/>
+          <a:p>
+            <a:endParaRPr/>
+          </a:p>
         </p:txBody>
       </p:sp>
       <p:sp>
         <p:nvSpPr>
           <p:cNvPr id="22" name="Google Shape;22;p5"/>
-          <p:cNvSpPr txBox="1"/>
+          <p:cNvSpPr txBox="1">
+            <a:spLocks noGrp="1"/>
+          </p:cNvSpPr>
           <p:nvPr>
-            <p:ph idx="1" type="body"/>
+            <p:ph type="body" idx="1"/>
           </p:nvPr>
         </p:nvSpPr>
         <p:spPr>
@@ -3561,11 +3781,11 @@
           </a:prstGeom>
         </p:spPr>
         <p:txBody>
-          <a:bodyPr anchorCtr="0" anchor="t" bIns="91425" lIns="91425" spcFirstLastPara="1" rIns="91425" wrap="square" tIns="91425">
+          <a:bodyPr spcFirstLastPara="1" wrap="square" lIns="91425" tIns="91425" rIns="91425" bIns="91425" anchor="t" anchorCtr="0">
             <a:normAutofit/>
           </a:bodyPr>
           <a:lstStyle>
-            <a:lvl1pPr indent="-317500" lvl="0" marL="457200">
+            <a:lvl1pPr marL="457200" lvl="0" indent="-317500">
               <a:spcBef>
                 <a:spcPts val="0"/>
               </a:spcBef>
@@ -3576,7 +3796,7 @@
               <a:buChar char="●"/>
               <a:defRPr sz="1400"/>
             </a:lvl1pPr>
-            <a:lvl2pPr indent="-304800" lvl="1" marL="914400">
+            <a:lvl2pPr marL="914400" lvl="1" indent="-304800">
               <a:spcBef>
                 <a:spcPts val="0"/>
               </a:spcBef>
@@ -3587,7 +3807,7 @@
               <a:buChar char="○"/>
               <a:defRPr sz="1200"/>
             </a:lvl2pPr>
-            <a:lvl3pPr indent="-304800" lvl="2" marL="1371600">
+            <a:lvl3pPr marL="1371600" lvl="2" indent="-304800">
               <a:spcBef>
                 <a:spcPts val="0"/>
               </a:spcBef>
@@ -3598,7 +3818,7 @@
               <a:buChar char="■"/>
               <a:defRPr sz="1200"/>
             </a:lvl3pPr>
-            <a:lvl4pPr indent="-304800" lvl="3" marL="1828800">
+            <a:lvl4pPr marL="1828800" lvl="3" indent="-304800">
               <a:spcBef>
                 <a:spcPts val="0"/>
               </a:spcBef>
@@ -3609,7 +3829,7 @@
               <a:buChar char="●"/>
               <a:defRPr sz="1200"/>
             </a:lvl4pPr>
-            <a:lvl5pPr indent="-304800" lvl="4" marL="2286000">
+            <a:lvl5pPr marL="2286000" lvl="4" indent="-304800">
               <a:spcBef>
                 <a:spcPts val="0"/>
               </a:spcBef>
@@ -3620,7 +3840,7 @@
               <a:buChar char="○"/>
               <a:defRPr sz="1200"/>
             </a:lvl5pPr>
-            <a:lvl6pPr indent="-304800" lvl="5" marL="2743200">
+            <a:lvl6pPr marL="2743200" lvl="5" indent="-304800">
               <a:spcBef>
                 <a:spcPts val="0"/>
               </a:spcBef>
@@ -3631,7 +3851,7 @@
               <a:buChar char="■"/>
               <a:defRPr sz="1200"/>
             </a:lvl6pPr>
-            <a:lvl7pPr indent="-304800" lvl="6" marL="3200400">
+            <a:lvl7pPr marL="3200400" lvl="6" indent="-304800">
               <a:spcBef>
                 <a:spcPts val="0"/>
               </a:spcBef>
@@ -3642,7 +3862,7 @@
               <a:buChar char="●"/>
               <a:defRPr sz="1200"/>
             </a:lvl7pPr>
-            <a:lvl8pPr indent="-304800" lvl="7" marL="3657600">
+            <a:lvl8pPr marL="3657600" lvl="7" indent="-304800">
               <a:spcBef>
                 <a:spcPts val="0"/>
               </a:spcBef>
@@ -3653,7 +3873,7 @@
               <a:buChar char="○"/>
               <a:defRPr sz="1200"/>
             </a:lvl8pPr>
-            <a:lvl9pPr indent="-304800" lvl="8" marL="4114800">
+            <a:lvl9pPr marL="4114800" lvl="8" indent="-304800">
               <a:spcBef>
                 <a:spcPts val="0"/>
               </a:spcBef>
@@ -3665,15 +3885,19 @@
               <a:defRPr sz="1200"/>
             </a:lvl9pPr>
           </a:lstStyle>
-          <a:p/>
+          <a:p>
+            <a:endParaRPr/>
+          </a:p>
         </p:txBody>
       </p:sp>
       <p:sp>
         <p:nvSpPr>
           <p:cNvPr id="23" name="Google Shape;23;p5"/>
-          <p:cNvSpPr txBox="1"/>
+          <p:cNvSpPr txBox="1">
+            <a:spLocks noGrp="1"/>
+          </p:cNvSpPr>
           <p:nvPr>
-            <p:ph idx="2" type="body"/>
+            <p:ph type="body" idx="2"/>
           </p:nvPr>
         </p:nvSpPr>
         <p:spPr>
@@ -3686,11 +3910,11 @@
           </a:prstGeom>
         </p:spPr>
         <p:txBody>
-          <a:bodyPr anchorCtr="0" anchor="t" bIns="91425" lIns="91425" spcFirstLastPara="1" rIns="91425" wrap="square" tIns="91425">
+          <a:bodyPr spcFirstLastPara="1" wrap="square" lIns="91425" tIns="91425" rIns="91425" bIns="91425" anchor="t" anchorCtr="0">
             <a:normAutofit/>
           </a:bodyPr>
           <a:lstStyle>
-            <a:lvl1pPr indent="-317500" lvl="0" marL="457200">
+            <a:lvl1pPr marL="457200" lvl="0" indent="-317500">
               <a:spcBef>
                 <a:spcPts val="0"/>
               </a:spcBef>
@@ -3701,7 +3925,7 @@
               <a:buChar char="●"/>
               <a:defRPr sz="1400"/>
             </a:lvl1pPr>
-            <a:lvl2pPr indent="-304800" lvl="1" marL="914400">
+            <a:lvl2pPr marL="914400" lvl="1" indent="-304800">
               <a:spcBef>
                 <a:spcPts val="0"/>
               </a:spcBef>
@@ -3712,7 +3936,7 @@
               <a:buChar char="○"/>
               <a:defRPr sz="1200"/>
             </a:lvl2pPr>
-            <a:lvl3pPr indent="-304800" lvl="2" marL="1371600">
+            <a:lvl3pPr marL="1371600" lvl="2" indent="-304800">
               <a:spcBef>
                 <a:spcPts val="0"/>
               </a:spcBef>
@@ -3723,7 +3947,7 @@
               <a:buChar char="■"/>
               <a:defRPr sz="1200"/>
             </a:lvl3pPr>
-            <a:lvl4pPr indent="-304800" lvl="3" marL="1828800">
+            <a:lvl4pPr marL="1828800" lvl="3" indent="-304800">
               <a:spcBef>
                 <a:spcPts val="0"/>
               </a:spcBef>
@@ -3734,7 +3958,7 @@
               <a:buChar char="●"/>
               <a:defRPr sz="1200"/>
             </a:lvl4pPr>
-            <a:lvl5pPr indent="-304800" lvl="4" marL="2286000">
+            <a:lvl5pPr marL="2286000" lvl="4" indent="-304800">
               <a:spcBef>
                 <a:spcPts val="0"/>
               </a:spcBef>
@@ -3745,7 +3969,7 @@
               <a:buChar char="○"/>
               <a:defRPr sz="1200"/>
             </a:lvl5pPr>
-            <a:lvl6pPr indent="-304800" lvl="5" marL="2743200">
+            <a:lvl6pPr marL="2743200" lvl="5" indent="-304800">
               <a:spcBef>
                 <a:spcPts val="0"/>
               </a:spcBef>
@@ -3756,7 +3980,7 @@
               <a:buChar char="■"/>
               <a:defRPr sz="1200"/>
             </a:lvl6pPr>
-            <a:lvl7pPr indent="-304800" lvl="6" marL="3200400">
+            <a:lvl7pPr marL="3200400" lvl="6" indent="-304800">
               <a:spcBef>
                 <a:spcPts val="0"/>
               </a:spcBef>
@@ -3767,7 +3991,7 @@
               <a:buChar char="●"/>
               <a:defRPr sz="1200"/>
             </a:lvl7pPr>
-            <a:lvl8pPr indent="-304800" lvl="7" marL="3657600">
+            <a:lvl8pPr marL="3657600" lvl="7" indent="-304800">
               <a:spcBef>
                 <a:spcPts val="0"/>
               </a:spcBef>
@@ -3778,7 +4002,7 @@
               <a:buChar char="○"/>
               <a:defRPr sz="1200"/>
             </a:lvl8pPr>
-            <a:lvl9pPr indent="-304800" lvl="8" marL="4114800">
+            <a:lvl9pPr marL="4114800" lvl="8" indent="-304800">
               <a:spcBef>
                 <a:spcPts val="0"/>
               </a:spcBef>
@@ -3790,15 +4014,19 @@
               <a:defRPr sz="1200"/>
             </a:lvl9pPr>
           </a:lstStyle>
-          <a:p/>
+          <a:p>
+            <a:endParaRPr/>
+          </a:p>
         </p:txBody>
       </p:sp>
       <p:sp>
         <p:nvSpPr>
           <p:cNvPr id="24" name="Google Shape;24;p5"/>
-          <p:cNvSpPr txBox="1"/>
+          <p:cNvSpPr txBox="1">
+            <a:spLocks noGrp="1"/>
+          </p:cNvSpPr>
           <p:nvPr>
-            <p:ph idx="12" type="sldNum"/>
+            <p:ph type="sldNum" idx="12"/>
           </p:nvPr>
         </p:nvSpPr>
         <p:spPr>
@@ -3811,7 +4039,7 @@
           </a:prstGeom>
         </p:spPr>
         <p:txBody>
-          <a:bodyPr anchorCtr="0" anchor="ctr" bIns="91425" lIns="91425" spcFirstLastPara="1" rIns="91425" wrap="square" tIns="91425">
+          <a:bodyPr spcFirstLastPara="1" wrap="square" lIns="91425" tIns="91425" rIns="91425" bIns="91425" anchor="ctr" anchorCtr="0">
             <a:normAutofit/>
           </a:bodyPr>
           <a:lstStyle>
@@ -3853,7 +4081,7 @@
             </a:lvl9pPr>
           </a:lstStyle>
           <a:p>
-            <a:pPr indent="0" lvl="0" marL="0" rtl="0" algn="r">
+            <a:pPr marL="0" lvl="0" indent="0" algn="r" rtl="0">
               <a:spcBef>
                 <a:spcPts val="0"/>
               </a:spcBef>
@@ -3879,11 +4107,11 @@
 </file>
 
 <file path=ppt/slideLayouts/slideLayout5.xml><?xml version="1.0" encoding="utf-8"?>
-<p:sldLayout xmlns:a="http://schemas.openxmlformats.org/drawingml/2006/main" xmlns:r="http://schemas.openxmlformats.org/officeDocument/2006/relationships" xmlns:mc="http://schemas.openxmlformats.org/markup-compatibility/2006" xmlns:mv="urn:schemas-microsoft-com:mac:vml" xmlns:p="http://schemas.openxmlformats.org/presentationml/2006/main" xmlns:c="http://schemas.openxmlformats.org/drawingml/2006/chart" xmlns:dgm="http://schemas.openxmlformats.org/drawingml/2006/diagram" xmlns:o="urn:schemas-microsoft-com:office:office" xmlns:v="urn:schemas-microsoft-com:vml" xmlns:pvml="urn:schemas-microsoft-com:office:powerpoint" xmlns:com="http://schemas.openxmlformats.org/drawingml/2006/compatibility" xmlns:p14="http://schemas.microsoft.com/office/powerpoint/2010/main" xmlns:p15="http://schemas.microsoft.com/office/powerpoint/2012/main" xmlns:ahyp="http://schemas.microsoft.com/office/drawing/2018/hyperlinkcolor" matchingName="Title only" type="titleOnly">
+<p:sldLayout xmlns:a="http://schemas.openxmlformats.org/drawingml/2006/main" xmlns:r="http://schemas.openxmlformats.org/officeDocument/2006/relationships" xmlns:p="http://schemas.openxmlformats.org/presentationml/2006/main" matchingName="Title only" type="titleOnly">
   <p:cSld name="TITLE_ONLY">
     <p:spTree>
       <p:nvGrpSpPr>
-        <p:cNvPr id="25" name="Shape 25"/>
+        <p:cNvPr id="1" name="Shape 25"/>
         <p:cNvGrpSpPr/>
         <p:nvPr/>
       </p:nvGrpSpPr>
@@ -3898,7 +4126,9 @@
       <p:sp>
         <p:nvSpPr>
           <p:cNvPr id="26" name="Google Shape;26;p6"/>
-          <p:cNvSpPr txBox="1"/>
+          <p:cNvSpPr txBox="1">
+            <a:spLocks noGrp="1"/>
+          </p:cNvSpPr>
           <p:nvPr>
             <p:ph type="title"/>
           </p:nvPr>
@@ -3913,7 +4143,7 @@
           </a:prstGeom>
         </p:spPr>
         <p:txBody>
-          <a:bodyPr anchorCtr="0" anchor="t" bIns="91425" lIns="91425" spcFirstLastPara="1" rIns="91425" wrap="square" tIns="91425">
+          <a:bodyPr spcFirstLastPara="1" wrap="square" lIns="91425" tIns="91425" rIns="91425" bIns="91425" anchor="t" anchorCtr="0">
             <a:normAutofit/>
           </a:bodyPr>
           <a:lstStyle>
@@ -4017,15 +4247,19 @@
               <a:defRPr/>
             </a:lvl9pPr>
           </a:lstStyle>
-          <a:p/>
+          <a:p>
+            <a:endParaRPr/>
+          </a:p>
         </p:txBody>
       </p:sp>
       <p:sp>
         <p:nvSpPr>
           <p:cNvPr id="27" name="Google Shape;27;p6"/>
-          <p:cNvSpPr txBox="1"/>
+          <p:cNvSpPr txBox="1">
+            <a:spLocks noGrp="1"/>
+          </p:cNvSpPr>
           <p:nvPr>
-            <p:ph idx="12" type="sldNum"/>
+            <p:ph type="sldNum" idx="12"/>
           </p:nvPr>
         </p:nvSpPr>
         <p:spPr>
@@ -4038,7 +4272,7 @@
           </a:prstGeom>
         </p:spPr>
         <p:txBody>
-          <a:bodyPr anchorCtr="0" anchor="ctr" bIns="91425" lIns="91425" spcFirstLastPara="1" rIns="91425" wrap="square" tIns="91425">
+          <a:bodyPr spcFirstLastPara="1" wrap="square" lIns="91425" tIns="91425" rIns="91425" bIns="91425" anchor="ctr" anchorCtr="0">
             <a:normAutofit/>
           </a:bodyPr>
           <a:lstStyle>
@@ -4080,7 +4314,7 @@
             </a:lvl9pPr>
           </a:lstStyle>
           <a:p>
-            <a:pPr indent="0" lvl="0" marL="0" rtl="0" algn="r">
+            <a:pPr marL="0" lvl="0" indent="0" algn="r" rtl="0">
               <a:spcBef>
                 <a:spcPts val="0"/>
               </a:spcBef>
@@ -4106,11 +4340,11 @@
 </file>
 
 <file path=ppt/slideLayouts/slideLayout6.xml><?xml version="1.0" encoding="utf-8"?>
-<p:sldLayout xmlns:a="http://schemas.openxmlformats.org/drawingml/2006/main" xmlns:r="http://schemas.openxmlformats.org/officeDocument/2006/relationships" xmlns:mc="http://schemas.openxmlformats.org/markup-compatibility/2006" xmlns:mv="urn:schemas-microsoft-com:mac:vml" xmlns:p="http://schemas.openxmlformats.org/presentationml/2006/main" xmlns:c="http://schemas.openxmlformats.org/drawingml/2006/chart" xmlns:dgm="http://schemas.openxmlformats.org/drawingml/2006/diagram" xmlns:o="urn:schemas-microsoft-com:office:office" xmlns:v="urn:schemas-microsoft-com:vml" xmlns:pvml="urn:schemas-microsoft-com:office:powerpoint" xmlns:com="http://schemas.openxmlformats.org/drawingml/2006/compatibility" xmlns:p14="http://schemas.microsoft.com/office/powerpoint/2010/main" xmlns:p15="http://schemas.microsoft.com/office/powerpoint/2012/main" xmlns:ahyp="http://schemas.microsoft.com/office/drawing/2018/hyperlinkcolor" matchingName="One column text">
+<p:sldLayout xmlns:a="http://schemas.openxmlformats.org/drawingml/2006/main" xmlns:r="http://schemas.openxmlformats.org/officeDocument/2006/relationships" xmlns:p="http://schemas.openxmlformats.org/presentationml/2006/main" matchingName="One column text">
   <p:cSld name="ONE_COLUMN_TEXT">
     <p:spTree>
       <p:nvGrpSpPr>
-        <p:cNvPr id="28" name="Shape 28"/>
+        <p:cNvPr id="1" name="Shape 28"/>
         <p:cNvGrpSpPr/>
         <p:nvPr/>
       </p:nvGrpSpPr>
@@ -4125,7 +4359,9 @@
       <p:sp>
         <p:nvSpPr>
           <p:cNvPr id="29" name="Google Shape;29;p7"/>
-          <p:cNvSpPr txBox="1"/>
+          <p:cNvSpPr txBox="1">
+            <a:spLocks noGrp="1"/>
+          </p:cNvSpPr>
           <p:nvPr>
             <p:ph type="title"/>
           </p:nvPr>
@@ -4140,7 +4376,7 @@
           </a:prstGeom>
         </p:spPr>
         <p:txBody>
-          <a:bodyPr anchorCtr="0" anchor="b" bIns="91425" lIns="91425" spcFirstLastPara="1" rIns="91425" wrap="square" tIns="91425">
+          <a:bodyPr spcFirstLastPara="1" wrap="square" lIns="91425" tIns="91425" rIns="91425" bIns="91425" anchor="b" anchorCtr="0">
             <a:normAutofit/>
           </a:bodyPr>
           <a:lstStyle>
@@ -4244,15 +4480,19 @@
               <a:defRPr sz="2400"/>
             </a:lvl9pPr>
           </a:lstStyle>
-          <a:p/>
+          <a:p>
+            <a:endParaRPr/>
+          </a:p>
         </p:txBody>
       </p:sp>
       <p:sp>
         <p:nvSpPr>
           <p:cNvPr id="30" name="Google Shape;30;p7"/>
-          <p:cNvSpPr txBox="1"/>
+          <p:cNvSpPr txBox="1">
+            <a:spLocks noGrp="1"/>
+          </p:cNvSpPr>
           <p:nvPr>
-            <p:ph idx="1" type="body"/>
+            <p:ph type="body" idx="1"/>
           </p:nvPr>
         </p:nvSpPr>
         <p:spPr>
@@ -4265,11 +4505,11 @@
           </a:prstGeom>
         </p:spPr>
         <p:txBody>
-          <a:bodyPr anchorCtr="0" anchor="t" bIns="91425" lIns="91425" spcFirstLastPara="1" rIns="91425" wrap="square" tIns="91425">
+          <a:bodyPr spcFirstLastPara="1" wrap="square" lIns="91425" tIns="91425" rIns="91425" bIns="91425" anchor="t" anchorCtr="0">
             <a:normAutofit/>
           </a:bodyPr>
           <a:lstStyle>
-            <a:lvl1pPr indent="-304800" lvl="0" marL="457200">
+            <a:lvl1pPr marL="457200" lvl="0" indent="-304800">
               <a:spcBef>
                 <a:spcPts val="0"/>
               </a:spcBef>
@@ -4280,7 +4520,7 @@
               <a:buChar char="●"/>
               <a:defRPr sz="1200"/>
             </a:lvl1pPr>
-            <a:lvl2pPr indent="-304800" lvl="1" marL="914400">
+            <a:lvl2pPr marL="914400" lvl="1" indent="-304800">
               <a:spcBef>
                 <a:spcPts val="0"/>
               </a:spcBef>
@@ -4291,7 +4531,7 @@
               <a:buChar char="○"/>
               <a:defRPr sz="1200"/>
             </a:lvl2pPr>
-            <a:lvl3pPr indent="-304800" lvl="2" marL="1371600">
+            <a:lvl3pPr marL="1371600" lvl="2" indent="-304800">
               <a:spcBef>
                 <a:spcPts val="0"/>
               </a:spcBef>
@@ -4302,7 +4542,7 @@
               <a:buChar char="■"/>
               <a:defRPr sz="1200"/>
             </a:lvl3pPr>
-            <a:lvl4pPr indent="-304800" lvl="3" marL="1828800">
+            <a:lvl4pPr marL="1828800" lvl="3" indent="-304800">
               <a:spcBef>
                 <a:spcPts val="0"/>
               </a:spcBef>
@@ -4313,7 +4553,7 @@
               <a:buChar char="●"/>
               <a:defRPr sz="1200"/>
             </a:lvl4pPr>
-            <a:lvl5pPr indent="-304800" lvl="4" marL="2286000">
+            <a:lvl5pPr marL="2286000" lvl="4" indent="-304800">
               <a:spcBef>
                 <a:spcPts val="0"/>
               </a:spcBef>
@@ -4324,7 +4564,7 @@
               <a:buChar char="○"/>
               <a:defRPr sz="1200"/>
             </a:lvl5pPr>
-            <a:lvl6pPr indent="-304800" lvl="5" marL="2743200">
+            <a:lvl6pPr marL="2743200" lvl="5" indent="-304800">
               <a:spcBef>
                 <a:spcPts val="0"/>
               </a:spcBef>
@@ -4335,7 +4575,7 @@
               <a:buChar char="■"/>
               <a:defRPr sz="1200"/>
             </a:lvl6pPr>
-            <a:lvl7pPr indent="-304800" lvl="6" marL="3200400">
+            <a:lvl7pPr marL="3200400" lvl="6" indent="-304800">
               <a:spcBef>
                 <a:spcPts val="0"/>
               </a:spcBef>
@@ -4346,7 +4586,7 @@
               <a:buChar char="●"/>
               <a:defRPr sz="1200"/>
             </a:lvl7pPr>
-            <a:lvl8pPr indent="-304800" lvl="7" marL="3657600">
+            <a:lvl8pPr marL="3657600" lvl="7" indent="-304800">
               <a:spcBef>
                 <a:spcPts val="0"/>
               </a:spcBef>
@@ -4357,7 +4597,7 @@
               <a:buChar char="○"/>
               <a:defRPr sz="1200"/>
             </a:lvl8pPr>
-            <a:lvl9pPr indent="-304800" lvl="8" marL="4114800">
+            <a:lvl9pPr marL="4114800" lvl="8" indent="-304800">
               <a:spcBef>
                 <a:spcPts val="0"/>
               </a:spcBef>
@@ -4369,15 +4609,19 @@
               <a:defRPr sz="1200"/>
             </a:lvl9pPr>
           </a:lstStyle>
-          <a:p/>
+          <a:p>
+            <a:endParaRPr/>
+          </a:p>
         </p:txBody>
       </p:sp>
       <p:sp>
         <p:nvSpPr>
           <p:cNvPr id="31" name="Google Shape;31;p7"/>
-          <p:cNvSpPr txBox="1"/>
+          <p:cNvSpPr txBox="1">
+            <a:spLocks noGrp="1"/>
+          </p:cNvSpPr>
           <p:nvPr>
-            <p:ph idx="12" type="sldNum"/>
+            <p:ph type="sldNum" idx="12"/>
           </p:nvPr>
         </p:nvSpPr>
         <p:spPr>
@@ -4390,7 +4634,7 @@
           </a:prstGeom>
         </p:spPr>
         <p:txBody>
-          <a:bodyPr anchorCtr="0" anchor="ctr" bIns="91425" lIns="91425" spcFirstLastPara="1" rIns="91425" wrap="square" tIns="91425">
+          <a:bodyPr spcFirstLastPara="1" wrap="square" lIns="91425" tIns="91425" rIns="91425" bIns="91425" anchor="ctr" anchorCtr="0">
             <a:normAutofit/>
           </a:bodyPr>
           <a:lstStyle>
@@ -4432,7 +4676,7 @@
             </a:lvl9pPr>
           </a:lstStyle>
           <a:p>
-            <a:pPr indent="0" lvl="0" marL="0" rtl="0" algn="r">
+            <a:pPr marL="0" lvl="0" indent="0" algn="r" rtl="0">
               <a:spcBef>
                 <a:spcPts val="0"/>
               </a:spcBef>
@@ -4458,11 +4702,11 @@
 </file>
 
 <file path=ppt/slideLayouts/slideLayout7.xml><?xml version="1.0" encoding="utf-8"?>
-<p:sldLayout xmlns:a="http://schemas.openxmlformats.org/drawingml/2006/main" xmlns:r="http://schemas.openxmlformats.org/officeDocument/2006/relationships" xmlns:mc="http://schemas.openxmlformats.org/markup-compatibility/2006" xmlns:mv="urn:schemas-microsoft-com:mac:vml" xmlns:p="http://schemas.openxmlformats.org/presentationml/2006/main" xmlns:c="http://schemas.openxmlformats.org/drawingml/2006/chart" xmlns:dgm="http://schemas.openxmlformats.org/drawingml/2006/diagram" xmlns:o="urn:schemas-microsoft-com:office:office" xmlns:v="urn:schemas-microsoft-com:vml" xmlns:pvml="urn:schemas-microsoft-com:office:powerpoint" xmlns:com="http://schemas.openxmlformats.org/drawingml/2006/compatibility" xmlns:p14="http://schemas.microsoft.com/office/powerpoint/2010/main" xmlns:p15="http://schemas.microsoft.com/office/powerpoint/2012/main" xmlns:ahyp="http://schemas.microsoft.com/office/drawing/2018/hyperlinkcolor" matchingName="Main point">
+<p:sldLayout xmlns:a="http://schemas.openxmlformats.org/drawingml/2006/main" xmlns:r="http://schemas.openxmlformats.org/officeDocument/2006/relationships" xmlns:p="http://schemas.openxmlformats.org/presentationml/2006/main" matchingName="Main point">
   <p:cSld name="MAIN_POINT">
     <p:spTree>
       <p:nvGrpSpPr>
-        <p:cNvPr id="32" name="Shape 32"/>
+        <p:cNvPr id="1" name="Shape 32"/>
         <p:cNvGrpSpPr/>
         <p:nvPr/>
       </p:nvGrpSpPr>
@@ -4477,7 +4721,9 @@
       <p:sp>
         <p:nvSpPr>
           <p:cNvPr id="33" name="Google Shape;33;p8"/>
-          <p:cNvSpPr txBox="1"/>
+          <p:cNvSpPr txBox="1">
+            <a:spLocks noGrp="1"/>
+          </p:cNvSpPr>
           <p:nvPr>
             <p:ph type="title"/>
           </p:nvPr>
@@ -4492,7 +4738,7 @@
           </a:prstGeom>
         </p:spPr>
         <p:txBody>
-          <a:bodyPr anchorCtr="0" anchor="ctr" bIns="91425" lIns="91425" spcFirstLastPara="1" rIns="91425" wrap="square" tIns="91425">
+          <a:bodyPr spcFirstLastPara="1" wrap="square" lIns="91425" tIns="91425" rIns="91425" bIns="91425" anchor="ctr" anchorCtr="0">
             <a:normAutofit/>
           </a:bodyPr>
           <a:lstStyle>
@@ -4596,15 +4842,19 @@
               <a:defRPr sz="4800"/>
             </a:lvl9pPr>
           </a:lstStyle>
-          <a:p/>
+          <a:p>
+            <a:endParaRPr/>
+          </a:p>
         </p:txBody>
       </p:sp>
       <p:sp>
         <p:nvSpPr>
           <p:cNvPr id="34" name="Google Shape;34;p8"/>
-          <p:cNvSpPr txBox="1"/>
+          <p:cNvSpPr txBox="1">
+            <a:spLocks noGrp="1"/>
+          </p:cNvSpPr>
           <p:nvPr>
-            <p:ph idx="12" type="sldNum"/>
+            <p:ph type="sldNum" idx="12"/>
           </p:nvPr>
         </p:nvSpPr>
         <p:spPr>
@@ -4617,7 +4867,7 @@
           </a:prstGeom>
         </p:spPr>
         <p:txBody>
-          <a:bodyPr anchorCtr="0" anchor="ctr" bIns="91425" lIns="91425" spcFirstLastPara="1" rIns="91425" wrap="square" tIns="91425">
+          <a:bodyPr spcFirstLastPara="1" wrap="square" lIns="91425" tIns="91425" rIns="91425" bIns="91425" anchor="ctr" anchorCtr="0">
             <a:normAutofit/>
           </a:bodyPr>
           <a:lstStyle>
@@ -4659,7 +4909,7 @@
             </a:lvl9pPr>
           </a:lstStyle>
           <a:p>
-            <a:pPr indent="0" lvl="0" marL="0" rtl="0" algn="r">
+            <a:pPr marL="0" lvl="0" indent="0" algn="r" rtl="0">
               <a:spcBef>
                 <a:spcPts val="0"/>
               </a:spcBef>
@@ -4685,11 +4935,11 @@
 </file>
 
 <file path=ppt/slideLayouts/slideLayout8.xml><?xml version="1.0" encoding="utf-8"?>
-<p:sldLayout xmlns:a="http://schemas.openxmlformats.org/drawingml/2006/main" xmlns:r="http://schemas.openxmlformats.org/officeDocument/2006/relationships" xmlns:mc="http://schemas.openxmlformats.org/markup-compatibility/2006" xmlns:mv="urn:schemas-microsoft-com:mac:vml" xmlns:p="http://schemas.openxmlformats.org/presentationml/2006/main" xmlns:c="http://schemas.openxmlformats.org/drawingml/2006/chart" xmlns:dgm="http://schemas.openxmlformats.org/drawingml/2006/diagram" xmlns:o="urn:schemas-microsoft-com:office:office" xmlns:v="urn:schemas-microsoft-com:vml" xmlns:pvml="urn:schemas-microsoft-com:office:powerpoint" xmlns:com="http://schemas.openxmlformats.org/drawingml/2006/compatibility" xmlns:p14="http://schemas.microsoft.com/office/powerpoint/2010/main" xmlns:p15="http://schemas.microsoft.com/office/powerpoint/2012/main" xmlns:ahyp="http://schemas.microsoft.com/office/drawing/2018/hyperlinkcolor" matchingName="Section title and description">
+<p:sldLayout xmlns:a="http://schemas.openxmlformats.org/drawingml/2006/main" xmlns:r="http://schemas.openxmlformats.org/officeDocument/2006/relationships" xmlns:p="http://schemas.openxmlformats.org/presentationml/2006/main" matchingName="Section title and description">
   <p:cSld name="SECTION_TITLE_AND_DESCRIPTION">
     <p:spTree>
       <p:nvGrpSpPr>
-        <p:cNvPr id="35" name="Shape 35"/>
+        <p:cNvPr id="1" name="Shape 35"/>
         <p:cNvGrpSpPr/>
         <p:nvPr/>
       </p:nvGrpSpPr>
@@ -4723,12 +4973,12 @@
           </a:ln>
         </p:spPr>
         <p:txBody>
-          <a:bodyPr anchorCtr="0" anchor="ctr" bIns="91425" lIns="91425" spcFirstLastPara="1" rIns="91425" wrap="square" tIns="91425">
+          <a:bodyPr spcFirstLastPara="1" wrap="square" lIns="91425" tIns="91425" rIns="91425" bIns="91425" anchor="ctr" anchorCtr="0">
             <a:noAutofit/>
           </a:bodyPr>
           <a:lstStyle/>
           <a:p>
-            <a:pPr indent="0" lvl="0" marL="0" rtl="0" algn="l">
+            <a:pPr marL="0" lvl="0" indent="0" algn="l" rtl="0">
               <a:spcBef>
                 <a:spcPts val="0"/>
               </a:spcBef>
@@ -4737,9 +4987,6 @@
               </a:spcAft>
               <a:buNone/>
             </a:pPr>
-            <a:r>
-              <a:t/>
-            </a:r>
             <a:endParaRPr/>
           </a:p>
         </p:txBody>
@@ -4747,7 +4994,9 @@
       <p:sp>
         <p:nvSpPr>
           <p:cNvPr id="37" name="Google Shape;37;p9"/>
-          <p:cNvSpPr txBox="1"/>
+          <p:cNvSpPr txBox="1">
+            <a:spLocks noGrp="1"/>
+          </p:cNvSpPr>
           <p:nvPr>
             <p:ph type="title"/>
           </p:nvPr>
@@ -4762,7 +5011,7 @@
           </a:prstGeom>
         </p:spPr>
         <p:txBody>
-          <a:bodyPr anchorCtr="0" anchor="b" bIns="91425" lIns="91425" spcFirstLastPara="1" rIns="91425" wrap="square" tIns="91425">
+          <a:bodyPr spcFirstLastPara="1" wrap="square" lIns="91425" tIns="91425" rIns="91425" bIns="91425" anchor="b" anchorCtr="0">
             <a:normAutofit/>
           </a:bodyPr>
           <a:lstStyle>
@@ -4866,15 +5115,19 @@
               <a:defRPr sz="4200"/>
             </a:lvl9pPr>
           </a:lstStyle>
-          <a:p/>
+          <a:p>
+            <a:endParaRPr/>
+          </a:p>
         </p:txBody>
       </p:sp>
       <p:sp>
         <p:nvSpPr>
           <p:cNvPr id="38" name="Google Shape;38;p9"/>
-          <p:cNvSpPr txBox="1"/>
+          <p:cNvSpPr txBox="1">
+            <a:spLocks noGrp="1"/>
+          </p:cNvSpPr>
           <p:nvPr>
-            <p:ph idx="1" type="subTitle"/>
+            <p:ph type="subTitle" idx="1"/>
           </p:nvPr>
         </p:nvSpPr>
         <p:spPr>
@@ -4887,7 +5140,7 @@
           </a:prstGeom>
         </p:spPr>
         <p:txBody>
-          <a:bodyPr anchorCtr="0" anchor="t" bIns="91425" lIns="91425" spcFirstLastPara="1" rIns="91425" wrap="square" tIns="91425">
+          <a:bodyPr spcFirstLastPara="1" wrap="square" lIns="91425" tIns="91425" rIns="91425" bIns="91425" anchor="t" anchorCtr="0">
             <a:normAutofit/>
           </a:bodyPr>
           <a:lstStyle>
@@ -5018,15 +5271,19 @@
               <a:defRPr sz="2100"/>
             </a:lvl9pPr>
           </a:lstStyle>
-          <a:p/>
+          <a:p>
+            <a:endParaRPr/>
+          </a:p>
         </p:txBody>
       </p:sp>
       <p:sp>
         <p:nvSpPr>
           <p:cNvPr id="39" name="Google Shape;39;p9"/>
-          <p:cNvSpPr txBox="1"/>
+          <p:cNvSpPr txBox="1">
+            <a:spLocks noGrp="1"/>
+          </p:cNvSpPr>
           <p:nvPr>
-            <p:ph idx="2" type="body"/>
+            <p:ph type="body" idx="2"/>
           </p:nvPr>
         </p:nvSpPr>
         <p:spPr>
@@ -5039,11 +5296,11 @@
           </a:prstGeom>
         </p:spPr>
         <p:txBody>
-          <a:bodyPr anchorCtr="0" anchor="ctr" bIns="91425" lIns="91425" spcFirstLastPara="1" rIns="91425" wrap="square" tIns="91425">
+          <a:bodyPr spcFirstLastPara="1" wrap="square" lIns="91425" tIns="91425" rIns="91425" bIns="91425" anchor="ctr" anchorCtr="0">
             <a:normAutofit/>
           </a:bodyPr>
           <a:lstStyle>
-            <a:lvl1pPr indent="-342900" lvl="0" marL="457200">
+            <a:lvl1pPr marL="457200" lvl="0" indent="-342900">
               <a:spcBef>
                 <a:spcPts val="0"/>
               </a:spcBef>
@@ -5054,7 +5311,7 @@
               <a:buChar char="●"/>
               <a:defRPr/>
             </a:lvl1pPr>
-            <a:lvl2pPr indent="-317500" lvl="1" marL="914400">
+            <a:lvl2pPr marL="914400" lvl="1" indent="-317500">
               <a:spcBef>
                 <a:spcPts val="0"/>
               </a:spcBef>
@@ -5065,7 +5322,7 @@
               <a:buChar char="○"/>
               <a:defRPr/>
             </a:lvl2pPr>
-            <a:lvl3pPr indent="-317500" lvl="2" marL="1371600">
+            <a:lvl3pPr marL="1371600" lvl="2" indent="-317500">
               <a:spcBef>
                 <a:spcPts val="0"/>
               </a:spcBef>
@@ -5076,7 +5333,7 @@
               <a:buChar char="■"/>
               <a:defRPr/>
             </a:lvl3pPr>
-            <a:lvl4pPr indent="-317500" lvl="3" marL="1828800">
+            <a:lvl4pPr marL="1828800" lvl="3" indent="-317500">
               <a:spcBef>
                 <a:spcPts val="0"/>
               </a:spcBef>
@@ -5087,7 +5344,7 @@
               <a:buChar char="●"/>
               <a:defRPr/>
             </a:lvl4pPr>
-            <a:lvl5pPr indent="-317500" lvl="4" marL="2286000">
+            <a:lvl5pPr marL="2286000" lvl="4" indent="-317500">
               <a:spcBef>
                 <a:spcPts val="0"/>
               </a:spcBef>
@@ -5098,7 +5355,7 @@
               <a:buChar char="○"/>
               <a:defRPr/>
             </a:lvl5pPr>
-            <a:lvl6pPr indent="-317500" lvl="5" marL="2743200">
+            <a:lvl6pPr marL="2743200" lvl="5" indent="-317500">
               <a:spcBef>
                 <a:spcPts val="0"/>
               </a:spcBef>
@@ -5109,7 +5366,7 @@
               <a:buChar char="■"/>
               <a:defRPr/>
             </a:lvl6pPr>
-            <a:lvl7pPr indent="-317500" lvl="6" marL="3200400">
+            <a:lvl7pPr marL="3200400" lvl="6" indent="-317500">
               <a:spcBef>
                 <a:spcPts val="0"/>
               </a:spcBef>
@@ -5120,7 +5377,7 @@
               <a:buChar char="●"/>
               <a:defRPr/>
             </a:lvl7pPr>
-            <a:lvl8pPr indent="-317500" lvl="7" marL="3657600">
+            <a:lvl8pPr marL="3657600" lvl="7" indent="-317500">
               <a:spcBef>
                 <a:spcPts val="0"/>
               </a:spcBef>
@@ -5131,7 +5388,7 @@
               <a:buChar char="○"/>
               <a:defRPr/>
             </a:lvl8pPr>
-            <a:lvl9pPr indent="-317500" lvl="8" marL="4114800">
+            <a:lvl9pPr marL="4114800" lvl="8" indent="-317500">
               <a:spcBef>
                 <a:spcPts val="0"/>
               </a:spcBef>
@@ -5143,15 +5400,19 @@
               <a:defRPr/>
             </a:lvl9pPr>
           </a:lstStyle>
-          <a:p/>
+          <a:p>
+            <a:endParaRPr/>
+          </a:p>
         </p:txBody>
       </p:sp>
       <p:sp>
         <p:nvSpPr>
           <p:cNvPr id="40" name="Google Shape;40;p9"/>
-          <p:cNvSpPr txBox="1"/>
+          <p:cNvSpPr txBox="1">
+            <a:spLocks noGrp="1"/>
+          </p:cNvSpPr>
           <p:nvPr>
-            <p:ph idx="12" type="sldNum"/>
+            <p:ph type="sldNum" idx="12"/>
           </p:nvPr>
         </p:nvSpPr>
         <p:spPr>
@@ -5164,7 +5425,7 @@
           </a:prstGeom>
         </p:spPr>
         <p:txBody>
-          <a:bodyPr anchorCtr="0" anchor="ctr" bIns="91425" lIns="91425" spcFirstLastPara="1" rIns="91425" wrap="square" tIns="91425">
+          <a:bodyPr spcFirstLastPara="1" wrap="square" lIns="91425" tIns="91425" rIns="91425" bIns="91425" anchor="ctr" anchorCtr="0">
             <a:normAutofit/>
           </a:bodyPr>
           <a:lstStyle>
@@ -5206,7 +5467,7 @@
             </a:lvl9pPr>
           </a:lstStyle>
           <a:p>
-            <a:pPr indent="0" lvl="0" marL="0" rtl="0" algn="r">
+            <a:pPr marL="0" lvl="0" indent="0" algn="r" rtl="0">
               <a:spcBef>
                 <a:spcPts val="0"/>
               </a:spcBef>
@@ -5232,11 +5493,11 @@
 </file>
 
 <file path=ppt/slideLayouts/slideLayout9.xml><?xml version="1.0" encoding="utf-8"?>
-<p:sldLayout xmlns:a="http://schemas.openxmlformats.org/drawingml/2006/main" xmlns:r="http://schemas.openxmlformats.org/officeDocument/2006/relationships" xmlns:mc="http://schemas.openxmlformats.org/markup-compatibility/2006" xmlns:mv="urn:schemas-microsoft-com:mac:vml" xmlns:p="http://schemas.openxmlformats.org/presentationml/2006/main" xmlns:c="http://schemas.openxmlformats.org/drawingml/2006/chart" xmlns:dgm="http://schemas.openxmlformats.org/drawingml/2006/diagram" xmlns:o="urn:schemas-microsoft-com:office:office" xmlns:v="urn:schemas-microsoft-com:vml" xmlns:pvml="urn:schemas-microsoft-com:office:powerpoint" xmlns:com="http://schemas.openxmlformats.org/drawingml/2006/compatibility" xmlns:p14="http://schemas.microsoft.com/office/powerpoint/2010/main" xmlns:p15="http://schemas.microsoft.com/office/powerpoint/2012/main" xmlns:ahyp="http://schemas.microsoft.com/office/drawing/2018/hyperlinkcolor" matchingName="Caption">
+<p:sldLayout xmlns:a="http://schemas.openxmlformats.org/drawingml/2006/main" xmlns:r="http://schemas.openxmlformats.org/officeDocument/2006/relationships" xmlns:p="http://schemas.openxmlformats.org/presentationml/2006/main" matchingName="Caption">
   <p:cSld name="CAPTION_ONLY">
     <p:spTree>
       <p:nvGrpSpPr>
-        <p:cNvPr id="41" name="Shape 41"/>
+        <p:cNvPr id="1" name="Shape 41"/>
         <p:cNvGrpSpPr/>
         <p:nvPr/>
       </p:nvGrpSpPr>
@@ -5251,9 +5512,11 @@
       <p:sp>
         <p:nvSpPr>
           <p:cNvPr id="42" name="Google Shape;42;p10"/>
-          <p:cNvSpPr txBox="1"/>
+          <p:cNvSpPr txBox="1">
+            <a:spLocks noGrp="1"/>
+          </p:cNvSpPr>
           <p:nvPr>
-            <p:ph idx="1" type="body"/>
+            <p:ph type="body" idx="1"/>
           </p:nvPr>
         </p:nvSpPr>
         <p:spPr>
@@ -5266,11 +5529,11 @@
           </a:prstGeom>
         </p:spPr>
         <p:txBody>
-          <a:bodyPr anchorCtr="0" anchor="ctr" bIns="91425" lIns="91425" spcFirstLastPara="1" rIns="91425" wrap="square" tIns="91425">
+          <a:bodyPr spcFirstLastPara="1" wrap="square" lIns="91425" tIns="91425" rIns="91425" bIns="91425" anchor="ctr" anchorCtr="0">
             <a:normAutofit/>
           </a:bodyPr>
           <a:lstStyle>
-            <a:lvl1pPr indent="-228600" lvl="0" marL="457200">
+            <a:lvl1pPr marL="457200" lvl="0" indent="-228600">
               <a:lnSpc>
                 <a:spcPct val="100000"/>
               </a:lnSpc>
@@ -5285,15 +5548,19 @@
               <a:defRPr/>
             </a:lvl1pPr>
           </a:lstStyle>
-          <a:p/>
+          <a:p>
+            <a:endParaRPr/>
+          </a:p>
         </p:txBody>
       </p:sp>
       <p:sp>
         <p:nvSpPr>
           <p:cNvPr id="43" name="Google Shape;43;p10"/>
-          <p:cNvSpPr txBox="1"/>
+          <p:cNvSpPr txBox="1">
+            <a:spLocks noGrp="1"/>
+          </p:cNvSpPr>
           <p:nvPr>
-            <p:ph idx="12" type="sldNum"/>
+            <p:ph type="sldNum" idx="12"/>
           </p:nvPr>
         </p:nvSpPr>
         <p:spPr>
@@ -5306,7 +5573,7 @@
           </a:prstGeom>
         </p:spPr>
         <p:txBody>
-          <a:bodyPr anchorCtr="0" anchor="ctr" bIns="91425" lIns="91425" spcFirstLastPara="1" rIns="91425" wrap="square" tIns="91425">
+          <a:bodyPr spcFirstLastPara="1" wrap="square" lIns="91425" tIns="91425" rIns="91425" bIns="91425" anchor="ctr" anchorCtr="0">
             <a:normAutofit/>
           </a:bodyPr>
           <a:lstStyle>
@@ -5348,7 +5615,7 @@
             </a:lvl9pPr>
           </a:lstStyle>
           <a:p>
-            <a:pPr indent="0" lvl="0" marL="0" rtl="0" algn="r">
+            <a:pPr marL="0" lvl="0" indent="0" algn="r" rtl="0">
               <a:spcBef>
                 <a:spcPts val="0"/>
               </a:spcBef>
@@ -5374,18 +5641,19 @@
 </file>
 
 <file path=ppt/slideMasters/slideMaster1.xml><?xml version="1.0" encoding="utf-8"?>
-<p:sldMaster xmlns:a="http://schemas.openxmlformats.org/drawingml/2006/main" xmlns:r="http://schemas.openxmlformats.org/officeDocument/2006/relationships" xmlns:mc="http://schemas.openxmlformats.org/markup-compatibility/2006" xmlns:mv="urn:schemas-microsoft-com:mac:vml" xmlns:p="http://schemas.openxmlformats.org/presentationml/2006/main" xmlns:c="http://schemas.openxmlformats.org/drawingml/2006/chart" xmlns:dgm="http://schemas.openxmlformats.org/drawingml/2006/diagram" xmlns:o="urn:schemas-microsoft-com:office:office" xmlns:v="urn:schemas-microsoft-com:vml" xmlns:pvml="urn:schemas-microsoft-com:office:powerpoint" xmlns:com="http://schemas.openxmlformats.org/drawingml/2006/compatibility" xmlns:p14="http://schemas.microsoft.com/office/powerpoint/2010/main" xmlns:p15="http://schemas.microsoft.com/office/powerpoint/2012/main" xmlns:ahyp="http://schemas.microsoft.com/office/drawing/2018/hyperlinkcolor">
+<p:sldMaster xmlns:a="http://schemas.openxmlformats.org/drawingml/2006/main" xmlns:r="http://schemas.openxmlformats.org/officeDocument/2006/relationships" xmlns:p="http://schemas.openxmlformats.org/presentationml/2006/main">
   <p:cSld name="simple-light-2">
     <p:bg>
       <p:bgPr>
         <a:solidFill>
           <a:schemeClr val="lt1"/>
         </a:solidFill>
+        <a:effectLst/>
       </p:bgPr>
     </p:bg>
     <p:spTree>
       <p:nvGrpSpPr>
-        <p:cNvPr id="5" name="Shape 5"/>
+        <p:cNvPr id="1" name="Shape 5"/>
         <p:cNvGrpSpPr/>
         <p:nvPr/>
       </p:nvGrpSpPr>
@@ -5400,7 +5668,9 @@
       <p:sp>
         <p:nvSpPr>
           <p:cNvPr id="6" name="Google Shape;6;p1"/>
-          <p:cNvSpPr txBox="1"/>
+          <p:cNvSpPr txBox="1">
+            <a:spLocks noGrp="1"/>
+          </p:cNvSpPr>
           <p:nvPr>
             <p:ph type="title"/>
           </p:nvPr>
@@ -5419,7 +5689,7 @@
           </a:ln>
         </p:spPr>
         <p:txBody>
-          <a:bodyPr anchorCtr="0" anchor="t" bIns="91425" lIns="91425" spcFirstLastPara="1" rIns="91425" wrap="square" tIns="91425">
+          <a:bodyPr spcFirstLastPara="1" wrap="square" lIns="91425" tIns="91425" rIns="91425" bIns="91425" anchor="t" anchorCtr="0">
             <a:normAutofit/>
           </a:bodyPr>
           <a:lstStyle>
@@ -5586,15 +5856,19 @@
               </a:defRPr>
             </a:lvl9pPr>
           </a:lstStyle>
-          <a:p/>
+          <a:p>
+            <a:endParaRPr/>
+          </a:p>
         </p:txBody>
       </p:sp>
       <p:sp>
         <p:nvSpPr>
           <p:cNvPr id="7" name="Google Shape;7;p1"/>
-          <p:cNvSpPr txBox="1"/>
+          <p:cNvSpPr txBox="1">
+            <a:spLocks noGrp="1"/>
+          </p:cNvSpPr>
           <p:nvPr>
-            <p:ph idx="1" type="body"/>
+            <p:ph type="body" idx="1"/>
           </p:nvPr>
         </p:nvSpPr>
         <p:spPr>
@@ -5611,11 +5885,11 @@
           </a:ln>
         </p:spPr>
         <p:txBody>
-          <a:bodyPr anchorCtr="0" anchor="t" bIns="91425" lIns="91425" spcFirstLastPara="1" rIns="91425" wrap="square" tIns="91425">
+          <a:bodyPr spcFirstLastPara="1" wrap="square" lIns="91425" tIns="91425" rIns="91425" bIns="91425" anchor="t" anchorCtr="0">
             <a:normAutofit/>
           </a:bodyPr>
           <a:lstStyle>
-            <a:lvl1pPr indent="-342900" lvl="0" marL="457200">
+            <a:lvl1pPr marL="457200" lvl="0" indent="-342900">
               <a:lnSpc>
                 <a:spcPct val="115000"/>
               </a:lnSpc>
@@ -5636,7 +5910,7 @@
                 </a:solidFill>
               </a:defRPr>
             </a:lvl1pPr>
-            <a:lvl2pPr indent="-317500" lvl="1" marL="914400">
+            <a:lvl2pPr marL="914400" lvl="1" indent="-317500">
               <a:lnSpc>
                 <a:spcPct val="115000"/>
               </a:lnSpc>
@@ -5657,7 +5931,7 @@
                 </a:solidFill>
               </a:defRPr>
             </a:lvl2pPr>
-            <a:lvl3pPr indent="-317500" lvl="2" marL="1371600">
+            <a:lvl3pPr marL="1371600" lvl="2" indent="-317500">
               <a:lnSpc>
                 <a:spcPct val="115000"/>
               </a:lnSpc>
@@ -5678,7 +5952,7 @@
                 </a:solidFill>
               </a:defRPr>
             </a:lvl3pPr>
-            <a:lvl4pPr indent="-317500" lvl="3" marL="1828800">
+            <a:lvl4pPr marL="1828800" lvl="3" indent="-317500">
               <a:lnSpc>
                 <a:spcPct val="115000"/>
               </a:lnSpc>
@@ -5699,7 +5973,7 @@
                 </a:solidFill>
               </a:defRPr>
             </a:lvl4pPr>
-            <a:lvl5pPr indent="-317500" lvl="4" marL="2286000">
+            <a:lvl5pPr marL="2286000" lvl="4" indent="-317500">
               <a:lnSpc>
                 <a:spcPct val="115000"/>
               </a:lnSpc>
@@ -5720,7 +5994,7 @@
                 </a:solidFill>
               </a:defRPr>
             </a:lvl5pPr>
-            <a:lvl6pPr indent="-317500" lvl="5" marL="2743200">
+            <a:lvl6pPr marL="2743200" lvl="5" indent="-317500">
               <a:lnSpc>
                 <a:spcPct val="115000"/>
               </a:lnSpc>
@@ -5741,7 +6015,7 @@
                 </a:solidFill>
               </a:defRPr>
             </a:lvl6pPr>
-            <a:lvl7pPr indent="-317500" lvl="6" marL="3200400">
+            <a:lvl7pPr marL="3200400" lvl="6" indent="-317500">
               <a:lnSpc>
                 <a:spcPct val="115000"/>
               </a:lnSpc>
@@ -5762,7 +6036,7 @@
                 </a:solidFill>
               </a:defRPr>
             </a:lvl7pPr>
-            <a:lvl8pPr indent="-317500" lvl="7" marL="3657600">
+            <a:lvl8pPr marL="3657600" lvl="7" indent="-317500">
               <a:lnSpc>
                 <a:spcPct val="115000"/>
               </a:lnSpc>
@@ -5783,7 +6057,7 @@
                 </a:solidFill>
               </a:defRPr>
             </a:lvl8pPr>
-            <a:lvl9pPr indent="-317500" lvl="8" marL="4114800">
+            <a:lvl9pPr marL="4114800" lvl="8" indent="-317500">
               <a:lnSpc>
                 <a:spcPct val="115000"/>
               </a:lnSpc>
@@ -5805,15 +6079,19 @@
               </a:defRPr>
             </a:lvl9pPr>
           </a:lstStyle>
-          <a:p/>
+          <a:p>
+            <a:endParaRPr/>
+          </a:p>
         </p:txBody>
       </p:sp>
       <p:sp>
         <p:nvSpPr>
           <p:cNvPr id="8" name="Google Shape;8;p1"/>
-          <p:cNvSpPr txBox="1"/>
+          <p:cNvSpPr txBox="1">
+            <a:spLocks noGrp="1"/>
+          </p:cNvSpPr>
           <p:nvPr>
-            <p:ph idx="12" type="sldNum"/>
+            <p:ph type="sldNum" idx="12"/>
           </p:nvPr>
         </p:nvSpPr>
         <p:spPr>
@@ -5830,7 +6108,7 @@
           </a:ln>
         </p:spPr>
         <p:txBody>
-          <a:bodyPr anchorCtr="0" anchor="ctr" bIns="91425" lIns="91425" spcFirstLastPara="1" rIns="91425" wrap="square" tIns="91425">
+          <a:bodyPr spcFirstLastPara="1" wrap="square" lIns="91425" tIns="91425" rIns="91425" bIns="91425" anchor="ctr" anchorCtr="0">
             <a:normAutofit/>
           </a:bodyPr>
           <a:lstStyle>
@@ -5908,7 +6186,7 @@
             </a:lvl9pPr>
           </a:lstStyle>
           <a:p>
-            <a:pPr indent="0" lvl="0" marL="0" rtl="0" algn="r">
+            <a:pPr marL="0" lvl="0" indent="0" algn="r" rtl="0">
               <a:spcBef>
                 <a:spcPts val="0"/>
               </a:spcBef>
@@ -5927,7 +6205,7 @@
       </p:sp>
     </p:spTree>
   </p:cSld>
-  <p:clrMap accent1="accent1" accent2="accent2" accent3="accent3" accent4="accent4" accent5="accent5" accent6="accent6" bg1="lt1" bg2="dk2" tx1="dk1" tx2="lt2" folHlink="folHlink" hlink="hlink"/>
+  <p:clrMap bg1="lt1" tx1="dk1" bg2="dk2" tx2="lt2" accent1="accent1" accent2="accent2" accent3="accent3" accent4="accent4" accent5="accent5" accent6="accent6" hlink="hlink" folHlink="folHlink"/>
   <p:sldLayoutIdLst>
     <p:sldLayoutId id="2147483648" r:id="rId1"/>
     <p:sldLayoutId id="2147483649" r:id="rId2"/>
@@ -5941,10 +6219,10 @@
     <p:sldLayoutId id="2147483657" r:id="rId10"/>
     <p:sldLayoutId id="2147483658" r:id="rId11"/>
   </p:sldLayoutIdLst>
-  <p:hf dt="0" ftr="0" hdr="0" sldNum="0"/>
+  <p:hf sldNum="0" hdr="0" ftr="0" dt="0"/>
   <p:txStyles>
     <p:titleStyle>
-      <a:defPPr lvl="0" marR="0" rtl="0" algn="l">
+      <a:defPPr marR="0" lvl="0" algn="l" rtl="0">
         <a:lnSpc>
           <a:spcPct val="100000"/>
         </a:lnSpc>
@@ -5955,7 +6233,7 @@
           <a:spcPts val="0"/>
         </a:spcAft>
       </a:defPPr>
-      <a:lvl1pPr lvl="0" marR="0" rtl="0" algn="l">
+      <a:lvl1pPr marR="0" lvl="0" algn="l" rtl="0">
         <a:lnSpc>
           <a:spcPct val="100000"/>
         </a:lnSpc>
@@ -5969,7 +6247,7 @@
           <a:srgbClr val="000000"/>
         </a:buClr>
         <a:buFont typeface="Arial"/>
-        <a:defRPr b="0" i="0" sz="1400" u="none" cap="none" strike="noStrike">
+        <a:defRPr sz="1400" b="0" i="0" u="none" strike="noStrike" cap="none">
           <a:solidFill>
             <a:srgbClr val="000000"/>
           </a:solidFill>
@@ -5979,7 +6257,7 @@
           <a:sym typeface="Arial"/>
         </a:defRPr>
       </a:lvl1pPr>
-      <a:lvl2pPr lvl="1" marR="0" rtl="0" algn="l">
+      <a:lvl2pPr marR="0" lvl="1" algn="l" rtl="0">
         <a:lnSpc>
           <a:spcPct val="100000"/>
         </a:lnSpc>
@@ -5993,7 +6271,7 @@
           <a:srgbClr val="000000"/>
         </a:buClr>
         <a:buFont typeface="Arial"/>
-        <a:defRPr b="0" i="0" sz="1400" u="none" cap="none" strike="noStrike">
+        <a:defRPr sz="1400" b="0" i="0" u="none" strike="noStrike" cap="none">
           <a:solidFill>
             <a:srgbClr val="000000"/>
           </a:solidFill>
@@ -6003,7 +6281,7 @@
           <a:sym typeface="Arial"/>
         </a:defRPr>
       </a:lvl2pPr>
-      <a:lvl3pPr lvl="2" marR="0" rtl="0" algn="l">
+      <a:lvl3pPr marR="0" lvl="2" algn="l" rtl="0">
         <a:lnSpc>
           <a:spcPct val="100000"/>
         </a:lnSpc>
@@ -6017,7 +6295,7 @@
           <a:srgbClr val="000000"/>
         </a:buClr>
         <a:buFont typeface="Arial"/>
-        <a:defRPr b="0" i="0" sz="1400" u="none" cap="none" strike="noStrike">
+        <a:defRPr sz="1400" b="0" i="0" u="none" strike="noStrike" cap="none">
           <a:solidFill>
             <a:srgbClr val="000000"/>
           </a:solidFill>
@@ -6027,7 +6305,7 @@
           <a:sym typeface="Arial"/>
         </a:defRPr>
       </a:lvl3pPr>
-      <a:lvl4pPr lvl="3" marR="0" rtl="0" algn="l">
+      <a:lvl4pPr marR="0" lvl="3" algn="l" rtl="0">
         <a:lnSpc>
           <a:spcPct val="100000"/>
         </a:lnSpc>
@@ -6041,7 +6319,7 @@
           <a:srgbClr val="000000"/>
         </a:buClr>
         <a:buFont typeface="Arial"/>
-        <a:defRPr b="0" i="0" sz="1400" u="none" cap="none" strike="noStrike">
+        <a:defRPr sz="1400" b="0" i="0" u="none" strike="noStrike" cap="none">
           <a:solidFill>
             <a:srgbClr val="000000"/>
           </a:solidFill>
@@ -6051,7 +6329,7 @@
           <a:sym typeface="Arial"/>
         </a:defRPr>
       </a:lvl4pPr>
-      <a:lvl5pPr lvl="4" marR="0" rtl="0" algn="l">
+      <a:lvl5pPr marR="0" lvl="4" algn="l" rtl="0">
         <a:lnSpc>
           <a:spcPct val="100000"/>
         </a:lnSpc>
@@ -6065,7 +6343,7 @@
           <a:srgbClr val="000000"/>
         </a:buClr>
         <a:buFont typeface="Arial"/>
-        <a:defRPr b="0" i="0" sz="1400" u="none" cap="none" strike="noStrike">
+        <a:defRPr sz="1400" b="0" i="0" u="none" strike="noStrike" cap="none">
           <a:solidFill>
             <a:srgbClr val="000000"/>
           </a:solidFill>
@@ -6075,7 +6353,7 @@
           <a:sym typeface="Arial"/>
         </a:defRPr>
       </a:lvl5pPr>
-      <a:lvl6pPr lvl="5" marR="0" rtl="0" algn="l">
+      <a:lvl6pPr marR="0" lvl="5" algn="l" rtl="0">
         <a:lnSpc>
           <a:spcPct val="100000"/>
         </a:lnSpc>
@@ -6089,7 +6367,7 @@
           <a:srgbClr val="000000"/>
         </a:buClr>
         <a:buFont typeface="Arial"/>
-        <a:defRPr b="0" i="0" sz="1400" u="none" cap="none" strike="noStrike">
+        <a:defRPr sz="1400" b="0" i="0" u="none" strike="noStrike" cap="none">
           <a:solidFill>
             <a:srgbClr val="000000"/>
           </a:solidFill>
@@ -6099,7 +6377,7 @@
           <a:sym typeface="Arial"/>
         </a:defRPr>
       </a:lvl6pPr>
-      <a:lvl7pPr lvl="6" marR="0" rtl="0" algn="l">
+      <a:lvl7pPr marR="0" lvl="6" algn="l" rtl="0">
         <a:lnSpc>
           <a:spcPct val="100000"/>
         </a:lnSpc>
@@ -6113,7 +6391,7 @@
           <a:srgbClr val="000000"/>
         </a:buClr>
         <a:buFont typeface="Arial"/>
-        <a:defRPr b="0" i="0" sz="1400" u="none" cap="none" strike="noStrike">
+        <a:defRPr sz="1400" b="0" i="0" u="none" strike="noStrike" cap="none">
           <a:solidFill>
             <a:srgbClr val="000000"/>
           </a:solidFill>
@@ -6123,7 +6401,7 @@
           <a:sym typeface="Arial"/>
         </a:defRPr>
       </a:lvl7pPr>
-      <a:lvl8pPr lvl="7" marR="0" rtl="0" algn="l">
+      <a:lvl8pPr marR="0" lvl="7" algn="l" rtl="0">
         <a:lnSpc>
           <a:spcPct val="100000"/>
         </a:lnSpc>
@@ -6137,7 +6415,7 @@
           <a:srgbClr val="000000"/>
         </a:buClr>
         <a:buFont typeface="Arial"/>
-        <a:defRPr b="0" i="0" sz="1400" u="none" cap="none" strike="noStrike">
+        <a:defRPr sz="1400" b="0" i="0" u="none" strike="noStrike" cap="none">
           <a:solidFill>
             <a:srgbClr val="000000"/>
           </a:solidFill>
@@ -6147,7 +6425,7 @@
           <a:sym typeface="Arial"/>
         </a:defRPr>
       </a:lvl8pPr>
-      <a:lvl9pPr lvl="8" marR="0" rtl="0" algn="l">
+      <a:lvl9pPr marR="0" lvl="8" algn="l" rtl="0">
         <a:lnSpc>
           <a:spcPct val="100000"/>
         </a:lnSpc>
@@ -6161,7 +6439,7 @@
           <a:srgbClr val="000000"/>
         </a:buClr>
         <a:buFont typeface="Arial"/>
-        <a:defRPr b="0" i="0" sz="1400" u="none" cap="none" strike="noStrike">
+        <a:defRPr sz="1400" b="0" i="0" u="none" strike="noStrike" cap="none">
           <a:solidFill>
             <a:srgbClr val="000000"/>
           </a:solidFill>
@@ -6173,7 +6451,7 @@
       </a:lvl9pPr>
     </p:titleStyle>
     <p:bodyStyle>
-      <a:defPPr lvl="0" marR="0" rtl="0" algn="l">
+      <a:defPPr marR="0" lvl="0" algn="l" rtl="0">
         <a:lnSpc>
           <a:spcPct val="100000"/>
         </a:lnSpc>
@@ -6184,7 +6462,7 @@
           <a:spcPts val="0"/>
         </a:spcAft>
       </a:defPPr>
-      <a:lvl1pPr lvl="0" marR="0" rtl="0" algn="l">
+      <a:lvl1pPr marR="0" lvl="0" algn="l" rtl="0">
         <a:lnSpc>
           <a:spcPct val="100000"/>
         </a:lnSpc>
@@ -6198,7 +6476,7 @@
           <a:srgbClr val="000000"/>
         </a:buClr>
         <a:buFont typeface="Arial"/>
-        <a:defRPr b="0" i="0" sz="1400" u="none" cap="none" strike="noStrike">
+        <a:defRPr sz="1400" b="0" i="0" u="none" strike="noStrike" cap="none">
           <a:solidFill>
             <a:srgbClr val="000000"/>
           </a:solidFill>
@@ -6208,7 +6486,7 @@
           <a:sym typeface="Arial"/>
         </a:defRPr>
       </a:lvl1pPr>
-      <a:lvl2pPr lvl="1" marR="0" rtl="0" algn="l">
+      <a:lvl2pPr marR="0" lvl="1" algn="l" rtl="0">
         <a:lnSpc>
           <a:spcPct val="100000"/>
         </a:lnSpc>
@@ -6222,7 +6500,7 @@
           <a:srgbClr val="000000"/>
         </a:buClr>
         <a:buFont typeface="Arial"/>
-        <a:defRPr b="0" i="0" sz="1400" u="none" cap="none" strike="noStrike">
+        <a:defRPr sz="1400" b="0" i="0" u="none" strike="noStrike" cap="none">
           <a:solidFill>
             <a:srgbClr val="000000"/>
           </a:solidFill>
@@ -6232,7 +6510,7 @@
           <a:sym typeface="Arial"/>
         </a:defRPr>
       </a:lvl2pPr>
-      <a:lvl3pPr lvl="2" marR="0" rtl="0" algn="l">
+      <a:lvl3pPr marR="0" lvl="2" algn="l" rtl="0">
         <a:lnSpc>
           <a:spcPct val="100000"/>
         </a:lnSpc>
@@ -6246,7 +6524,7 @@
           <a:srgbClr val="000000"/>
         </a:buClr>
         <a:buFont typeface="Arial"/>
-        <a:defRPr b="0" i="0" sz="1400" u="none" cap="none" strike="noStrike">
+        <a:defRPr sz="1400" b="0" i="0" u="none" strike="noStrike" cap="none">
           <a:solidFill>
             <a:srgbClr val="000000"/>
           </a:solidFill>
@@ -6256,7 +6534,7 @@
           <a:sym typeface="Arial"/>
         </a:defRPr>
       </a:lvl3pPr>
-      <a:lvl4pPr lvl="3" marR="0" rtl="0" algn="l">
+      <a:lvl4pPr marR="0" lvl="3" algn="l" rtl="0">
         <a:lnSpc>
           <a:spcPct val="100000"/>
         </a:lnSpc>
@@ -6270,7 +6548,7 @@
           <a:srgbClr val="000000"/>
         </a:buClr>
         <a:buFont typeface="Arial"/>
-        <a:defRPr b="0" i="0" sz="1400" u="none" cap="none" strike="noStrike">
+        <a:defRPr sz="1400" b="0" i="0" u="none" strike="noStrike" cap="none">
           <a:solidFill>
             <a:srgbClr val="000000"/>
           </a:solidFill>
@@ -6280,7 +6558,7 @@
           <a:sym typeface="Arial"/>
         </a:defRPr>
       </a:lvl4pPr>
-      <a:lvl5pPr lvl="4" marR="0" rtl="0" algn="l">
+      <a:lvl5pPr marR="0" lvl="4" algn="l" rtl="0">
         <a:lnSpc>
           <a:spcPct val="100000"/>
         </a:lnSpc>
@@ -6294,7 +6572,7 @@
           <a:srgbClr val="000000"/>
         </a:buClr>
         <a:buFont typeface="Arial"/>
-        <a:defRPr b="0" i="0" sz="1400" u="none" cap="none" strike="noStrike">
+        <a:defRPr sz="1400" b="0" i="0" u="none" strike="noStrike" cap="none">
           <a:solidFill>
             <a:srgbClr val="000000"/>
           </a:solidFill>
@@ -6304,7 +6582,7 @@
           <a:sym typeface="Arial"/>
         </a:defRPr>
       </a:lvl5pPr>
-      <a:lvl6pPr lvl="5" marR="0" rtl="0" algn="l">
+      <a:lvl6pPr marR="0" lvl="5" algn="l" rtl="0">
         <a:lnSpc>
           <a:spcPct val="100000"/>
         </a:lnSpc>
@@ -6318,7 +6596,7 @@
           <a:srgbClr val="000000"/>
         </a:buClr>
         <a:buFont typeface="Arial"/>
-        <a:defRPr b="0" i="0" sz="1400" u="none" cap="none" strike="noStrike">
+        <a:defRPr sz="1400" b="0" i="0" u="none" strike="noStrike" cap="none">
           <a:solidFill>
             <a:srgbClr val="000000"/>
           </a:solidFill>
@@ -6328,7 +6606,7 @@
           <a:sym typeface="Arial"/>
         </a:defRPr>
       </a:lvl6pPr>
-      <a:lvl7pPr lvl="6" marR="0" rtl="0" algn="l">
+      <a:lvl7pPr marR="0" lvl="6" algn="l" rtl="0">
         <a:lnSpc>
           <a:spcPct val="100000"/>
         </a:lnSpc>
@@ -6342,7 +6620,7 @@
           <a:srgbClr val="000000"/>
         </a:buClr>
         <a:buFont typeface="Arial"/>
-        <a:defRPr b="0" i="0" sz="1400" u="none" cap="none" strike="noStrike">
+        <a:defRPr sz="1400" b="0" i="0" u="none" strike="noStrike" cap="none">
           <a:solidFill>
             <a:srgbClr val="000000"/>
           </a:solidFill>
@@ -6352,7 +6630,7 @@
           <a:sym typeface="Arial"/>
         </a:defRPr>
       </a:lvl7pPr>
-      <a:lvl8pPr lvl="7" marR="0" rtl="0" algn="l">
+      <a:lvl8pPr marR="0" lvl="7" algn="l" rtl="0">
         <a:lnSpc>
           <a:spcPct val="100000"/>
         </a:lnSpc>
@@ -6366,7 +6644,7 @@
           <a:srgbClr val="000000"/>
         </a:buClr>
         <a:buFont typeface="Arial"/>
-        <a:defRPr b="0" i="0" sz="1400" u="none" cap="none" strike="noStrike">
+        <a:defRPr sz="1400" b="0" i="0" u="none" strike="noStrike" cap="none">
           <a:solidFill>
             <a:srgbClr val="000000"/>
           </a:solidFill>
@@ -6376,7 +6654,7 @@
           <a:sym typeface="Arial"/>
         </a:defRPr>
       </a:lvl8pPr>
-      <a:lvl9pPr lvl="8" marR="0" rtl="0" algn="l">
+      <a:lvl9pPr marR="0" lvl="8" algn="l" rtl="0">
         <a:lnSpc>
           <a:spcPct val="100000"/>
         </a:lnSpc>
@@ -6390,7 +6668,7 @@
           <a:srgbClr val="000000"/>
         </a:buClr>
         <a:buFont typeface="Arial"/>
-        <a:defRPr b="0" i="0" sz="1400" u="none" cap="none" strike="noStrike">
+        <a:defRPr sz="1400" b="0" i="0" u="none" strike="noStrike" cap="none">
           <a:solidFill>
             <a:srgbClr val="000000"/>
           </a:solidFill>
@@ -6402,7 +6680,7 @@
       </a:lvl9pPr>
     </p:bodyStyle>
     <p:otherStyle>
-      <a:defPPr lvl="0" marR="0" rtl="0" algn="l">
+      <a:defPPr marR="0" lvl="0" algn="l" rtl="0">
         <a:lnSpc>
           <a:spcPct val="100000"/>
         </a:lnSpc>
@@ -6413,7 +6691,7 @@
           <a:spcPts val="0"/>
         </a:spcAft>
       </a:defPPr>
-      <a:lvl1pPr lvl="0" marR="0" rtl="0" algn="l">
+      <a:lvl1pPr marR="0" lvl="0" algn="l" rtl="0">
         <a:lnSpc>
           <a:spcPct val="100000"/>
         </a:lnSpc>
@@ -6427,7 +6705,7 @@
           <a:srgbClr val="000000"/>
         </a:buClr>
         <a:buFont typeface="Arial"/>
-        <a:defRPr b="0" i="0" sz="1400" u="none" cap="none" strike="noStrike">
+        <a:defRPr sz="1400" b="0" i="0" u="none" strike="noStrike" cap="none">
           <a:solidFill>
             <a:srgbClr val="000000"/>
           </a:solidFill>
@@ -6437,7 +6715,7 @@
           <a:sym typeface="Arial"/>
         </a:defRPr>
       </a:lvl1pPr>
-      <a:lvl2pPr lvl="1" marR="0" rtl="0" algn="l">
+      <a:lvl2pPr marR="0" lvl="1" algn="l" rtl="0">
         <a:lnSpc>
           <a:spcPct val="100000"/>
         </a:lnSpc>
@@ -6451,7 +6729,7 @@
           <a:srgbClr val="000000"/>
         </a:buClr>
         <a:buFont typeface="Arial"/>
-        <a:defRPr b="0" i="0" sz="1400" u="none" cap="none" strike="noStrike">
+        <a:defRPr sz="1400" b="0" i="0" u="none" strike="noStrike" cap="none">
           <a:solidFill>
             <a:srgbClr val="000000"/>
           </a:solidFill>
@@ -6461,7 +6739,7 @@
           <a:sym typeface="Arial"/>
         </a:defRPr>
       </a:lvl2pPr>
-      <a:lvl3pPr lvl="2" marR="0" rtl="0" algn="l">
+      <a:lvl3pPr marR="0" lvl="2" algn="l" rtl="0">
         <a:lnSpc>
           <a:spcPct val="100000"/>
         </a:lnSpc>
@@ -6475,7 +6753,7 @@
           <a:srgbClr val="000000"/>
         </a:buClr>
         <a:buFont typeface="Arial"/>
-        <a:defRPr b="0" i="0" sz="1400" u="none" cap="none" strike="noStrike">
+        <a:defRPr sz="1400" b="0" i="0" u="none" strike="noStrike" cap="none">
           <a:solidFill>
             <a:srgbClr val="000000"/>
           </a:solidFill>
@@ -6485,7 +6763,7 @@
           <a:sym typeface="Arial"/>
         </a:defRPr>
       </a:lvl3pPr>
-      <a:lvl4pPr lvl="3" marR="0" rtl="0" algn="l">
+      <a:lvl4pPr marR="0" lvl="3" algn="l" rtl="0">
         <a:lnSpc>
           <a:spcPct val="100000"/>
         </a:lnSpc>
@@ -6499,7 +6777,7 @@
           <a:srgbClr val="000000"/>
         </a:buClr>
         <a:buFont typeface="Arial"/>
-        <a:defRPr b="0" i="0" sz="1400" u="none" cap="none" strike="noStrike">
+        <a:defRPr sz="1400" b="0" i="0" u="none" strike="noStrike" cap="none">
           <a:solidFill>
             <a:srgbClr val="000000"/>
           </a:solidFill>
@@ -6509,7 +6787,7 @@
           <a:sym typeface="Arial"/>
         </a:defRPr>
       </a:lvl4pPr>
-      <a:lvl5pPr lvl="4" marR="0" rtl="0" algn="l">
+      <a:lvl5pPr marR="0" lvl="4" algn="l" rtl="0">
         <a:lnSpc>
           <a:spcPct val="100000"/>
         </a:lnSpc>
@@ -6523,7 +6801,7 @@
           <a:srgbClr val="000000"/>
         </a:buClr>
         <a:buFont typeface="Arial"/>
-        <a:defRPr b="0" i="0" sz="1400" u="none" cap="none" strike="noStrike">
+        <a:defRPr sz="1400" b="0" i="0" u="none" strike="noStrike" cap="none">
           <a:solidFill>
             <a:srgbClr val="000000"/>
           </a:solidFill>
@@ -6533,7 +6811,7 @@
           <a:sym typeface="Arial"/>
         </a:defRPr>
       </a:lvl5pPr>
-      <a:lvl6pPr lvl="5" marR="0" rtl="0" algn="l">
+      <a:lvl6pPr marR="0" lvl="5" algn="l" rtl="0">
         <a:lnSpc>
           <a:spcPct val="100000"/>
         </a:lnSpc>
@@ -6547,7 +6825,7 @@
           <a:srgbClr val="000000"/>
         </a:buClr>
         <a:buFont typeface="Arial"/>
-        <a:defRPr b="0" i="0" sz="1400" u="none" cap="none" strike="noStrike">
+        <a:defRPr sz="1400" b="0" i="0" u="none" strike="noStrike" cap="none">
           <a:solidFill>
             <a:srgbClr val="000000"/>
           </a:solidFill>
@@ -6557,7 +6835,7 @@
           <a:sym typeface="Arial"/>
         </a:defRPr>
       </a:lvl6pPr>
-      <a:lvl7pPr lvl="6" marR="0" rtl="0" algn="l">
+      <a:lvl7pPr marR="0" lvl="6" algn="l" rtl="0">
         <a:lnSpc>
           <a:spcPct val="100000"/>
         </a:lnSpc>
@@ -6571,7 +6849,7 @@
           <a:srgbClr val="000000"/>
         </a:buClr>
         <a:buFont typeface="Arial"/>
-        <a:defRPr b="0" i="0" sz="1400" u="none" cap="none" strike="noStrike">
+        <a:defRPr sz="1400" b="0" i="0" u="none" strike="noStrike" cap="none">
           <a:solidFill>
             <a:srgbClr val="000000"/>
           </a:solidFill>
@@ -6581,7 +6859,7 @@
           <a:sym typeface="Arial"/>
         </a:defRPr>
       </a:lvl7pPr>
-      <a:lvl8pPr lvl="7" marR="0" rtl="0" algn="l">
+      <a:lvl8pPr marR="0" lvl="7" algn="l" rtl="0">
         <a:lnSpc>
           <a:spcPct val="100000"/>
         </a:lnSpc>
@@ -6595,7 +6873,7 @@
           <a:srgbClr val="000000"/>
         </a:buClr>
         <a:buFont typeface="Arial"/>
-        <a:defRPr b="0" i="0" sz="1400" u="none" cap="none" strike="noStrike">
+        <a:defRPr sz="1400" b="0" i="0" u="none" strike="noStrike" cap="none">
           <a:solidFill>
             <a:srgbClr val="000000"/>
           </a:solidFill>
@@ -6605,7 +6883,7 @@
           <a:sym typeface="Arial"/>
         </a:defRPr>
       </a:lvl8pPr>
-      <a:lvl9pPr lvl="8" marR="0" rtl="0" algn="l">
+      <a:lvl9pPr marR="0" lvl="8" algn="l" rtl="0">
         <a:lnSpc>
           <a:spcPct val="100000"/>
         </a:lnSpc>
@@ -6619,7 +6897,7 @@
           <a:srgbClr val="000000"/>
         </a:buClr>
         <a:buFont typeface="Arial"/>
-        <a:defRPr b="0" i="0" sz="1400" u="none" cap="none" strike="noStrike">
+        <a:defRPr sz="1400" b="0" i="0" u="none" strike="noStrike" cap="none">
           <a:solidFill>
             <a:srgbClr val="000000"/>
           </a:solidFill>
@@ -6635,11 +6913,11 @@
 </file>
 
 <file path=ppt/slides/slide1.xml><?xml version="1.0" encoding="utf-8"?>
-<p:sld xmlns:a="http://schemas.openxmlformats.org/drawingml/2006/main" xmlns:r="http://schemas.openxmlformats.org/officeDocument/2006/relationships" xmlns:mc="http://schemas.openxmlformats.org/markup-compatibility/2006" xmlns:mv="urn:schemas-microsoft-com:mac:vml" xmlns:p="http://schemas.openxmlformats.org/presentationml/2006/main" xmlns:c="http://schemas.openxmlformats.org/drawingml/2006/chart" xmlns:dgm="http://schemas.openxmlformats.org/drawingml/2006/diagram" xmlns:o="urn:schemas-microsoft-com:office:office" xmlns:v="urn:schemas-microsoft-com:vml" xmlns:pvml="urn:schemas-microsoft-com:office:powerpoint" xmlns:com="http://schemas.openxmlformats.org/drawingml/2006/compatibility" xmlns:p14="http://schemas.microsoft.com/office/powerpoint/2010/main" xmlns:p15="http://schemas.microsoft.com/office/powerpoint/2012/main" xmlns:ahyp="http://schemas.microsoft.com/office/drawing/2018/hyperlinkcolor">
+<p:sld xmlns:a="http://schemas.openxmlformats.org/drawingml/2006/main" xmlns:r="http://schemas.openxmlformats.org/officeDocument/2006/relationships" xmlns:p="http://schemas.openxmlformats.org/presentationml/2006/main">
   <p:cSld>
     <p:spTree>
       <p:nvGrpSpPr>
-        <p:cNvPr id="53" name="Shape 53"/>
+        <p:cNvPr id="1" name="Shape 53"/>
         <p:cNvGrpSpPr/>
         <p:nvPr/>
       </p:nvGrpSpPr>
@@ -6654,7 +6932,9 @@
       <p:sp>
         <p:nvSpPr>
           <p:cNvPr id="54" name="Google Shape;54;p13"/>
-          <p:cNvSpPr txBox="1"/>
+          <p:cNvSpPr txBox="1">
+            <a:spLocks noGrp="1"/>
+          </p:cNvSpPr>
           <p:nvPr>
             <p:ph type="ctrTitle"/>
           </p:nvPr>
@@ -6669,12 +6949,12 @@
           </a:prstGeom>
         </p:spPr>
         <p:txBody>
-          <a:bodyPr anchorCtr="0" anchor="b" bIns="91425" lIns="91425" spcFirstLastPara="1" rIns="91425" wrap="square" tIns="91425">
+          <a:bodyPr spcFirstLastPara="1" wrap="square" lIns="91425" tIns="91425" rIns="91425" bIns="91425" anchor="b" anchorCtr="0">
             <a:normAutofit/>
           </a:bodyPr>
           <a:lstStyle/>
           <a:p>
-            <a:pPr indent="0" lvl="0" marL="0" rtl="0" algn="ctr">
+            <a:pPr marL="0" lvl="0" indent="0" algn="ctr" rtl="0">
               <a:spcBef>
                 <a:spcPts val="0"/>
               </a:spcBef>
@@ -6690,7 +6970,7 @@
             <a:endParaRPr/>
           </a:p>
           <a:p>
-            <a:pPr indent="0" lvl="0" marL="0" rtl="0" algn="ctr">
+            <a:pPr marL="0" lvl="0" indent="0" algn="ctr" rtl="0">
               <a:spcBef>
                 <a:spcPts val="0"/>
               </a:spcBef>
@@ -6716,11 +6996,11 @@
 </file>
 
 <file path=ppt/slides/slide10.xml><?xml version="1.0" encoding="utf-8"?>
-<p:sld xmlns:a="http://schemas.openxmlformats.org/drawingml/2006/main" xmlns:r="http://schemas.openxmlformats.org/officeDocument/2006/relationships" xmlns:mc="http://schemas.openxmlformats.org/markup-compatibility/2006" xmlns:mv="urn:schemas-microsoft-com:mac:vml" xmlns:p="http://schemas.openxmlformats.org/presentationml/2006/main" xmlns:c="http://schemas.openxmlformats.org/drawingml/2006/chart" xmlns:dgm="http://schemas.openxmlformats.org/drawingml/2006/diagram" xmlns:o="urn:schemas-microsoft-com:office:office" xmlns:v="urn:schemas-microsoft-com:vml" xmlns:pvml="urn:schemas-microsoft-com:office:powerpoint" xmlns:com="http://schemas.openxmlformats.org/drawingml/2006/compatibility" xmlns:p14="http://schemas.microsoft.com/office/powerpoint/2010/main" xmlns:p15="http://schemas.microsoft.com/office/powerpoint/2012/main" xmlns:ahyp="http://schemas.microsoft.com/office/drawing/2018/hyperlinkcolor">
+<p:sld xmlns:a="http://schemas.openxmlformats.org/drawingml/2006/main" xmlns:r="http://schemas.openxmlformats.org/officeDocument/2006/relationships" xmlns:p="http://schemas.openxmlformats.org/presentationml/2006/main">
   <p:cSld>
     <p:spTree>
       <p:nvGrpSpPr>
-        <p:cNvPr id="113" name="Shape 113"/>
+        <p:cNvPr id="1" name="Shape 113"/>
         <p:cNvGrpSpPr/>
         <p:nvPr/>
       </p:nvGrpSpPr>
@@ -6735,7 +7015,9 @@
       <p:sp>
         <p:nvSpPr>
           <p:cNvPr id="114" name="Google Shape;114;p22"/>
-          <p:cNvSpPr txBox="1"/>
+          <p:cNvSpPr txBox="1">
+            <a:spLocks noGrp="1"/>
+          </p:cNvSpPr>
           <p:nvPr>
             <p:ph type="title"/>
           </p:nvPr>
@@ -6750,12 +7032,12 @@
           </a:prstGeom>
         </p:spPr>
         <p:txBody>
-          <a:bodyPr anchorCtr="0" anchor="t" bIns="91425" lIns="91425" spcFirstLastPara="1" rIns="91425" wrap="square" tIns="91425">
+          <a:bodyPr spcFirstLastPara="1" wrap="square" lIns="91425" tIns="91425" rIns="91425" bIns="91425" anchor="t" anchorCtr="0">
             <a:normAutofit fontScale="90000"/>
           </a:bodyPr>
           <a:lstStyle/>
           <a:p>
-            <a:pPr indent="0" lvl="0" marL="0" rtl="0" algn="l">
+            <a:pPr marL="0" lvl="0" indent="0" algn="l" rtl="0">
               <a:spcBef>
                 <a:spcPts val="0"/>
               </a:spcBef>
@@ -6775,9 +7057,11 @@
       <p:sp>
         <p:nvSpPr>
           <p:cNvPr id="115" name="Google Shape;115;p22"/>
-          <p:cNvSpPr txBox="1"/>
+          <p:cNvSpPr txBox="1">
+            <a:spLocks noGrp="1"/>
+          </p:cNvSpPr>
           <p:nvPr>
-            <p:ph idx="1" type="body"/>
+            <p:ph type="body" idx="1"/>
           </p:nvPr>
         </p:nvSpPr>
         <p:spPr>
@@ -6790,12 +7074,12 @@
           </a:prstGeom>
         </p:spPr>
         <p:txBody>
-          <a:bodyPr anchorCtr="0" anchor="t" bIns="91425" lIns="91425" spcFirstLastPara="1" rIns="91425" wrap="square" tIns="91425">
+          <a:bodyPr spcFirstLastPara="1" wrap="square" lIns="91425" tIns="91425" rIns="91425" bIns="91425" anchor="t" anchorCtr="0">
             <a:normAutofit/>
           </a:bodyPr>
           <a:lstStyle/>
           <a:p>
-            <a:pPr indent="-342900" lvl="0" marL="457200" rtl="0" algn="l">
+            <a:pPr marL="457200" lvl="0" indent="-342900" algn="l" rtl="0">
               <a:spcBef>
                 <a:spcPts val="0"/>
               </a:spcBef>
@@ -6806,13 +7090,13 @@
               <a:buChar char="●"/>
             </a:pPr>
             <a:r>
-              <a:rPr lang="en"/>
+              <a:rPr lang="en" strike="sngStrike" dirty="0"/>
               <a:t>Open the main folder ‘pdpython’ as a project</a:t>
             </a:r>
-            <a:endParaRPr/>
-          </a:p>
-          <a:p>
-            <a:pPr indent="-342900" lvl="0" marL="457200" rtl="0" algn="l">
+            <a:endParaRPr strike="sngStrike" dirty="0"/>
+          </a:p>
+          <a:p>
+            <a:pPr marL="457200" lvl="0" indent="-342900" algn="l" rtl="0">
               <a:spcBef>
                 <a:spcPts val="0"/>
               </a:spcBef>
@@ -6823,20 +7107,20 @@
               <a:buChar char="●"/>
             </a:pPr>
             <a:r>
-              <a:rPr lang="en"/>
+              <a:rPr lang="en" strike="sngStrike" dirty="0"/>
               <a:t>Open the folder ‘pdpython_model’ in the subfolder menu to </a:t>
             </a:r>
             <a:br>
-              <a:rPr lang="en"/>
+              <a:rPr lang="en" strike="sngStrike" dirty="0"/>
             </a:br>
             <a:r>
-              <a:rPr lang="en"/>
+              <a:rPr lang="en" strike="sngStrike" dirty="0"/>
               <a:t>the left</a:t>
             </a:r>
-            <a:endParaRPr/>
-          </a:p>
-          <a:p>
-            <a:pPr indent="-342900" lvl="0" marL="457200" rtl="0" algn="l">
+            <a:endParaRPr strike="sngStrike" dirty="0"/>
+          </a:p>
+          <a:p>
+            <a:pPr marL="457200" lvl="0" indent="-342900" algn="l" rtl="0">
               <a:spcBef>
                 <a:spcPts val="0"/>
               </a:spcBef>
@@ -6847,17 +7131,17 @@
               <a:buChar char="●"/>
             </a:pPr>
             <a:r>
-              <a:rPr lang="en"/>
+              <a:rPr lang="en" strike="sngStrike" dirty="0"/>
               <a:t>Before we can run it we need to set up the virtual</a:t>
             </a:r>
             <a:br>
-              <a:rPr lang="en"/>
+              <a:rPr lang="en" strike="sngStrike" dirty="0"/>
             </a:br>
             <a:r>
-              <a:rPr lang="en"/>
+              <a:rPr lang="en" strike="sngStrike" dirty="0"/>
               <a:t>environment/Python interpreter</a:t>
             </a:r>
-            <a:endParaRPr/>
+            <a:endParaRPr strike="sngStrike" dirty="0"/>
           </a:p>
         </p:txBody>
       </p:sp>
@@ -6892,9 +7176,11 @@
       <p:sp>
         <p:nvSpPr>
           <p:cNvPr id="117" name="Google Shape;117;p22"/>
-          <p:cNvSpPr txBox="1"/>
+          <p:cNvSpPr txBox="1">
+            <a:spLocks noGrp="1"/>
+          </p:cNvSpPr>
           <p:nvPr>
-            <p:ph idx="1" type="body"/>
+            <p:ph type="body" idx="1"/>
           </p:nvPr>
         </p:nvSpPr>
         <p:spPr>
@@ -6907,12 +7193,12 @@
           </a:prstGeom>
         </p:spPr>
         <p:txBody>
-          <a:bodyPr anchorCtr="0" anchor="t" bIns="91425" lIns="91425" spcFirstLastPara="1" rIns="91425" wrap="square" tIns="91425">
-            <a:normAutofit fontScale="62500" lnSpcReduction="20000"/>
+          <a:bodyPr spcFirstLastPara="1" wrap="square" lIns="91425" tIns="91425" rIns="91425" bIns="91425" anchor="t" anchorCtr="0">
+            <a:normAutofit/>
           </a:bodyPr>
           <a:lstStyle/>
           <a:p>
-            <a:pPr indent="-300037" lvl="0" marL="457200" rtl="0" algn="l">
+            <a:pPr marL="457200" lvl="0" indent="-300037" algn="l" rtl="0">
               <a:spcBef>
                 <a:spcPts val="0"/>
               </a:spcBef>
@@ -6923,209 +7209,85 @@
               <a:buChar char="●"/>
             </a:pPr>
             <a:r>
-              <a:rPr lang="en"/>
+              <a:rPr lang="en" sz="1200" dirty="0"/>
               <a:t>Once the interpreter is set up, running either the moody_run or the sarsa_run </a:t>
             </a:r>
             <a:br>
-              <a:rPr lang="en"/>
+              <a:rPr lang="en" sz="1200" dirty="0"/>
             </a:br>
             <a:r>
-              <a:rPr lang="en"/>
-              <a:t>f</a:t>
-            </a:r>
-            <a:r>
-              <a:rPr lang="en"/>
-              <a:t>iles should allow for single experiments with the visualiser enabled - </a:t>
-            </a:r>
-            <a:r>
-              <a:rPr i="1" lang="en"/>
+              <a:rPr lang="en" sz="1200" dirty="0"/>
+              <a:t>files should allow for single experiments with the visualiser enabled - </a:t>
+            </a:r>
+            <a:r>
+              <a:rPr lang="en" sz="1200" i="1" dirty="0"/>
               <a:t>please</a:t>
             </a:r>
             <a:br>
-              <a:rPr i="1" lang="en"/>
+              <a:rPr lang="en" sz="1200" i="1" dirty="0"/>
             </a:br>
             <a:r>
-              <a:rPr i="1" lang="en"/>
-              <a:t>s</a:t>
-            </a:r>
-            <a:r>
-              <a:rPr i="1" lang="en"/>
-              <a:t>et the parameters you desire on the left, and then click ‘RESET’ in the top right</a:t>
+              <a:rPr lang="en" sz="1200" i="1" dirty="0"/>
+              <a:t>set the parameters you desire on the left, and then click ‘RESET’ in the top right</a:t>
             </a:r>
             <a:br>
-              <a:rPr i="1" lang="en"/>
+              <a:rPr lang="en" sz="1200" i="1" dirty="0"/>
             </a:br>
             <a:r>
-              <a:rPr i="1" lang="en"/>
-              <a:t>i</a:t>
-            </a:r>
-            <a:r>
-              <a:rPr i="1" lang="en"/>
-              <a:t>n order to run the experiment with the parameters active</a:t>
-            </a:r>
-            <a:br>
-              <a:rPr lang="en"/>
-            </a:br>
-            <a:r>
-              <a:rPr lang="en" strike="sngStrike">
+              <a:rPr lang="en" sz="1200" i="1" dirty="0"/>
+              <a:t>in order to run the experiment with the parameters active</a:t>
+            </a:r>
+          </a:p>
+          <a:p>
+            <a:pPr marL="457200" lvl="0" indent="-300037" algn="l" rtl="0">
+              <a:spcBef>
+                <a:spcPts val="0"/>
+              </a:spcBef>
+              <a:spcAft>
+                <a:spcPts val="0"/>
+              </a:spcAft>
+              <a:buSzPct val="100000"/>
+              <a:buChar char="●"/>
+            </a:pPr>
+            <a:r>
+              <a:rPr lang="en" sz="1200" dirty="0">
                 <a:solidFill>
-                  <a:srgbClr val="D9D9D9"/>
+                  <a:schemeClr val="tx1"/>
                 </a:solidFill>
               </a:rPr>
-              <a:t>it should be able </a:t>
-            </a:r>
-            <a:r>
-              <a:rPr lang="en" strike="sngStrike">
+              <a:t>To run the experiment over many epochs, set the desired variables at the bottom</a:t>
+            </a:r>
+            <a:br>
+              <a:rPr lang="en" sz="1200" dirty="0">
                 <a:solidFill>
-                  <a:srgbClr val="D9D9D9"/>
-                </a:solidFill>
-              </a:rPr>
-              <a:t>t</a:t>
-            </a:r>
-            <a:r>
-              <a:rPr lang="en" strike="sngStrike">
-                <a:solidFill>
-                  <a:srgbClr val="D9D9D9"/>
-                </a:solidFill>
-              </a:rPr>
-              <a:t>o run </a:t>
-            </a:r>
-            <a:r>
-              <a:rPr i="1" lang="en" strike="sngStrike">
-                <a:solidFill>
-                  <a:srgbClr val="D9D9D9"/>
-                </a:solidFill>
-              </a:rPr>
-              <a:t>one iteration</a:t>
-            </a:r>
-            <a:r>
-              <a:rPr lang="en" strike="sngStrike">
-                <a:solidFill>
-                  <a:srgbClr val="D9D9D9"/>
-                </a:solidFill>
-              </a:rPr>
-              <a:t> of </a:t>
-            </a:r>
-            <a:r>
-              <a:rPr i="1" lang="en" strike="sngStrike">
-                <a:solidFill>
-                  <a:srgbClr val="D9D9D9"/>
-                </a:solidFill>
-              </a:rPr>
-              <a:t>one parameter combination</a:t>
-            </a:r>
-            <a:br>
-              <a:rPr i="1" lang="en" strike="sngStrike">
-                <a:solidFill>
-                  <a:srgbClr val="D9D9D9"/>
+                  <a:schemeClr val="tx1"/>
                 </a:solidFill>
               </a:rPr>
             </a:br>
             <a:r>
-              <a:rPr lang="en" strike="sngStrike">
+              <a:rPr lang="en" sz="1200" dirty="0">
                 <a:solidFill>
-                  <a:srgbClr val="D9D9D9"/>
+                  <a:schemeClr val="tx1"/>
                 </a:solidFill>
               </a:rPr>
-              <a:t>for</a:t>
-            </a:r>
-            <a:r>
-              <a:rPr lang="en" strike="sngStrike">
+              <a:t>of the </a:t>
+            </a:r>
+            <a:r>
+              <a:rPr lang="en" sz="1200" i="1" dirty="0">
                 <a:solidFill>
-                  <a:srgbClr val="D9D9D9"/>
+                  <a:schemeClr val="tx1"/>
                 </a:solidFill>
               </a:rPr>
-              <a:t> a 4x4 simulation. Changing parameters or making it</a:t>
-            </a:r>
-            <a:br>
-              <a:rPr lang="en" strike="sngStrike">
+              <a:t>batch_run.py</a:t>
+            </a:r>
+            <a:r>
+              <a:rPr lang="en" sz="1200" dirty="0">
                 <a:solidFill>
-                  <a:srgbClr val="D9D9D9"/>
+                  <a:schemeClr val="tx1"/>
                 </a:solidFill>
               </a:rPr>
-            </a:br>
-            <a:r>
-              <a:rPr lang="en" strike="sngStrike">
-                <a:solidFill>
-                  <a:srgbClr val="D9D9D9"/>
-                </a:solidFill>
-              </a:rPr>
-              <a:t>r</a:t>
-            </a:r>
-            <a:r>
-              <a:rPr lang="en" strike="sngStrike">
-                <a:solidFill>
-                  <a:srgbClr val="D9D9D9"/>
-                </a:solidFill>
-              </a:rPr>
-              <a:t>un for the full number of iterations per parameter combo</a:t>
-            </a:r>
-            <a:br>
-              <a:rPr lang="en" strike="sngStrike">
-                <a:solidFill>
-                  <a:srgbClr val="D9D9D9"/>
-                </a:solidFill>
-              </a:rPr>
-            </a:br>
-            <a:r>
-              <a:rPr lang="en" strike="sngStrike">
-                <a:solidFill>
-                  <a:srgbClr val="D9D9D9"/>
-                </a:solidFill>
-              </a:rPr>
-              <a:t>(I am running for 5 per combo to make an average) is</a:t>
-            </a:r>
-            <a:br>
-              <a:rPr lang="en" strike="sngStrike">
-                <a:solidFill>
-                  <a:srgbClr val="D9D9D9"/>
-                </a:solidFill>
-              </a:rPr>
-            </a:br>
-            <a:r>
-              <a:rPr lang="en" strike="sngStrike">
-                <a:solidFill>
-                  <a:srgbClr val="D9D9D9"/>
-                </a:solidFill>
-              </a:rPr>
-              <a:t>q</a:t>
-            </a:r>
-            <a:r>
-              <a:rPr lang="en" strike="sngStrike">
-                <a:solidFill>
-                  <a:srgbClr val="D9D9D9"/>
-                </a:solidFill>
-              </a:rPr>
-              <a:t>uite different and needs </a:t>
-            </a:r>
-            <a:r>
-              <a:rPr lang="en" strike="sngStrike">
-                <a:solidFill>
-                  <a:srgbClr val="D9D9D9"/>
-                </a:solidFill>
-              </a:rPr>
-              <a:t>several variable values to be</a:t>
-            </a:r>
-            <a:br>
-              <a:rPr lang="en" strike="sngStrike">
-                <a:solidFill>
-                  <a:srgbClr val="D9D9D9"/>
-                </a:solidFill>
-              </a:rPr>
-            </a:br>
-            <a:r>
-              <a:rPr lang="en" strike="sngStrike">
-                <a:solidFill>
-                  <a:srgbClr val="D9D9D9"/>
-                </a:solidFill>
-              </a:rPr>
-              <a:t>manually edited in the code</a:t>
-            </a:r>
-            <a:endParaRPr strike="sngStrike">
-              <a:solidFill>
-                <a:srgbClr val="D9D9D9"/>
-              </a:solidFill>
-            </a:endParaRPr>
+              <a:t> file (including number of iterations), and run that file instead.</a:t>
+            </a:r>
           </a:p>
         </p:txBody>
       </p:sp>
@@ -7138,11 +7300,11 @@
 </file>
 
 <file path=ppt/slides/slide11.xml><?xml version="1.0" encoding="utf-8"?>
-<p:sld xmlns:a="http://schemas.openxmlformats.org/drawingml/2006/main" xmlns:r="http://schemas.openxmlformats.org/officeDocument/2006/relationships" xmlns:mc="http://schemas.openxmlformats.org/markup-compatibility/2006" xmlns:mv="urn:schemas-microsoft-com:mac:vml" xmlns:p="http://schemas.openxmlformats.org/presentationml/2006/main" xmlns:c="http://schemas.openxmlformats.org/drawingml/2006/chart" xmlns:dgm="http://schemas.openxmlformats.org/drawingml/2006/diagram" xmlns:o="urn:schemas-microsoft-com:office:office" xmlns:v="urn:schemas-microsoft-com:vml" xmlns:pvml="urn:schemas-microsoft-com:office:powerpoint" xmlns:com="http://schemas.openxmlformats.org/drawingml/2006/compatibility" xmlns:p14="http://schemas.microsoft.com/office/powerpoint/2010/main" xmlns:p15="http://schemas.microsoft.com/office/powerpoint/2012/main" xmlns:ahyp="http://schemas.microsoft.com/office/drawing/2018/hyperlinkcolor">
+<p:sld xmlns:a="http://schemas.openxmlformats.org/drawingml/2006/main" xmlns:r="http://schemas.openxmlformats.org/officeDocument/2006/relationships" xmlns:p="http://schemas.openxmlformats.org/presentationml/2006/main">
   <p:cSld>
     <p:spTree>
       <p:nvGrpSpPr>
-        <p:cNvPr id="121" name="Shape 121"/>
+        <p:cNvPr id="1" name="Shape 121"/>
         <p:cNvGrpSpPr/>
         <p:nvPr/>
       </p:nvGrpSpPr>
@@ -7157,7 +7319,9 @@
       <p:sp>
         <p:nvSpPr>
           <p:cNvPr id="122" name="Google Shape;122;p23"/>
-          <p:cNvSpPr txBox="1"/>
+          <p:cNvSpPr txBox="1">
+            <a:spLocks noGrp="1"/>
+          </p:cNvSpPr>
           <p:nvPr>
             <p:ph type="title"/>
           </p:nvPr>
@@ -7172,12 +7336,12 @@
           </a:prstGeom>
         </p:spPr>
         <p:txBody>
-          <a:bodyPr anchorCtr="0" anchor="t" bIns="91425" lIns="91425" spcFirstLastPara="1" rIns="91425" wrap="square" tIns="91425">
+          <a:bodyPr spcFirstLastPara="1" wrap="square" lIns="91425" tIns="91425" rIns="91425" bIns="91425" anchor="t" anchorCtr="0">
             <a:normAutofit fontScale="90000"/>
           </a:bodyPr>
           <a:lstStyle/>
           <a:p>
-            <a:pPr indent="0" lvl="0" marL="0" rtl="0" algn="l">
+            <a:pPr marL="0" lvl="0" indent="0" algn="l" rtl="0">
               <a:spcBef>
                 <a:spcPts val="0"/>
               </a:spcBef>
@@ -7187,44 +7351,46 @@
               <a:buNone/>
             </a:pPr>
             <a:r>
-              <a:rPr lang="en"/>
+              <a:rPr lang="en" dirty="0"/>
               <a:t>To run the simulation using the </a:t>
             </a:r>
             <a:br>
-              <a:rPr lang="en"/>
+              <a:rPr lang="en" dirty="0"/>
             </a:br>
             <a:r>
-              <a:rPr lang="en"/>
-              <a:t>Batchrunner (many iterations)</a:t>
-            </a:r>
-            <a:endParaRPr/>
+              <a:rPr lang="en" dirty="0"/>
+              <a:t>Batchrunner (many epochs)</a:t>
+            </a:r>
+            <a:endParaRPr dirty="0"/>
           </a:p>
         </p:txBody>
       </p:sp>
       <p:sp>
         <p:nvSpPr>
           <p:cNvPr id="123" name="Google Shape;123;p23"/>
-          <p:cNvSpPr txBox="1"/>
+          <p:cNvSpPr txBox="1">
+            <a:spLocks noGrp="1"/>
+          </p:cNvSpPr>
           <p:nvPr>
-            <p:ph idx="1" type="body"/>
+            <p:ph type="body" idx="1"/>
           </p:nvPr>
         </p:nvSpPr>
         <p:spPr>
           <a:xfrm>
-            <a:off x="311700" y="1568950"/>
-            <a:ext cx="8520600" cy="3182400"/>
+            <a:off x="311700" y="1358153"/>
+            <a:ext cx="8520600" cy="3393197"/>
           </a:xfrm>
           <a:prstGeom prst="rect">
             <a:avLst/>
           </a:prstGeom>
         </p:spPr>
         <p:txBody>
-          <a:bodyPr anchorCtr="0" anchor="t" bIns="91425" lIns="91425" spcFirstLastPara="1" rIns="91425" wrap="square" tIns="91425">
-            <a:normAutofit fontScale="70000" lnSpcReduction="20000"/>
+          <a:bodyPr spcFirstLastPara="1" wrap="square" lIns="91425" tIns="91425" rIns="91425" bIns="91425" anchor="t" anchorCtr="0">
+            <a:normAutofit fontScale="62500" lnSpcReduction="20000"/>
           </a:bodyPr>
           <a:lstStyle/>
           <a:p>
-            <a:pPr indent="-308610" lvl="0" marL="457200" rtl="0" algn="l">
+            <a:pPr marL="457200" lvl="0" indent="-308610" algn="l" rtl="0">
               <a:spcBef>
                 <a:spcPts val="0"/>
               </a:spcBef>
@@ -7235,39 +7401,26 @@
               <a:buChar char="●"/>
             </a:pPr>
             <a:r>
-              <a:rPr b="1" lang="en"/>
-              <a:t>Right-click the file in the hierarchy called</a:t>
+              <a:rPr lang="en" dirty="0"/>
+              <a:t>Ensure your variables are set correctly at the bottom of the </a:t>
             </a:r>
             <a:br>
-              <a:rPr b="1" lang="en"/>
+              <a:rPr lang="en" dirty="0"/>
             </a:br>
             <a:r>
-              <a:rPr b="1" lang="en"/>
-              <a:t>‘</a:t>
-            </a:r>
-            <a:r>
-              <a:rPr b="1" lang="en"/>
-              <a:t>b</a:t>
-            </a:r>
-            <a:r>
-              <a:rPr b="1" lang="en"/>
-              <a:t>atch_run.py’ and select ‘Run ‘batch_run’’</a:t>
+              <a:rPr lang="en" dirty="0"/>
+              <a:t>batch_run file, and ensure the automatic file name generator</a:t>
             </a:r>
             <a:br>
-              <a:rPr b="1" lang="en"/>
+              <a:rPr lang="en" dirty="0"/>
             </a:br>
             <a:r>
-              <a:rPr b="1" lang="en"/>
-              <a:t>f</a:t>
-            </a:r>
-            <a:r>
-              <a:rPr b="1" lang="en"/>
-              <a:t>rom the drop-down menu</a:t>
-            </a:r>
-            <a:endParaRPr b="1"/>
-          </a:p>
-          <a:p>
-            <a:pPr indent="-308610" lvl="0" marL="457200" rtl="0" algn="l">
+              <a:rPr lang="en" dirty="0"/>
+              <a:t>is structured as you desire (around line 586).</a:t>
+            </a:r>
+          </a:p>
+          <a:p>
+            <a:pPr marL="457200" lvl="0" indent="-308610" algn="l" rtl="0">
               <a:spcBef>
                 <a:spcPts val="0"/>
               </a:spcBef>
@@ -7278,57 +7431,27 @@
               <a:buChar char="●"/>
             </a:pPr>
             <a:r>
-              <a:rPr lang="en"/>
-              <a:t>The simulation should start running if all stages</a:t>
+              <a:rPr lang="en" b="1" dirty="0"/>
+              <a:t>Right-click the file in the hierarchy called</a:t>
             </a:r>
             <a:br>
-              <a:rPr lang="en"/>
+              <a:rPr lang="en" b="1" dirty="0"/>
             </a:br>
             <a:r>
-              <a:rPr lang="en"/>
-              <a:t>h</a:t>
-            </a:r>
-            <a:r>
-              <a:rPr lang="en"/>
-              <a:t>ave been done correctly. There is no visualiser,</a:t>
+              <a:rPr lang="en" b="1" dirty="0"/>
+              <a:t>‘batch_run.py’ and select ‘Run ‘batch_run’’</a:t>
             </a:r>
             <a:br>
-              <a:rPr lang="en"/>
+              <a:rPr lang="en" b="1" dirty="0"/>
             </a:br>
             <a:r>
-              <a:rPr lang="en"/>
-              <a:t>i</a:t>
-            </a:r>
-            <a:r>
-              <a:rPr lang="en"/>
-              <a:t>t will just run in the background and be </a:t>
-            </a:r>
-            <a:br>
-              <a:rPr lang="en"/>
-            </a:br>
-            <a:r>
-              <a:rPr lang="en"/>
-              <a:t>c</a:t>
-            </a:r>
-            <a:r>
-              <a:rPr lang="en"/>
-              <a:t>onstantly outputting/modifying the data into</a:t>
-            </a:r>
-            <a:br>
-              <a:rPr lang="en"/>
-            </a:br>
-            <a:r>
-              <a:rPr lang="en"/>
-              <a:t>c</a:t>
-            </a:r>
-            <a:r>
-              <a:rPr lang="en"/>
-              <a:t>sv files in the pdpython_model folder </a:t>
-            </a:r>
-            <a:endParaRPr/>
-          </a:p>
-          <a:p>
-            <a:pPr indent="-308610" lvl="0" marL="457200" rtl="0" algn="l">
+              <a:rPr lang="en" b="1" dirty="0"/>
+              <a:t>from the drop-down menu</a:t>
+            </a:r>
+            <a:endParaRPr b="1" dirty="0"/>
+          </a:p>
+          <a:p>
+            <a:pPr marL="457200" lvl="0" indent="-308610" algn="l" rtl="0">
               <a:spcBef>
                 <a:spcPts val="0"/>
               </a:spcBef>
@@ -7339,54 +7462,41 @@
               <a:buChar char="●"/>
             </a:pPr>
             <a:r>
-              <a:rPr lang="en"/>
-              <a:t>These .csv files </a:t>
-            </a:r>
-            <a:r>
-              <a:rPr b="1" lang="en"/>
-              <a:t>shouldn’t be touched</a:t>
-            </a:r>
-            <a:r>
-              <a:rPr lang="en"/>
-              <a:t> until</a:t>
+              <a:rPr lang="en" dirty="0"/>
+              <a:t>The simulation should start running if all stages</a:t>
             </a:r>
             <a:br>
-              <a:rPr lang="en"/>
+              <a:rPr lang="en" dirty="0"/>
             </a:br>
             <a:r>
-              <a:rPr lang="en"/>
-              <a:t>t</a:t>
-            </a:r>
-            <a:r>
-              <a:rPr lang="en"/>
-              <a:t>he simulation has ended, otherwise it will</a:t>
+              <a:rPr lang="en" dirty="0"/>
+              <a:t>have been done correctly. There is no visualiser,</a:t>
             </a:r>
             <a:br>
-              <a:rPr lang="en"/>
+              <a:rPr lang="en" dirty="0"/>
             </a:br>
             <a:r>
-              <a:rPr lang="en"/>
-              <a:t>c</a:t>
-            </a:r>
-            <a:r>
-              <a:rPr lang="en"/>
-              <a:t>rash as the data storage path will be </a:t>
+              <a:rPr lang="en" dirty="0"/>
+              <a:t>it will just run in the background and be </a:t>
             </a:r>
             <a:br>
-              <a:rPr lang="en"/>
+              <a:rPr lang="en" dirty="0"/>
             </a:br>
             <a:r>
-              <a:rPr lang="en"/>
-              <a:t>b</a:t>
-            </a:r>
-            <a:r>
-              <a:rPr lang="en"/>
-              <a:t>locked </a:t>
-            </a:r>
-            <a:endParaRPr/>
-          </a:p>
-          <a:p>
-            <a:pPr indent="-308610" lvl="0" marL="457200" rtl="0" algn="l">
+              <a:rPr lang="en" dirty="0"/>
+              <a:t>constantly outputting/modifying the data into</a:t>
+            </a:r>
+            <a:br>
+              <a:rPr lang="en" dirty="0"/>
+            </a:br>
+            <a:r>
+              <a:rPr lang="en" dirty="0"/>
+              <a:t>csv files in the pdpython_model folder </a:t>
+            </a:r>
+            <a:endParaRPr dirty="0"/>
+          </a:p>
+          <a:p>
+            <a:pPr marL="457200" lvl="0" indent="-308610" algn="l" rtl="0">
               <a:spcBef>
                 <a:spcPts val="0"/>
               </a:spcBef>
@@ -7397,43 +7507,77 @@
               <a:buChar char="●"/>
             </a:pPr>
             <a:r>
-              <a:rPr lang="en"/>
+              <a:rPr lang="en" dirty="0"/>
+              <a:t>These .csv files </a:t>
+            </a:r>
+            <a:r>
+              <a:rPr lang="en" b="1" dirty="0"/>
+              <a:t>shouldn’t be touched</a:t>
+            </a:r>
+            <a:r>
+              <a:rPr lang="en" dirty="0"/>
+              <a:t> until</a:t>
+            </a:r>
+            <a:br>
+              <a:rPr lang="en" dirty="0"/>
+            </a:br>
+            <a:r>
+              <a:rPr lang="en" dirty="0"/>
+              <a:t>the simulation has ended, otherwise it will</a:t>
+            </a:r>
+            <a:br>
+              <a:rPr lang="en" dirty="0"/>
+            </a:br>
+            <a:r>
+              <a:rPr lang="en" dirty="0"/>
+              <a:t>crash as the data storage path will be </a:t>
+            </a:r>
+            <a:br>
+              <a:rPr lang="en" dirty="0"/>
+            </a:br>
+            <a:r>
+              <a:rPr lang="en" dirty="0"/>
+              <a:t>blocked </a:t>
+            </a:r>
+            <a:endParaRPr dirty="0"/>
+          </a:p>
+          <a:p>
+            <a:pPr marL="457200" lvl="0" indent="-308610" algn="l" rtl="0">
+              <a:spcBef>
+                <a:spcPts val="0"/>
+              </a:spcBef>
+              <a:spcAft>
+                <a:spcPts val="0"/>
+              </a:spcAft>
+              <a:buSzPct val="100000"/>
+              <a:buChar char="●"/>
+            </a:pPr>
+            <a:r>
+              <a:rPr lang="en" dirty="0"/>
               <a:t>Once the simulation has ended, the terminal at the</a:t>
             </a:r>
             <a:br>
-              <a:rPr lang="en"/>
+              <a:rPr lang="en" dirty="0"/>
             </a:br>
             <a:r>
-              <a:rPr lang="en"/>
-              <a:t>b</a:t>
-            </a:r>
-            <a:r>
-              <a:rPr lang="en"/>
-              <a:t>ottom of the screen will display a red string that</a:t>
+              <a:rPr lang="en" dirty="0"/>
+              <a:t>bottom of the screen will display a red string that</a:t>
             </a:r>
             <a:br>
-              <a:rPr lang="en"/>
+              <a:rPr lang="en" dirty="0"/>
             </a:br>
             <a:r>
-              <a:rPr lang="en"/>
-              <a:t>g</a:t>
-            </a:r>
-            <a:r>
-              <a:rPr lang="en"/>
-              <a:t>ives the length of time it took to run in hours/minutes, </a:t>
+              <a:rPr lang="en" dirty="0"/>
+              <a:t>gives the length of time it took to run in hours/minutes, </a:t>
             </a:r>
             <a:br>
-              <a:rPr lang="en"/>
+              <a:rPr lang="en" dirty="0"/>
             </a:br>
             <a:r>
-              <a:rPr lang="en"/>
-              <a:t>f</a:t>
-            </a:r>
-            <a:r>
-              <a:rPr lang="en"/>
-              <a:t>ollowed by number of seconds per iteration</a:t>
-            </a:r>
-            <a:endParaRPr b="1"/>
+              <a:rPr lang="en" dirty="0"/>
+              <a:t>followed by number of seconds per iteration</a:t>
+            </a:r>
+            <a:endParaRPr b="1" dirty="0"/>
           </a:p>
         </p:txBody>
       </p:sp>
@@ -7447,7 +7591,7 @@
           <a:blip r:embed="rId3">
             <a:alphaModFix/>
           </a:blip>
-          <a:srcRect b="22013" l="0" r="78552" t="8652"/>
+          <a:srcRect t="8652" r="78552" b="22013"/>
           <a:stretch/>
         </p:blipFill>
         <p:spPr>
@@ -7479,23 +7623,23 @@
             <a:avLst/>
           </a:prstGeom>
           <a:noFill/>
-          <a:ln cap="flat" cmpd="sng" w="9525">
+          <a:ln w="9525" cap="flat" cmpd="sng">
             <a:solidFill>
               <a:srgbClr val="CC0000"/>
             </a:solidFill>
             <a:prstDash val="solid"/>
             <a:round/>
-            <a:headEnd len="sm" w="sm" type="none"/>
-            <a:tailEnd len="sm" w="sm" type="none"/>
+            <a:headEnd type="none" w="sm" len="sm"/>
+            <a:tailEnd type="none" w="sm" len="sm"/>
           </a:ln>
         </p:spPr>
         <p:txBody>
-          <a:bodyPr anchorCtr="0" anchor="ctr" bIns="91425" lIns="91425" spcFirstLastPara="1" rIns="91425" wrap="square" tIns="91425">
+          <a:bodyPr spcFirstLastPara="1" wrap="square" lIns="91425" tIns="91425" rIns="91425" bIns="91425" anchor="ctr" anchorCtr="0">
             <a:noAutofit/>
           </a:bodyPr>
           <a:lstStyle/>
           <a:p>
-            <a:pPr indent="0" lvl="0" marL="0" rtl="0" algn="l">
+            <a:pPr marL="0" lvl="0" indent="0" algn="l" rtl="0">
               <a:spcBef>
                 <a:spcPts val="0"/>
               </a:spcBef>
@@ -7504,9 +7648,6 @@
               </a:spcAft>
               <a:buNone/>
             </a:pPr>
-            <a:r>
-              <a:t/>
-            </a:r>
             <a:endParaRPr/>
           </a:p>
         </p:txBody>
@@ -7520,11 +7661,11 @@
 </file>
 
 <file path=ppt/slides/slide12.xml><?xml version="1.0" encoding="utf-8"?>
-<p:sld xmlns:a="http://schemas.openxmlformats.org/drawingml/2006/main" xmlns:r="http://schemas.openxmlformats.org/officeDocument/2006/relationships" xmlns:mc="http://schemas.openxmlformats.org/markup-compatibility/2006" xmlns:mv="urn:schemas-microsoft-com:mac:vml" xmlns:p="http://schemas.openxmlformats.org/presentationml/2006/main" xmlns:c="http://schemas.openxmlformats.org/drawingml/2006/chart" xmlns:dgm="http://schemas.openxmlformats.org/drawingml/2006/diagram" xmlns:o="urn:schemas-microsoft-com:office:office" xmlns:v="urn:schemas-microsoft-com:vml" xmlns:pvml="urn:schemas-microsoft-com:office:powerpoint" xmlns:com="http://schemas.openxmlformats.org/drawingml/2006/compatibility" xmlns:p14="http://schemas.microsoft.com/office/powerpoint/2010/main" xmlns:p15="http://schemas.microsoft.com/office/powerpoint/2012/main" xmlns:ahyp="http://schemas.microsoft.com/office/drawing/2018/hyperlinkcolor">
+<p:sld xmlns:a="http://schemas.openxmlformats.org/drawingml/2006/main" xmlns:r="http://schemas.openxmlformats.org/officeDocument/2006/relationships" xmlns:p="http://schemas.openxmlformats.org/presentationml/2006/main">
   <p:cSld>
     <p:spTree>
       <p:nvGrpSpPr>
-        <p:cNvPr id="129" name="Shape 129"/>
+        <p:cNvPr id="1" name="Shape 129"/>
         <p:cNvGrpSpPr/>
         <p:nvPr/>
       </p:nvGrpSpPr>
@@ -7539,7 +7680,9 @@
       <p:sp>
         <p:nvSpPr>
           <p:cNvPr id="130" name="Google Shape;130;p24"/>
-          <p:cNvSpPr txBox="1"/>
+          <p:cNvSpPr txBox="1">
+            <a:spLocks noGrp="1"/>
+          </p:cNvSpPr>
           <p:nvPr>
             <p:ph type="title"/>
           </p:nvPr>
@@ -7554,12 +7697,12 @@
           </a:prstGeom>
         </p:spPr>
         <p:txBody>
-          <a:bodyPr anchorCtr="0" anchor="t" bIns="91425" lIns="91425" spcFirstLastPara="1" rIns="91425" wrap="square" tIns="91425">
+          <a:bodyPr spcFirstLastPara="1" wrap="square" lIns="91425" tIns="91425" rIns="91425" bIns="91425" anchor="t" anchorCtr="0">
             <a:normAutofit fontScale="90000"/>
           </a:bodyPr>
           <a:lstStyle/>
           <a:p>
-            <a:pPr indent="0" lvl="0" marL="0" rtl="0" algn="l">
+            <a:pPr marL="0" lvl="0" indent="0" algn="l" rtl="0">
               <a:spcBef>
                 <a:spcPts val="0"/>
               </a:spcBef>
@@ -7569,26 +7712,28 @@
               <a:buNone/>
             </a:pPr>
             <a:r>
-              <a:rPr lang="en"/>
+              <a:rPr lang="en" dirty="0"/>
               <a:t>To run the simulation using the </a:t>
             </a:r>
             <a:br>
-              <a:rPr lang="en"/>
+              <a:rPr lang="en" dirty="0"/>
             </a:br>
             <a:r>
-              <a:rPr lang="en"/>
-              <a:t>Visualiser (single iteration)</a:t>
-            </a:r>
-            <a:endParaRPr/>
+              <a:rPr lang="en" dirty="0"/>
+              <a:t>Visualiser (single epoch)</a:t>
+            </a:r>
+            <a:endParaRPr dirty="0"/>
           </a:p>
         </p:txBody>
       </p:sp>
       <p:sp>
         <p:nvSpPr>
           <p:cNvPr id="131" name="Google Shape;131;p24"/>
-          <p:cNvSpPr txBox="1"/>
+          <p:cNvSpPr txBox="1">
+            <a:spLocks noGrp="1"/>
+          </p:cNvSpPr>
           <p:nvPr>
-            <p:ph idx="1" type="body"/>
+            <p:ph type="body" idx="1"/>
           </p:nvPr>
         </p:nvSpPr>
         <p:spPr>
@@ -7601,12 +7746,12 @@
           </a:prstGeom>
         </p:spPr>
         <p:txBody>
-          <a:bodyPr anchorCtr="0" anchor="t" bIns="91425" lIns="91425" spcFirstLastPara="1" rIns="91425" wrap="square" tIns="91425">
+          <a:bodyPr spcFirstLastPara="1" wrap="square" lIns="91425" tIns="91425" rIns="91425" bIns="91425" anchor="t" anchorCtr="0">
             <a:normAutofit fontScale="62500" lnSpcReduction="20000"/>
           </a:bodyPr>
           <a:lstStyle/>
           <a:p>
-            <a:pPr indent="-300037" lvl="0" marL="457200" rtl="0" algn="l">
+            <a:pPr marL="457200" lvl="0" indent="-300037" algn="l" rtl="0">
               <a:spcBef>
                 <a:spcPts val="0"/>
               </a:spcBef>
@@ -7617,27 +7762,27 @@
               <a:buChar char="●"/>
             </a:pPr>
             <a:r>
-              <a:rPr b="1" lang="en"/>
+              <a:rPr lang="en" b="1" dirty="0"/>
               <a:t>Right-click the file in the hierarchy called</a:t>
             </a:r>
             <a:br>
-              <a:rPr b="1" lang="en"/>
+              <a:rPr lang="en" b="1" dirty="0"/>
             </a:br>
             <a:r>
-              <a:rPr b="1" lang="en"/>
-              <a:t>‘moody_run.py’ or ‘sarsa_run.py’ and select ‘Run [filename]’</a:t>
+              <a:rPr lang="en" b="1" dirty="0"/>
+              <a:t>‘moody_run.py’ or ‘sarsa_run.py’ </a:t>
             </a:r>
             <a:br>
-              <a:rPr b="1" lang="en"/>
+              <a:rPr lang="en" b="1" dirty="0"/>
             </a:br>
             <a:r>
-              <a:rPr b="1" lang="en"/>
-              <a:t>from the drop-down menu</a:t>
-            </a:r>
-            <a:endParaRPr b="1"/>
-          </a:p>
-          <a:p>
-            <a:pPr indent="-300037" lvl="0" marL="457200" rtl="0" algn="l">
+              <a:rPr lang="en" b="1" dirty="0"/>
+              <a:t>and select ‘Run [filename]’ from the drop-down menu</a:t>
+            </a:r>
+            <a:endParaRPr b="1" dirty="0"/>
+          </a:p>
+          <a:p>
+            <a:pPr marL="457200" lvl="0" indent="-300037" algn="l" rtl="0">
               <a:spcBef>
                 <a:spcPts val="0"/>
               </a:spcBef>
@@ -7648,59 +7793,51 @@
               <a:buChar char="●"/>
             </a:pPr>
             <a:r>
-              <a:rPr lang="en"/>
+              <a:rPr lang="en" dirty="0"/>
               <a:t>The simulation should start running if all stages</a:t>
             </a:r>
             <a:br>
-              <a:rPr lang="en"/>
+              <a:rPr lang="en" dirty="0"/>
             </a:br>
             <a:r>
-              <a:rPr lang="en"/>
+              <a:rPr lang="en" dirty="0"/>
               <a:t>have been done correctly. The visualiser opens on</a:t>
             </a:r>
             <a:br>
-              <a:rPr lang="en"/>
+              <a:rPr lang="en" dirty="0"/>
             </a:br>
             <a:r>
-              <a:rPr lang="en"/>
-              <a:t>a</a:t>
-            </a:r>
-            <a:r>
-              <a:rPr lang="en"/>
-              <a:t> localhost port (http://127.0.0.1:8521 for me, unsure if</a:t>
+              <a:rPr lang="en" dirty="0"/>
+              <a:t>a localhost port (http://127.0.0.1:8521 for me, unsure if</a:t>
             </a:r>
             <a:br>
-              <a:rPr lang="en"/>
+              <a:rPr lang="en" dirty="0"/>
             </a:br>
             <a:r>
-              <a:rPr lang="en"/>
+              <a:rPr lang="en" dirty="0"/>
               <a:t>It remains the same, but it should come up in the pycharm</a:t>
             </a:r>
             <a:br>
-              <a:rPr lang="en"/>
+              <a:rPr lang="en" dirty="0"/>
             </a:br>
             <a:r>
-              <a:rPr lang="en"/>
-              <a:t>t</a:t>
-            </a:r>
-            <a:r>
-              <a:rPr lang="en"/>
-              <a:t>erminal for you to click on/may open in your default browser</a:t>
+              <a:rPr lang="en" dirty="0"/>
+              <a:t>terminal for you to click on/may open in your default browser</a:t>
             </a:r>
             <a:br>
-              <a:rPr lang="en"/>
+              <a:rPr lang="en" dirty="0"/>
             </a:br>
             <a:r>
-              <a:rPr lang="en"/>
+              <a:rPr lang="en" dirty="0"/>
               <a:t>automatically)</a:t>
             </a:r>
             <a:br>
-              <a:rPr lang="en"/>
+              <a:rPr lang="en" dirty="0"/>
             </a:br>
-            <a:endParaRPr/>
-          </a:p>
-          <a:p>
-            <a:pPr indent="-300037" lvl="0" marL="457200" rtl="0" algn="l">
+            <a:endParaRPr dirty="0"/>
+          </a:p>
+          <a:p>
+            <a:pPr marL="457200" lvl="0" indent="-300037" algn="l" rtl="0">
               <a:spcBef>
                 <a:spcPts val="0"/>
               </a:spcBef>
@@ -7711,42 +7848,42 @@
               <a:buChar char="●"/>
             </a:pPr>
             <a:r>
-              <a:rPr lang="en"/>
+              <a:rPr lang="en" dirty="0"/>
               <a:t>These .csv files </a:t>
             </a:r>
             <a:r>
-              <a:rPr b="1" lang="en"/>
+              <a:rPr lang="en" b="1" dirty="0"/>
               <a:t>shouldn’t be touched</a:t>
             </a:r>
             <a:r>
-              <a:rPr lang="en"/>
+              <a:rPr lang="en" dirty="0"/>
               <a:t> until</a:t>
             </a:r>
             <a:br>
-              <a:rPr lang="en"/>
+              <a:rPr lang="en" dirty="0"/>
             </a:br>
             <a:r>
-              <a:rPr lang="en"/>
+              <a:rPr lang="en" dirty="0"/>
               <a:t>the simulation has ended, otherwise it will</a:t>
             </a:r>
             <a:br>
-              <a:rPr lang="en"/>
+              <a:rPr lang="en" dirty="0"/>
             </a:br>
             <a:r>
-              <a:rPr lang="en"/>
+              <a:rPr lang="en" dirty="0"/>
               <a:t>crash as the data storage path will be </a:t>
             </a:r>
             <a:br>
-              <a:rPr lang="en"/>
+              <a:rPr lang="en" dirty="0"/>
             </a:br>
             <a:r>
-              <a:rPr lang="en"/>
+              <a:rPr lang="en" dirty="0"/>
               <a:t>blocked </a:t>
             </a:r>
-            <a:endParaRPr/>
-          </a:p>
-          <a:p>
-            <a:pPr indent="-300037" lvl="0" marL="457200" rtl="0" algn="l">
+            <a:endParaRPr dirty="0"/>
+          </a:p>
+          <a:p>
+            <a:pPr marL="457200" lvl="0" indent="-300037" algn="l" rtl="0">
               <a:spcBef>
                 <a:spcPts val="0"/>
               </a:spcBef>
@@ -7757,31 +7894,31 @@
               <a:buChar char="●"/>
             </a:pPr>
             <a:r>
-              <a:rPr lang="en"/>
+              <a:rPr lang="en" dirty="0"/>
               <a:t>Once the simulation has ended, the terminal at the</a:t>
             </a:r>
             <a:br>
-              <a:rPr lang="en"/>
+              <a:rPr lang="en" dirty="0"/>
             </a:br>
             <a:r>
-              <a:rPr lang="en"/>
+              <a:rPr lang="en" dirty="0"/>
               <a:t>bottom of the screen will display a red string that</a:t>
             </a:r>
             <a:br>
-              <a:rPr lang="en"/>
+              <a:rPr lang="en" dirty="0"/>
             </a:br>
             <a:r>
-              <a:rPr lang="en"/>
+              <a:rPr lang="en" dirty="0"/>
               <a:t>gives the length of time it took to run in hours/minutes, </a:t>
             </a:r>
             <a:br>
-              <a:rPr lang="en"/>
+              <a:rPr lang="en" dirty="0"/>
             </a:br>
             <a:r>
-              <a:rPr lang="en"/>
+              <a:rPr lang="en" dirty="0"/>
               <a:t>followed by number of seconds per iteration</a:t>
             </a:r>
-            <a:endParaRPr b="1"/>
+            <a:endParaRPr b="1" dirty="0"/>
           </a:p>
         </p:txBody>
       </p:sp>
@@ -7795,7 +7932,7 @@
           <a:blip r:embed="rId3">
             <a:alphaModFix/>
           </a:blip>
-          <a:srcRect b="22013" l="0" r="78552" t="8652"/>
+          <a:srcRect t="8652" r="78552" b="22013"/>
           <a:stretch/>
         </p:blipFill>
         <p:spPr>
@@ -7827,23 +7964,23 @@
             <a:avLst/>
           </a:prstGeom>
           <a:noFill/>
-          <a:ln cap="flat" cmpd="sng" w="9525">
+          <a:ln w="9525" cap="flat" cmpd="sng">
             <a:solidFill>
               <a:srgbClr val="CC0000"/>
             </a:solidFill>
             <a:prstDash val="solid"/>
             <a:round/>
-            <a:headEnd len="sm" w="sm" type="none"/>
-            <a:tailEnd len="sm" w="sm" type="none"/>
+            <a:headEnd type="none" w="sm" len="sm"/>
+            <a:tailEnd type="none" w="sm" len="sm"/>
           </a:ln>
         </p:spPr>
         <p:txBody>
-          <a:bodyPr anchorCtr="0" anchor="ctr" bIns="91425" lIns="91425" spcFirstLastPara="1" rIns="91425" wrap="square" tIns="91425">
+          <a:bodyPr spcFirstLastPara="1" wrap="square" lIns="91425" tIns="91425" rIns="91425" bIns="91425" anchor="ctr" anchorCtr="0">
             <a:noAutofit/>
           </a:bodyPr>
           <a:lstStyle/>
           <a:p>
-            <a:pPr indent="0" lvl="0" marL="0" rtl="0" algn="l">
+            <a:pPr marL="0" lvl="0" indent="0" algn="l" rtl="0">
               <a:spcBef>
                 <a:spcPts val="0"/>
               </a:spcBef>
@@ -7852,9 +7989,6 @@
               </a:spcAft>
               <a:buNone/>
             </a:pPr>
-            <a:r>
-              <a:t/>
-            </a:r>
             <a:endParaRPr/>
           </a:p>
         </p:txBody>
@@ -7868,11 +8002,11 @@
 </file>
 
 <file path=ppt/slides/slide13.xml><?xml version="1.0" encoding="utf-8"?>
-<p:sld xmlns:a="http://schemas.openxmlformats.org/drawingml/2006/main" xmlns:r="http://schemas.openxmlformats.org/officeDocument/2006/relationships" xmlns:mc="http://schemas.openxmlformats.org/markup-compatibility/2006" xmlns:mv="urn:schemas-microsoft-com:mac:vml" xmlns:p="http://schemas.openxmlformats.org/presentationml/2006/main" xmlns:c="http://schemas.openxmlformats.org/drawingml/2006/chart" xmlns:dgm="http://schemas.openxmlformats.org/drawingml/2006/diagram" xmlns:o="urn:schemas-microsoft-com:office:office" xmlns:v="urn:schemas-microsoft-com:vml" xmlns:pvml="urn:schemas-microsoft-com:office:powerpoint" xmlns:com="http://schemas.openxmlformats.org/drawingml/2006/compatibility" xmlns:p14="http://schemas.microsoft.com/office/powerpoint/2010/main" xmlns:p15="http://schemas.microsoft.com/office/powerpoint/2012/main" xmlns:ahyp="http://schemas.microsoft.com/office/drawing/2018/hyperlinkcolor">
+<p:sld xmlns:a="http://schemas.openxmlformats.org/drawingml/2006/main" xmlns:r="http://schemas.openxmlformats.org/officeDocument/2006/relationships" xmlns:p="http://schemas.openxmlformats.org/presentationml/2006/main">
   <p:cSld>
     <p:spTree>
       <p:nvGrpSpPr>
-        <p:cNvPr id="137" name="Shape 137"/>
+        <p:cNvPr id="1" name="Shape 137"/>
         <p:cNvGrpSpPr/>
         <p:nvPr/>
       </p:nvGrpSpPr>
@@ -7887,7 +8021,9 @@
       <p:sp>
         <p:nvSpPr>
           <p:cNvPr id="138" name="Google Shape;138;p25"/>
-          <p:cNvSpPr txBox="1"/>
+          <p:cNvSpPr txBox="1">
+            <a:spLocks noGrp="1"/>
+          </p:cNvSpPr>
           <p:nvPr>
             <p:ph type="title"/>
           </p:nvPr>
@@ -7902,12 +8038,12 @@
           </a:prstGeom>
         </p:spPr>
         <p:txBody>
-          <a:bodyPr anchorCtr="0" anchor="t" bIns="91425" lIns="91425" spcFirstLastPara="1" rIns="91425" wrap="square" tIns="91425">
+          <a:bodyPr spcFirstLastPara="1" wrap="square" lIns="91425" tIns="91425" rIns="91425" bIns="91425" anchor="t" anchorCtr="0">
             <a:normAutofit fontScale="90000"/>
           </a:bodyPr>
           <a:lstStyle/>
           <a:p>
-            <a:pPr indent="0" lvl="0" marL="0" rtl="0" algn="l">
+            <a:pPr marL="0" lvl="0" indent="0" algn="l" rtl="0">
               <a:spcBef>
                 <a:spcPts val="0"/>
               </a:spcBef>
@@ -7927,9 +8063,11 @@
       <p:sp>
         <p:nvSpPr>
           <p:cNvPr id="139" name="Google Shape;139;p25"/>
-          <p:cNvSpPr txBox="1"/>
+          <p:cNvSpPr txBox="1">
+            <a:spLocks noGrp="1"/>
+          </p:cNvSpPr>
           <p:nvPr>
-            <p:ph idx="1" type="body"/>
+            <p:ph type="body" idx="1"/>
           </p:nvPr>
         </p:nvSpPr>
         <p:spPr>
@@ -7942,12 +8080,12 @@
           </a:prstGeom>
         </p:spPr>
         <p:txBody>
-          <a:bodyPr anchorCtr="0" anchor="t" bIns="91425" lIns="91425" spcFirstLastPara="1" rIns="91425" wrap="square" tIns="91425">
+          <a:bodyPr spcFirstLastPara="1" wrap="square" lIns="91425" tIns="91425" rIns="91425" bIns="91425" anchor="t" anchorCtr="0">
             <a:normAutofit/>
           </a:bodyPr>
           <a:lstStyle/>
           <a:p>
-            <a:pPr indent="-342900" lvl="0" marL="457200" rtl="0" algn="l">
+            <a:pPr marL="457200" lvl="0" indent="-342900" algn="l" rtl="0">
               <a:spcBef>
                 <a:spcPts val="0"/>
               </a:spcBef>
@@ -7958,27 +8096,38 @@
               <a:buChar char="●"/>
             </a:pPr>
             <a:r>
+              <a:rPr lang="en" dirty="0"/>
+              <a:t>If you could add the data files to a .zip folder and send them to </a:t>
+            </a:r>
+            <a:br>
+              <a:rPr lang="en" dirty="0"/>
+            </a:br>
+            <a:r>
+              <a:rPr lang="en" dirty="0"/>
+              <a:t>me, I can process them when I have </a:t>
+            </a:r>
+            <a:r>
               <a:rPr lang="en"/>
-              <a:t>If you could add the data files to a .zip folder and send them to </a:t>
+              <a:t>MATLAB available.</a:t>
             </a:r>
             <a:br>
-              <a:rPr lang="en"/>
+              <a:rPr lang="en" dirty="0"/>
             </a:br>
             <a:r>
-              <a:rPr lang="en"/>
-              <a:t>me, I can process them when I have MATLAB available</a:t>
+              <a:rPr lang="en" b="1" dirty="0"/>
+              <a:t>Don’t touch or move the .csv files named ‘filename_number.csv’, </a:t>
             </a:r>
             <a:br>
-              <a:rPr lang="en"/>
+              <a:rPr lang="en" b="1" dirty="0"/>
             </a:br>
             <a:r>
-              <a:rPr b="1" lang="en"/>
-              <a:t>Don’t touch or move the .csv files named ‘filename_number.csv’</a:t>
-            </a:r>
-            <a:endParaRPr b="1"/>
-          </a:p>
-          <a:p>
-            <a:pPr indent="-342900" lvl="0" marL="457200" rtl="0" algn="l">
+              <a:rPr lang="en" b="1" dirty="0"/>
+              <a:t>other than to reset it to zero if you need to after an experiment.</a:t>
+            </a:r>
+            <a:endParaRPr b="1" dirty="0"/>
+          </a:p>
+          <a:p>
+            <a:pPr marL="457200" lvl="0" indent="-342900" algn="l" rtl="0">
               <a:spcBef>
                 <a:spcPts val="0"/>
               </a:spcBef>
@@ -7989,10 +8138,10 @@
               <a:buChar char="●"/>
             </a:pPr>
             <a:r>
-              <a:rPr lang="en"/>
-              <a:t>The simulation takes up a decent chunk of memory (approximately 30% on the work PCs each) so it is possible to do other stuff whilst it’s running but other memory-intensive programs will result in a simulation crash</a:t>
-            </a:r>
-            <a:endParaRPr/>
+              <a:rPr lang="en" dirty="0"/>
+              <a:t>The simulation takes up a decent chunk of memory (approximately 30% on the work PCs each) so it is possible to do other stuff whilst it’s running but other memory-intensive programs will result in a simulation crash.</a:t>
+            </a:r>
+            <a:endParaRPr dirty="0"/>
           </a:p>
         </p:txBody>
       </p:sp>
@@ -8005,11 +8154,11 @@
 </file>
 
 <file path=ppt/slides/slide2.xml><?xml version="1.0" encoding="utf-8"?>
-<p:sld xmlns:a="http://schemas.openxmlformats.org/drawingml/2006/main" xmlns:r="http://schemas.openxmlformats.org/officeDocument/2006/relationships" xmlns:mc="http://schemas.openxmlformats.org/markup-compatibility/2006" xmlns:mv="urn:schemas-microsoft-com:mac:vml" xmlns:p="http://schemas.openxmlformats.org/presentationml/2006/main" xmlns:c="http://schemas.openxmlformats.org/drawingml/2006/chart" xmlns:dgm="http://schemas.openxmlformats.org/drawingml/2006/diagram" xmlns:o="urn:schemas-microsoft-com:office:office" xmlns:v="urn:schemas-microsoft-com:vml" xmlns:pvml="urn:schemas-microsoft-com:office:powerpoint" xmlns:com="http://schemas.openxmlformats.org/drawingml/2006/compatibility" xmlns:p14="http://schemas.microsoft.com/office/powerpoint/2010/main" xmlns:p15="http://schemas.microsoft.com/office/powerpoint/2012/main" xmlns:ahyp="http://schemas.microsoft.com/office/drawing/2018/hyperlinkcolor">
+<p:sld xmlns:a="http://schemas.openxmlformats.org/drawingml/2006/main" xmlns:r="http://schemas.openxmlformats.org/officeDocument/2006/relationships" xmlns:p="http://schemas.openxmlformats.org/presentationml/2006/main">
   <p:cSld>
     <p:spTree>
       <p:nvGrpSpPr>
-        <p:cNvPr id="58" name="Shape 58"/>
+        <p:cNvPr id="1" name="Shape 58"/>
         <p:cNvGrpSpPr/>
         <p:nvPr/>
       </p:nvGrpSpPr>
@@ -8024,7 +8173,9 @@
       <p:sp>
         <p:nvSpPr>
           <p:cNvPr id="59" name="Google Shape;59;p14"/>
-          <p:cNvSpPr txBox="1"/>
+          <p:cNvSpPr txBox="1">
+            <a:spLocks noGrp="1"/>
+          </p:cNvSpPr>
           <p:nvPr>
             <p:ph type="title"/>
           </p:nvPr>
@@ -8039,12 +8190,12 @@
           </a:prstGeom>
         </p:spPr>
         <p:txBody>
-          <a:bodyPr anchorCtr="0" anchor="t" bIns="91425" lIns="91425" spcFirstLastPara="1" rIns="91425" wrap="square" tIns="91425">
+          <a:bodyPr spcFirstLastPara="1" wrap="square" lIns="91425" tIns="91425" rIns="91425" bIns="91425" anchor="t" anchorCtr="0">
             <a:normAutofit fontScale="90000"/>
           </a:bodyPr>
           <a:lstStyle/>
           <a:p>
-            <a:pPr indent="0" lvl="0" marL="0" rtl="0" algn="l">
+            <a:pPr marL="0" lvl="0" indent="0" algn="l" rtl="0">
               <a:spcBef>
                 <a:spcPts val="0"/>
               </a:spcBef>
@@ -8064,9 +8215,11 @@
       <p:sp>
         <p:nvSpPr>
           <p:cNvPr id="60" name="Google Shape;60;p14"/>
-          <p:cNvSpPr txBox="1"/>
+          <p:cNvSpPr txBox="1">
+            <a:spLocks noGrp="1"/>
+          </p:cNvSpPr>
           <p:nvPr>
-            <p:ph idx="1" type="body"/>
+            <p:ph type="body" idx="1"/>
           </p:nvPr>
         </p:nvSpPr>
         <p:spPr>
@@ -8079,12 +8232,12 @@
           </a:prstGeom>
         </p:spPr>
         <p:txBody>
-          <a:bodyPr anchorCtr="0" anchor="t" bIns="91425" lIns="91425" spcFirstLastPara="1" rIns="91425" wrap="square" tIns="91425">
+          <a:bodyPr spcFirstLastPara="1" wrap="square" lIns="91425" tIns="91425" rIns="91425" bIns="91425" anchor="t" anchorCtr="0">
             <a:normAutofit/>
           </a:bodyPr>
           <a:lstStyle/>
           <a:p>
-            <a:pPr indent="-342900" lvl="0" marL="457200" rtl="0" algn="l">
+            <a:pPr marL="457200" lvl="0" indent="-342900" algn="l" rtl="0">
               <a:spcBef>
                 <a:spcPts val="0"/>
               </a:spcBef>
@@ -8106,7 +8259,7 @@
             <a:endParaRPr/>
           </a:p>
           <a:p>
-            <a:pPr indent="-342900" lvl="0" marL="457200" rtl="0" algn="l">
+            <a:pPr marL="457200" lvl="0" indent="-342900" algn="l" rtl="0">
               <a:spcBef>
                 <a:spcPts val="0"/>
               </a:spcBef>
@@ -8128,7 +8281,7 @@
             <a:endParaRPr/>
           </a:p>
           <a:p>
-            <a:pPr indent="-342900" lvl="0" marL="457200" rtl="0" algn="l">
+            <a:pPr marL="457200" lvl="0" indent="-342900" algn="l" rtl="0">
               <a:spcBef>
                 <a:spcPts val="0"/>
               </a:spcBef>
@@ -8164,11 +8317,11 @@
 </file>
 
 <file path=ppt/slides/slide3.xml><?xml version="1.0" encoding="utf-8"?>
-<p:sld xmlns:a="http://schemas.openxmlformats.org/drawingml/2006/main" xmlns:r="http://schemas.openxmlformats.org/officeDocument/2006/relationships" xmlns:mc="http://schemas.openxmlformats.org/markup-compatibility/2006" xmlns:mv="urn:schemas-microsoft-com:mac:vml" xmlns:p="http://schemas.openxmlformats.org/presentationml/2006/main" xmlns:c="http://schemas.openxmlformats.org/drawingml/2006/chart" xmlns:dgm="http://schemas.openxmlformats.org/drawingml/2006/diagram" xmlns:o="urn:schemas-microsoft-com:office:office" xmlns:v="urn:schemas-microsoft-com:vml" xmlns:pvml="urn:schemas-microsoft-com:office:powerpoint" xmlns:com="http://schemas.openxmlformats.org/drawingml/2006/compatibility" xmlns:p14="http://schemas.microsoft.com/office/powerpoint/2010/main" xmlns:p15="http://schemas.microsoft.com/office/powerpoint/2012/main" xmlns:ahyp="http://schemas.microsoft.com/office/drawing/2018/hyperlinkcolor">
+<p:sld xmlns:a="http://schemas.openxmlformats.org/drawingml/2006/main" xmlns:r="http://schemas.openxmlformats.org/officeDocument/2006/relationships" xmlns:p="http://schemas.openxmlformats.org/presentationml/2006/main">
   <p:cSld>
     <p:spTree>
       <p:nvGrpSpPr>
-        <p:cNvPr id="64" name="Shape 64"/>
+        <p:cNvPr id="1" name="Shape 64"/>
         <p:cNvGrpSpPr/>
         <p:nvPr/>
       </p:nvGrpSpPr>
@@ -8183,7 +8336,9 @@
       <p:sp>
         <p:nvSpPr>
           <p:cNvPr id="65" name="Google Shape;65;p15"/>
-          <p:cNvSpPr txBox="1"/>
+          <p:cNvSpPr txBox="1">
+            <a:spLocks noGrp="1"/>
+          </p:cNvSpPr>
           <p:nvPr>
             <p:ph type="title"/>
           </p:nvPr>
@@ -8198,12 +8353,12 @@
           </a:prstGeom>
         </p:spPr>
         <p:txBody>
-          <a:bodyPr anchorCtr="0" anchor="t" bIns="91425" lIns="91425" spcFirstLastPara="1" rIns="91425" wrap="square" tIns="91425">
+          <a:bodyPr spcFirstLastPara="1" wrap="square" lIns="91425" tIns="91425" rIns="91425" bIns="91425" anchor="t" anchorCtr="0">
             <a:normAutofit fontScale="90000"/>
           </a:bodyPr>
           <a:lstStyle/>
           <a:p>
-            <a:pPr indent="0" lvl="0" marL="0" rtl="0" algn="l">
+            <a:pPr marL="0" lvl="0" indent="0" algn="l" rtl="0">
               <a:spcBef>
                 <a:spcPts val="0"/>
               </a:spcBef>
@@ -8223,9 +8378,11 @@
       <p:sp>
         <p:nvSpPr>
           <p:cNvPr id="66" name="Google Shape;66;p15"/>
-          <p:cNvSpPr txBox="1"/>
+          <p:cNvSpPr txBox="1">
+            <a:spLocks noGrp="1"/>
+          </p:cNvSpPr>
           <p:nvPr>
-            <p:ph idx="1" type="body"/>
+            <p:ph type="body" idx="1"/>
           </p:nvPr>
         </p:nvSpPr>
         <p:spPr>
@@ -8238,12 +8395,12 @@
           </a:prstGeom>
         </p:spPr>
         <p:txBody>
-          <a:bodyPr anchorCtr="0" anchor="t" bIns="91425" lIns="91425" spcFirstLastPara="1" rIns="91425" wrap="square" tIns="91425">
+          <a:bodyPr spcFirstLastPara="1" wrap="square" lIns="91425" tIns="91425" rIns="91425" bIns="91425" anchor="t" anchorCtr="0">
             <a:normAutofit/>
           </a:bodyPr>
           <a:lstStyle/>
           <a:p>
-            <a:pPr indent="0" lvl="0" marL="0" rtl="0" algn="l">
+            <a:pPr marL="0" lvl="0" indent="0" algn="l" rtl="0">
               <a:spcBef>
                 <a:spcPts val="0"/>
               </a:spcBef>
@@ -8268,7 +8425,7 @@
             <a:endParaRPr/>
           </a:p>
           <a:p>
-            <a:pPr indent="0" lvl="0" marL="0" rtl="0" algn="l">
+            <a:pPr marL="0" lvl="0" indent="0" algn="l" rtl="0">
               <a:spcBef>
                 <a:spcPts val="1200"/>
               </a:spcBef>
@@ -8277,9 +8434,6 @@
               </a:spcAft>
               <a:buNone/>
             </a:pPr>
-            <a:r>
-              <a:t/>
-            </a:r>
             <a:endParaRPr/>
           </a:p>
         </p:txBody>
@@ -8355,23 +8509,23 @@
             <a:avLst/>
           </a:prstGeom>
           <a:noFill/>
-          <a:ln cap="flat" cmpd="sng" w="9525">
+          <a:ln w="9525" cap="flat" cmpd="sng">
             <a:solidFill>
               <a:srgbClr val="CC0000"/>
             </a:solidFill>
             <a:prstDash val="solid"/>
             <a:round/>
-            <a:headEnd len="sm" w="sm" type="none"/>
-            <a:tailEnd len="sm" w="sm" type="none"/>
+            <a:headEnd type="none" w="sm" len="sm"/>
+            <a:tailEnd type="none" w="sm" len="sm"/>
           </a:ln>
         </p:spPr>
         <p:txBody>
-          <a:bodyPr anchorCtr="0" anchor="ctr" bIns="91425" lIns="91425" spcFirstLastPara="1" rIns="91425" wrap="square" tIns="91425">
+          <a:bodyPr spcFirstLastPara="1" wrap="square" lIns="91425" tIns="91425" rIns="91425" bIns="91425" anchor="ctr" anchorCtr="0">
             <a:noAutofit/>
           </a:bodyPr>
           <a:lstStyle/>
           <a:p>
-            <a:pPr indent="0" lvl="0" marL="0" rtl="0" algn="l">
+            <a:pPr marL="0" lvl="0" indent="0" algn="l" rtl="0">
               <a:spcBef>
                 <a:spcPts val="0"/>
               </a:spcBef>
@@ -8380,9 +8534,6 @@
               </a:spcAft>
               <a:buNone/>
             </a:pPr>
-            <a:r>
-              <a:t/>
-            </a:r>
             <a:endParaRPr/>
           </a:p>
         </p:txBody>
@@ -8402,23 +8553,23 @@
             <a:avLst/>
           </a:prstGeom>
           <a:noFill/>
-          <a:ln cap="flat" cmpd="sng" w="9525">
+          <a:ln w="9525" cap="flat" cmpd="sng">
             <a:solidFill>
               <a:srgbClr val="CC0000"/>
             </a:solidFill>
             <a:prstDash val="solid"/>
             <a:round/>
-            <a:headEnd len="sm" w="sm" type="none"/>
-            <a:tailEnd len="sm" w="sm" type="none"/>
+            <a:headEnd type="none" w="sm" len="sm"/>
+            <a:tailEnd type="none" w="sm" len="sm"/>
           </a:ln>
         </p:spPr>
         <p:txBody>
-          <a:bodyPr anchorCtr="0" anchor="ctr" bIns="91425" lIns="91425" spcFirstLastPara="1" rIns="91425" wrap="square" tIns="91425">
+          <a:bodyPr spcFirstLastPara="1" wrap="square" lIns="91425" tIns="91425" rIns="91425" bIns="91425" anchor="ctr" anchorCtr="0">
             <a:noAutofit/>
           </a:bodyPr>
           <a:lstStyle/>
           <a:p>
-            <a:pPr indent="0" lvl="0" marL="0" rtl="0" algn="l">
+            <a:pPr marL="0" lvl="0" indent="0" algn="l" rtl="0">
               <a:spcBef>
                 <a:spcPts val="0"/>
               </a:spcBef>
@@ -8427,9 +8578,6 @@
               </a:spcAft>
               <a:buNone/>
             </a:pPr>
-            <a:r>
-              <a:t/>
-            </a:r>
             <a:endParaRPr/>
           </a:p>
         </p:txBody>
@@ -8443,11 +8591,11 @@
 </file>
 
 <file path=ppt/slides/slide4.xml><?xml version="1.0" encoding="utf-8"?>
-<p:sld xmlns:a="http://schemas.openxmlformats.org/drawingml/2006/main" xmlns:r="http://schemas.openxmlformats.org/officeDocument/2006/relationships" xmlns:mc="http://schemas.openxmlformats.org/markup-compatibility/2006" xmlns:mv="urn:schemas-microsoft-com:mac:vml" xmlns:p="http://schemas.openxmlformats.org/presentationml/2006/main" xmlns:c="http://schemas.openxmlformats.org/drawingml/2006/chart" xmlns:dgm="http://schemas.openxmlformats.org/drawingml/2006/diagram" xmlns:o="urn:schemas-microsoft-com:office:office" xmlns:v="urn:schemas-microsoft-com:vml" xmlns:pvml="urn:schemas-microsoft-com:office:powerpoint" xmlns:com="http://schemas.openxmlformats.org/drawingml/2006/compatibility" xmlns:p14="http://schemas.microsoft.com/office/powerpoint/2010/main" xmlns:p15="http://schemas.microsoft.com/office/powerpoint/2012/main" xmlns:ahyp="http://schemas.microsoft.com/office/drawing/2018/hyperlinkcolor">
+<p:sld xmlns:a="http://schemas.openxmlformats.org/drawingml/2006/main" xmlns:r="http://schemas.openxmlformats.org/officeDocument/2006/relationships" xmlns:p="http://schemas.openxmlformats.org/presentationml/2006/main">
   <p:cSld>
     <p:spTree>
       <p:nvGrpSpPr>
-        <p:cNvPr id="74" name="Shape 74"/>
+        <p:cNvPr id="1" name="Shape 74"/>
         <p:cNvGrpSpPr/>
         <p:nvPr/>
       </p:nvGrpSpPr>
@@ -8462,7 +8610,9 @@
       <p:sp>
         <p:nvSpPr>
           <p:cNvPr id="75" name="Google Shape;75;p16"/>
-          <p:cNvSpPr txBox="1"/>
+          <p:cNvSpPr txBox="1">
+            <a:spLocks noGrp="1"/>
+          </p:cNvSpPr>
           <p:nvPr>
             <p:ph type="title"/>
           </p:nvPr>
@@ -8477,12 +8627,12 @@
           </a:prstGeom>
         </p:spPr>
         <p:txBody>
-          <a:bodyPr anchorCtr="0" anchor="t" bIns="91425" lIns="91425" spcFirstLastPara="1" rIns="91425" wrap="square" tIns="91425">
+          <a:bodyPr spcFirstLastPara="1" wrap="square" lIns="91425" tIns="91425" rIns="91425" bIns="91425" anchor="t" anchorCtr="0">
             <a:normAutofit fontScale="90000"/>
           </a:bodyPr>
           <a:lstStyle/>
           <a:p>
-            <a:pPr indent="0" lvl="0" marL="0" rtl="0" algn="l">
+            <a:pPr marL="0" lvl="0" indent="0" algn="l" rtl="0">
               <a:spcBef>
                 <a:spcPts val="0"/>
               </a:spcBef>
@@ -8502,9 +8652,11 @@
       <p:sp>
         <p:nvSpPr>
           <p:cNvPr id="76" name="Google Shape;76;p16"/>
-          <p:cNvSpPr txBox="1"/>
+          <p:cNvSpPr txBox="1">
+            <a:spLocks noGrp="1"/>
+          </p:cNvSpPr>
           <p:nvPr>
-            <p:ph idx="1" type="body"/>
+            <p:ph type="body" idx="1"/>
           </p:nvPr>
         </p:nvSpPr>
         <p:spPr>
@@ -8517,12 +8669,12 @@
           </a:prstGeom>
         </p:spPr>
         <p:txBody>
-          <a:bodyPr anchorCtr="0" anchor="t" bIns="91425" lIns="91425" spcFirstLastPara="1" rIns="91425" wrap="square" tIns="91425">
+          <a:bodyPr spcFirstLastPara="1" wrap="square" lIns="91425" tIns="91425" rIns="91425" bIns="91425" anchor="t" anchorCtr="0">
             <a:normAutofit/>
           </a:bodyPr>
           <a:lstStyle/>
           <a:p>
-            <a:pPr indent="-342900" lvl="0" marL="457200" rtl="0" algn="l">
+            <a:pPr marL="457200" lvl="0" indent="-342900" algn="l" rtl="0">
               <a:spcBef>
                 <a:spcPts val="0"/>
               </a:spcBef>
@@ -8539,7 +8691,7 @@
             <a:endParaRPr/>
           </a:p>
           <a:p>
-            <a:pPr indent="-342900" lvl="0" marL="457200" rtl="0" algn="l">
+            <a:pPr marL="457200" lvl="0" indent="-342900" algn="l" rtl="0">
               <a:spcBef>
                 <a:spcPts val="0"/>
               </a:spcBef>
@@ -8563,7 +8715,7 @@
             <a:endParaRPr/>
           </a:p>
           <a:p>
-            <a:pPr indent="-342900" lvl="0" marL="457200" rtl="0" algn="l">
+            <a:pPr marL="457200" lvl="0" indent="-342900" algn="l" rtl="0">
               <a:spcBef>
                 <a:spcPts val="0"/>
               </a:spcBef>
@@ -8625,11 +8777,11 @@
 </file>
 
 <file path=ppt/slides/slide5.xml><?xml version="1.0" encoding="utf-8"?>
-<p:sld xmlns:a="http://schemas.openxmlformats.org/drawingml/2006/main" xmlns:r="http://schemas.openxmlformats.org/officeDocument/2006/relationships" xmlns:mc="http://schemas.openxmlformats.org/markup-compatibility/2006" xmlns:mv="urn:schemas-microsoft-com:mac:vml" xmlns:p="http://schemas.openxmlformats.org/presentationml/2006/main" xmlns:c="http://schemas.openxmlformats.org/drawingml/2006/chart" xmlns:dgm="http://schemas.openxmlformats.org/drawingml/2006/diagram" xmlns:o="urn:schemas-microsoft-com:office:office" xmlns:v="urn:schemas-microsoft-com:vml" xmlns:pvml="urn:schemas-microsoft-com:office:powerpoint" xmlns:com="http://schemas.openxmlformats.org/drawingml/2006/compatibility" xmlns:p14="http://schemas.microsoft.com/office/powerpoint/2010/main" xmlns:p15="http://schemas.microsoft.com/office/powerpoint/2012/main" xmlns:ahyp="http://schemas.microsoft.com/office/drawing/2018/hyperlinkcolor">
+<p:sld xmlns:a="http://schemas.openxmlformats.org/drawingml/2006/main" xmlns:r="http://schemas.openxmlformats.org/officeDocument/2006/relationships" xmlns:p="http://schemas.openxmlformats.org/presentationml/2006/main">
   <p:cSld>
     <p:spTree>
       <p:nvGrpSpPr>
-        <p:cNvPr id="81" name="Shape 81"/>
+        <p:cNvPr id="1" name="Shape 81"/>
         <p:cNvGrpSpPr/>
         <p:nvPr/>
       </p:nvGrpSpPr>
@@ -8644,7 +8796,9 @@
       <p:sp>
         <p:nvSpPr>
           <p:cNvPr id="82" name="Google Shape;82;p17"/>
-          <p:cNvSpPr txBox="1"/>
+          <p:cNvSpPr txBox="1">
+            <a:spLocks noGrp="1"/>
+          </p:cNvSpPr>
           <p:nvPr>
             <p:ph type="title"/>
           </p:nvPr>
@@ -8659,12 +8813,12 @@
           </a:prstGeom>
         </p:spPr>
         <p:txBody>
-          <a:bodyPr anchorCtr="0" anchor="t" bIns="91425" lIns="91425" spcFirstLastPara="1" rIns="91425" wrap="square" tIns="91425">
+          <a:bodyPr spcFirstLastPara="1" wrap="square" lIns="91425" tIns="91425" rIns="91425" bIns="91425" anchor="t" anchorCtr="0">
             <a:normAutofit fontScale="90000"/>
           </a:bodyPr>
           <a:lstStyle/>
           <a:p>
-            <a:pPr indent="0" lvl="0" marL="0" rtl="0" algn="l">
+            <a:pPr marL="0" lvl="0" indent="0" algn="l" rtl="0">
               <a:spcBef>
                 <a:spcPts val="0"/>
               </a:spcBef>
@@ -8684,9 +8838,11 @@
       <p:sp>
         <p:nvSpPr>
           <p:cNvPr id="83" name="Google Shape;83;p17"/>
-          <p:cNvSpPr txBox="1"/>
+          <p:cNvSpPr txBox="1">
+            <a:spLocks noGrp="1"/>
+          </p:cNvSpPr>
           <p:nvPr>
-            <p:ph idx="1" type="body"/>
+            <p:ph type="body" idx="1"/>
           </p:nvPr>
         </p:nvSpPr>
         <p:spPr>
@@ -8699,12 +8855,12 @@
           </a:prstGeom>
         </p:spPr>
         <p:txBody>
-          <a:bodyPr anchorCtr="0" anchor="t" bIns="91425" lIns="91425" spcFirstLastPara="1" rIns="91425" wrap="square" tIns="91425">
+          <a:bodyPr spcFirstLastPara="1" wrap="square" lIns="91425" tIns="91425" rIns="91425" bIns="91425" anchor="t" anchorCtr="0">
             <a:normAutofit/>
           </a:bodyPr>
           <a:lstStyle/>
           <a:p>
-            <a:pPr indent="-342900" lvl="0" marL="457200" rtl="0" algn="l">
+            <a:pPr marL="457200" lvl="0" indent="-342900" algn="l" rtl="0">
               <a:spcBef>
                 <a:spcPts val="0"/>
               </a:spcBef>
@@ -8721,7 +8877,7 @@
             <a:endParaRPr/>
           </a:p>
           <a:p>
-            <a:pPr indent="-342900" lvl="0" marL="457200" rtl="0" algn="l">
+            <a:pPr marL="457200" lvl="0" indent="-342900" algn="l" rtl="0">
               <a:spcBef>
                 <a:spcPts val="0"/>
               </a:spcBef>
@@ -8738,7 +8894,7 @@
             <a:endParaRPr/>
           </a:p>
           <a:p>
-            <a:pPr indent="-342900" lvl="0" marL="457200" rtl="0" algn="l">
+            <a:pPr marL="457200" lvl="0" indent="-342900" algn="l" rtl="0">
               <a:spcBef>
                 <a:spcPts val="0"/>
               </a:spcBef>
@@ -8755,7 +8911,7 @@
             <a:endParaRPr/>
           </a:p>
           <a:p>
-            <a:pPr indent="-342900" lvl="0" marL="457200" rtl="0" algn="l">
+            <a:pPr marL="457200" lvl="0" indent="-342900" algn="l" rtl="0">
               <a:spcBef>
                 <a:spcPts val="0"/>
               </a:spcBef>
@@ -8767,16 +8923,12 @@
             </a:pPr>
             <a:r>
               <a:rPr lang="en"/>
-              <a:t>Stick with the default settings for ‘Virtualenv Environment’ → New Environment, but you will need to find the location of the </a:t>
-            </a:r>
-            <a:r>
-              <a:rPr lang="en"/>
-              <a:t>python.exe executable in the folder you saved Python 3.6 into</a:t>
+              <a:t>Stick with the default settings for ‘Virtualenv Environment’ → New Environment, but you will need to find the location of the python.exe executable in the folder you saved Python 3.6 into</a:t>
             </a:r>
             <a:endParaRPr/>
           </a:p>
           <a:p>
-            <a:pPr indent="-342900" lvl="0" marL="457200" rtl="0" algn="l">
+            <a:pPr marL="457200" lvl="0" indent="-342900" algn="l" rtl="0">
               <a:spcBef>
                 <a:spcPts val="0"/>
               </a:spcBef>
@@ -8803,11 +8955,11 @@
 </file>
 
 <file path=ppt/slides/slide6.xml><?xml version="1.0" encoding="utf-8"?>
-<p:sld xmlns:a="http://schemas.openxmlformats.org/drawingml/2006/main" xmlns:r="http://schemas.openxmlformats.org/officeDocument/2006/relationships" xmlns:mc="http://schemas.openxmlformats.org/markup-compatibility/2006" xmlns:mv="urn:schemas-microsoft-com:mac:vml" xmlns:p="http://schemas.openxmlformats.org/presentationml/2006/main" xmlns:c="http://schemas.openxmlformats.org/drawingml/2006/chart" xmlns:dgm="http://schemas.openxmlformats.org/drawingml/2006/diagram" xmlns:o="urn:schemas-microsoft-com:office:office" xmlns:v="urn:schemas-microsoft-com:vml" xmlns:pvml="urn:schemas-microsoft-com:office:powerpoint" xmlns:com="http://schemas.openxmlformats.org/drawingml/2006/compatibility" xmlns:p14="http://schemas.microsoft.com/office/powerpoint/2010/main" xmlns:p15="http://schemas.microsoft.com/office/powerpoint/2012/main" xmlns:ahyp="http://schemas.microsoft.com/office/drawing/2018/hyperlinkcolor">
+<p:sld xmlns:a="http://schemas.openxmlformats.org/drawingml/2006/main" xmlns:r="http://schemas.openxmlformats.org/officeDocument/2006/relationships" xmlns:p="http://schemas.openxmlformats.org/presentationml/2006/main">
   <p:cSld>
     <p:spTree>
       <p:nvGrpSpPr>
-        <p:cNvPr id="87" name="Shape 87"/>
+        <p:cNvPr id="1" name="Shape 87"/>
         <p:cNvGrpSpPr/>
         <p:nvPr/>
       </p:nvGrpSpPr>
@@ -8822,7 +8974,9 @@
       <p:sp>
         <p:nvSpPr>
           <p:cNvPr id="88" name="Google Shape;88;p18"/>
-          <p:cNvSpPr txBox="1"/>
+          <p:cNvSpPr txBox="1">
+            <a:spLocks noGrp="1"/>
+          </p:cNvSpPr>
           <p:nvPr>
             <p:ph type="title"/>
           </p:nvPr>
@@ -8837,12 +8991,12 @@
           </a:prstGeom>
         </p:spPr>
         <p:txBody>
-          <a:bodyPr anchorCtr="0" anchor="t" bIns="91425" lIns="91425" spcFirstLastPara="1" rIns="91425" wrap="square" tIns="91425">
+          <a:bodyPr spcFirstLastPara="1" wrap="square" lIns="91425" tIns="91425" rIns="91425" bIns="91425" anchor="t" anchorCtr="0">
             <a:normAutofit fontScale="90000"/>
           </a:bodyPr>
           <a:lstStyle/>
           <a:p>
-            <a:pPr indent="0" lvl="0" marL="0" rtl="0" algn="l">
+            <a:pPr marL="0" lvl="0" indent="0" algn="l" rtl="0">
               <a:spcBef>
                 <a:spcPts val="0"/>
               </a:spcBef>
@@ -8862,9 +9016,11 @@
       <p:sp>
         <p:nvSpPr>
           <p:cNvPr id="89" name="Google Shape;89;p18"/>
-          <p:cNvSpPr txBox="1"/>
+          <p:cNvSpPr txBox="1">
+            <a:spLocks noGrp="1"/>
+          </p:cNvSpPr>
           <p:nvPr>
-            <p:ph idx="1" type="body"/>
+            <p:ph type="body" idx="1"/>
           </p:nvPr>
         </p:nvSpPr>
         <p:spPr>
@@ -8877,12 +9033,12 @@
           </a:prstGeom>
         </p:spPr>
         <p:txBody>
-          <a:bodyPr anchorCtr="0" anchor="t" bIns="91425" lIns="91425" spcFirstLastPara="1" rIns="91425" wrap="square" tIns="91425">
+          <a:bodyPr spcFirstLastPara="1" wrap="square" lIns="91425" tIns="91425" rIns="91425" bIns="91425" anchor="t" anchorCtr="0">
             <a:normAutofit/>
           </a:bodyPr>
           <a:lstStyle/>
           <a:p>
-            <a:pPr indent="-342900" lvl="0" marL="457200" rtl="0" algn="l">
+            <a:pPr marL="457200" lvl="0" indent="-342900" algn="l" rtl="0">
               <a:spcBef>
                 <a:spcPts val="0"/>
               </a:spcBef>
@@ -8899,7 +9055,7 @@
             <a:endParaRPr/>
           </a:p>
           <a:p>
-            <a:pPr indent="-342900" lvl="0" marL="457200" rtl="0" algn="l">
+            <a:pPr marL="457200" lvl="0" indent="-342900" algn="l" rtl="0">
               <a:spcBef>
                 <a:spcPts val="0"/>
               </a:spcBef>
@@ -8916,7 +9072,7 @@
             <a:endParaRPr/>
           </a:p>
           <a:p>
-            <a:pPr indent="-342900" lvl="0" marL="457200" rtl="0" algn="l">
+            <a:pPr marL="457200" lvl="0" indent="-342900" algn="l" rtl="0">
               <a:spcBef>
                 <a:spcPts val="0"/>
               </a:spcBef>
@@ -8933,7 +9089,7 @@
             <a:endParaRPr/>
           </a:p>
           <a:p>
-            <a:pPr indent="-342900" lvl="0" marL="457200" rtl="0" algn="l">
+            <a:pPr marL="457200" lvl="0" indent="-342900" algn="l" rtl="0">
               <a:spcBef>
                 <a:spcPts val="0"/>
               </a:spcBef>
@@ -8959,33 +9115,21 @@
             </a:br>
             <a:r>
               <a:rPr lang="en"/>
-              <a:t>i</a:t>
-            </a:r>
-            <a:r>
-              <a:rPr lang="en"/>
-              <a:t>nvolves installing Anaconda</a:t>
+              <a:t>involves installing Anaconda</a:t>
             </a:r>
             <a:br>
               <a:rPr lang="en"/>
             </a:br>
             <a:r>
               <a:rPr lang="en"/>
-              <a:t>a</a:t>
-            </a:r>
-            <a:r>
-              <a:rPr lang="en"/>
-              <a:t>nd making a venv</a:t>
+              <a:t>and making a venv</a:t>
             </a:r>
             <a:br>
               <a:rPr lang="en"/>
             </a:br>
             <a:r>
               <a:rPr lang="en"/>
-              <a:t>t</a:t>
-            </a:r>
-            <a:r>
-              <a:rPr lang="en"/>
-              <a:t>o run the simulation using that</a:t>
+              <a:t>to run the simulation using that</a:t>
             </a:r>
             <a:br>
               <a:rPr lang="en"/>
@@ -9008,7 +9152,7 @@
           <a:blip r:embed="rId3">
             <a:alphaModFix/>
           </a:blip>
-          <a:srcRect b="56544" l="18732" r="0" t="0"/>
+          <a:srcRect l="18732" b="56544"/>
           <a:stretch/>
         </p:blipFill>
         <p:spPr>
@@ -9034,11 +9178,11 @@
 </file>
 
 <file path=ppt/slides/slide7.xml><?xml version="1.0" encoding="utf-8"?>
-<p:sld xmlns:a="http://schemas.openxmlformats.org/drawingml/2006/main" xmlns:r="http://schemas.openxmlformats.org/officeDocument/2006/relationships" xmlns:mc="http://schemas.openxmlformats.org/markup-compatibility/2006" xmlns:mv="urn:schemas-microsoft-com:mac:vml" xmlns:p="http://schemas.openxmlformats.org/presentationml/2006/main" xmlns:c="http://schemas.openxmlformats.org/drawingml/2006/chart" xmlns:dgm="http://schemas.openxmlformats.org/drawingml/2006/diagram" xmlns:o="urn:schemas-microsoft-com:office:office" xmlns:v="urn:schemas-microsoft-com:vml" xmlns:pvml="urn:schemas-microsoft-com:office:powerpoint" xmlns:com="http://schemas.openxmlformats.org/drawingml/2006/compatibility" xmlns:p14="http://schemas.microsoft.com/office/powerpoint/2010/main" xmlns:p15="http://schemas.microsoft.com/office/powerpoint/2012/main" xmlns:ahyp="http://schemas.microsoft.com/office/drawing/2018/hyperlinkcolor">
+<p:sld xmlns:a="http://schemas.openxmlformats.org/drawingml/2006/main" xmlns:r="http://schemas.openxmlformats.org/officeDocument/2006/relationships" xmlns:p="http://schemas.openxmlformats.org/presentationml/2006/main">
   <p:cSld>
     <p:spTree>
       <p:nvGrpSpPr>
-        <p:cNvPr id="94" name="Shape 94"/>
+        <p:cNvPr id="1" name="Shape 94"/>
         <p:cNvGrpSpPr/>
         <p:nvPr/>
       </p:nvGrpSpPr>
@@ -9053,7 +9197,9 @@
       <p:sp>
         <p:nvSpPr>
           <p:cNvPr id="95" name="Google Shape;95;p19"/>
-          <p:cNvSpPr txBox="1"/>
+          <p:cNvSpPr txBox="1">
+            <a:spLocks noGrp="1"/>
+          </p:cNvSpPr>
           <p:nvPr>
             <p:ph type="title"/>
           </p:nvPr>
@@ -9068,12 +9214,12 @@
           </a:prstGeom>
         </p:spPr>
         <p:txBody>
-          <a:bodyPr anchorCtr="0" anchor="t" bIns="91425" lIns="91425" spcFirstLastPara="1" rIns="91425" wrap="square" tIns="91425">
+          <a:bodyPr spcFirstLastPara="1" wrap="square" lIns="91425" tIns="91425" rIns="91425" bIns="91425" anchor="t" anchorCtr="0">
             <a:normAutofit fontScale="90000"/>
           </a:bodyPr>
           <a:lstStyle/>
           <a:p>
-            <a:pPr indent="0" lvl="0" marL="0" rtl="0" algn="l">
+            <a:pPr marL="0" lvl="0" indent="0" algn="l" rtl="0">
               <a:spcBef>
                 <a:spcPts val="0"/>
               </a:spcBef>
@@ -9093,9 +9239,11 @@
       <p:sp>
         <p:nvSpPr>
           <p:cNvPr id="96" name="Google Shape;96;p19"/>
-          <p:cNvSpPr txBox="1"/>
+          <p:cNvSpPr txBox="1">
+            <a:spLocks noGrp="1"/>
+          </p:cNvSpPr>
           <p:nvPr>
-            <p:ph idx="1" type="body"/>
+            <p:ph type="body" idx="1"/>
           </p:nvPr>
         </p:nvSpPr>
         <p:spPr>
@@ -9108,12 +9256,12 @@
           </a:prstGeom>
         </p:spPr>
         <p:txBody>
-          <a:bodyPr anchorCtr="0" anchor="t" bIns="91425" lIns="91425" spcFirstLastPara="1" rIns="91425" wrap="square" tIns="91425">
+          <a:bodyPr spcFirstLastPara="1" wrap="square" lIns="91425" tIns="91425" rIns="91425" bIns="91425" anchor="t" anchorCtr="0">
             <a:normAutofit/>
           </a:bodyPr>
           <a:lstStyle/>
           <a:p>
-            <a:pPr indent="-342900" lvl="0" marL="457200" rtl="0" algn="l">
+            <a:pPr marL="457200" lvl="0" indent="-342900" algn="l" rtl="0">
               <a:spcBef>
                 <a:spcPts val="0"/>
               </a:spcBef>
@@ -9130,7 +9278,7 @@
             <a:endParaRPr/>
           </a:p>
           <a:p>
-            <a:pPr indent="-342900" lvl="0" marL="457200" rtl="0" algn="l">
+            <a:pPr marL="457200" lvl="0" indent="-342900" algn="l" rtl="0">
               <a:spcBef>
                 <a:spcPts val="0"/>
               </a:spcBef>
@@ -9145,21 +9293,17 @@
               <a:t>On the left, click on ‘Environments’ and then in the bottom middle click ‘Create’. </a:t>
             </a:r>
             <a:r>
-              <a:rPr b="1" i="1" lang="en"/>
+              <a:rPr lang="en" b="1" i="1"/>
               <a:t>Make a note of the location it saves the venv to</a:t>
             </a:r>
             <a:r>
               <a:rPr lang="en"/>
-              <a:t>, and ensure the version of Python it uses is 3.6. This will create a basic conda virtual environment (I call it pdpython to </a:t>
-            </a:r>
-            <a:r>
-              <a:rPr lang="en"/>
-              <a:t>match the folder but it doesn’t matter too much).</a:t>
+              <a:t>, and ensure the version of Python it uses is 3.6. This will create a basic conda virtual environment (I call it pdpython to match the folder but it doesn’t matter too much).</a:t>
             </a:r>
             <a:endParaRPr/>
           </a:p>
           <a:p>
-            <a:pPr indent="-342900" lvl="0" marL="457200" rtl="0" algn="l">
+            <a:pPr marL="457200" lvl="0" indent="-342900" algn="l" rtl="0">
               <a:spcBef>
                 <a:spcPts val="0"/>
               </a:spcBef>
@@ -9221,11 +9365,11 @@
 </file>
 
 <file path=ppt/slides/slide8.xml><?xml version="1.0" encoding="utf-8"?>
-<p:sld xmlns:a="http://schemas.openxmlformats.org/drawingml/2006/main" xmlns:r="http://schemas.openxmlformats.org/officeDocument/2006/relationships" xmlns:mc="http://schemas.openxmlformats.org/markup-compatibility/2006" xmlns:mv="urn:schemas-microsoft-com:mac:vml" xmlns:p="http://schemas.openxmlformats.org/presentationml/2006/main" xmlns:c="http://schemas.openxmlformats.org/drawingml/2006/chart" xmlns:dgm="http://schemas.openxmlformats.org/drawingml/2006/diagram" xmlns:o="urn:schemas-microsoft-com:office:office" xmlns:v="urn:schemas-microsoft-com:vml" xmlns:pvml="urn:schemas-microsoft-com:office:powerpoint" xmlns:com="http://schemas.openxmlformats.org/drawingml/2006/compatibility" xmlns:p14="http://schemas.microsoft.com/office/powerpoint/2010/main" xmlns:p15="http://schemas.microsoft.com/office/powerpoint/2012/main" xmlns:ahyp="http://schemas.microsoft.com/office/drawing/2018/hyperlinkcolor">
+<p:sld xmlns:a="http://schemas.openxmlformats.org/drawingml/2006/main" xmlns:r="http://schemas.openxmlformats.org/officeDocument/2006/relationships" xmlns:p="http://schemas.openxmlformats.org/presentationml/2006/main">
   <p:cSld>
     <p:spTree>
       <p:nvGrpSpPr>
-        <p:cNvPr id="101" name="Shape 101"/>
+        <p:cNvPr id="1" name="Shape 101"/>
         <p:cNvGrpSpPr/>
         <p:nvPr/>
       </p:nvGrpSpPr>
@@ -9240,7 +9384,9 @@
       <p:sp>
         <p:nvSpPr>
           <p:cNvPr id="102" name="Google Shape;102;p20"/>
-          <p:cNvSpPr txBox="1"/>
+          <p:cNvSpPr txBox="1">
+            <a:spLocks noGrp="1"/>
+          </p:cNvSpPr>
           <p:nvPr>
             <p:ph type="title"/>
           </p:nvPr>
@@ -9255,12 +9401,12 @@
           </a:prstGeom>
         </p:spPr>
         <p:txBody>
-          <a:bodyPr anchorCtr="0" anchor="t" bIns="91425" lIns="91425" spcFirstLastPara="1" rIns="91425" wrap="square" tIns="91425">
+          <a:bodyPr spcFirstLastPara="1" wrap="square" lIns="91425" tIns="91425" rIns="91425" bIns="91425" anchor="t" anchorCtr="0">
             <a:normAutofit fontScale="90000"/>
           </a:bodyPr>
           <a:lstStyle/>
           <a:p>
-            <a:pPr indent="0" lvl="0" marL="0" rtl="0" algn="l">
+            <a:pPr marL="0" lvl="0" indent="0" algn="l" rtl="0">
               <a:spcBef>
                 <a:spcPts val="0"/>
               </a:spcBef>
@@ -9280,9 +9426,11 @@
       <p:sp>
         <p:nvSpPr>
           <p:cNvPr id="103" name="Google Shape;103;p20"/>
-          <p:cNvSpPr txBox="1"/>
+          <p:cNvSpPr txBox="1">
+            <a:spLocks noGrp="1"/>
+          </p:cNvSpPr>
           <p:nvPr>
-            <p:ph idx="1" type="body"/>
+            <p:ph type="body" idx="1"/>
           </p:nvPr>
         </p:nvSpPr>
         <p:spPr>
@@ -9295,12 +9443,12 @@
           </a:prstGeom>
         </p:spPr>
         <p:txBody>
-          <a:bodyPr anchorCtr="0" anchor="t" bIns="91425" lIns="91425" spcFirstLastPara="1" rIns="91425" wrap="square" tIns="91425">
+          <a:bodyPr spcFirstLastPara="1" wrap="square" lIns="91425" tIns="91425" rIns="91425" bIns="91425" anchor="t" anchorCtr="0">
             <a:normAutofit/>
           </a:bodyPr>
           <a:lstStyle/>
           <a:p>
-            <a:pPr indent="-342900" lvl="0" marL="457200" rtl="0" algn="l">
+            <a:pPr marL="457200" lvl="0" indent="-342900" algn="l" rtl="0">
               <a:spcBef>
                 <a:spcPts val="0"/>
               </a:spcBef>
@@ -9317,7 +9465,7 @@
             <a:endParaRPr/>
           </a:p>
           <a:p>
-            <a:pPr indent="-342900" lvl="0" marL="457200" rtl="0" algn="l">
+            <a:pPr marL="457200" lvl="0" indent="-342900" algn="l" rtl="0">
               <a:spcBef>
                 <a:spcPts val="0"/>
               </a:spcBef>
@@ -9332,7 +9480,7 @@
               <a:t>Once this has finished installing, do the same command with </a:t>
             </a:r>
             <a:r>
-              <a:rPr i="1" lang="en"/>
+              <a:rPr lang="en" i="1"/>
               <a:t>scipy</a:t>
             </a:r>
             <a:r>
@@ -9342,7 +9490,7 @@
             <a:endParaRPr/>
           </a:p>
           <a:p>
-            <a:pPr indent="-342900" lvl="0" marL="457200" rtl="0" algn="l">
+            <a:pPr marL="457200" lvl="0" indent="-342900" algn="l" rtl="0">
               <a:spcBef>
                 <a:spcPts val="0"/>
               </a:spcBef>
@@ -9359,7 +9507,7 @@
             <a:endParaRPr/>
           </a:p>
           <a:p>
-            <a:pPr indent="-342900" lvl="0" marL="457200" rtl="0" algn="l">
+            <a:pPr marL="457200" lvl="0" indent="-342900" algn="l" rtl="0">
               <a:spcBef>
                 <a:spcPts val="0"/>
               </a:spcBef>
@@ -9371,11 +9519,7 @@
             </a:pPr>
             <a:r>
               <a:rPr lang="en"/>
-              <a:t>Open up the File → Settings → </a:t>
-            </a:r>
-            <a:r>
-              <a:rPr lang="en"/>
-              <a:t>Project: pdpython → Project Interpreter and then click the cog to the right of the file path, and select ‘Add’ from the drop-down menu</a:t>
+              <a:t>Open up the File → Settings → Project: pdpython → Project Interpreter and then click the cog to the right of the file path, and select ‘Add’ from the drop-down menu</a:t>
             </a:r>
             <a:endParaRPr/>
           </a:p>
@@ -9390,11 +9534,11 @@
 </file>
 
 <file path=ppt/slides/slide9.xml><?xml version="1.0" encoding="utf-8"?>
-<p:sld xmlns:a="http://schemas.openxmlformats.org/drawingml/2006/main" xmlns:r="http://schemas.openxmlformats.org/officeDocument/2006/relationships" xmlns:mc="http://schemas.openxmlformats.org/markup-compatibility/2006" xmlns:mv="urn:schemas-microsoft-com:mac:vml" xmlns:p="http://schemas.openxmlformats.org/presentationml/2006/main" xmlns:c="http://schemas.openxmlformats.org/drawingml/2006/chart" xmlns:dgm="http://schemas.openxmlformats.org/drawingml/2006/diagram" xmlns:o="urn:schemas-microsoft-com:office:office" xmlns:v="urn:schemas-microsoft-com:vml" xmlns:pvml="urn:schemas-microsoft-com:office:powerpoint" xmlns:com="http://schemas.openxmlformats.org/drawingml/2006/compatibility" xmlns:p14="http://schemas.microsoft.com/office/powerpoint/2010/main" xmlns:p15="http://schemas.microsoft.com/office/powerpoint/2012/main" xmlns:ahyp="http://schemas.microsoft.com/office/drawing/2018/hyperlinkcolor">
+<p:sld xmlns:a="http://schemas.openxmlformats.org/drawingml/2006/main" xmlns:r="http://schemas.openxmlformats.org/officeDocument/2006/relationships" xmlns:p="http://schemas.openxmlformats.org/presentationml/2006/main">
   <p:cSld>
     <p:spTree>
       <p:nvGrpSpPr>
-        <p:cNvPr id="107" name="Shape 107"/>
+        <p:cNvPr id="1" name="Shape 107"/>
         <p:cNvGrpSpPr/>
         <p:nvPr/>
       </p:nvGrpSpPr>
@@ -9409,7 +9553,9 @@
       <p:sp>
         <p:nvSpPr>
           <p:cNvPr id="108" name="Google Shape;108;p21"/>
-          <p:cNvSpPr txBox="1"/>
+          <p:cNvSpPr txBox="1">
+            <a:spLocks noGrp="1"/>
+          </p:cNvSpPr>
           <p:nvPr>
             <p:ph type="title"/>
           </p:nvPr>
@@ -9424,12 +9570,12 @@
           </a:prstGeom>
         </p:spPr>
         <p:txBody>
-          <a:bodyPr anchorCtr="0" anchor="t" bIns="91425" lIns="91425" spcFirstLastPara="1" rIns="91425" wrap="square" tIns="91425">
+          <a:bodyPr spcFirstLastPara="1" wrap="square" lIns="91425" tIns="91425" rIns="91425" bIns="91425" anchor="t" anchorCtr="0">
             <a:normAutofit fontScale="90000"/>
           </a:bodyPr>
           <a:lstStyle/>
           <a:p>
-            <a:pPr indent="0" lvl="0" marL="0" rtl="0" algn="l">
+            <a:pPr marL="0" lvl="0" indent="0" algn="l" rtl="0">
               <a:spcBef>
                 <a:spcPts val="0"/>
               </a:spcBef>
@@ -9449,9 +9595,11 @@
       <p:sp>
         <p:nvSpPr>
           <p:cNvPr id="109" name="Google Shape;109;p21"/>
-          <p:cNvSpPr txBox="1"/>
+          <p:cNvSpPr txBox="1">
+            <a:spLocks noGrp="1"/>
+          </p:cNvSpPr>
           <p:nvPr>
-            <p:ph idx="1" type="body"/>
+            <p:ph type="body" idx="1"/>
           </p:nvPr>
         </p:nvSpPr>
         <p:spPr>
@@ -9464,12 +9612,12 @@
           </a:prstGeom>
         </p:spPr>
         <p:txBody>
-          <a:bodyPr anchorCtr="0" anchor="t" bIns="91425" lIns="91425" spcFirstLastPara="1" rIns="91425" wrap="square" tIns="91425">
+          <a:bodyPr spcFirstLastPara="1" wrap="square" lIns="91425" tIns="91425" rIns="91425" bIns="91425" anchor="t" anchorCtr="0">
             <a:normAutofit/>
           </a:bodyPr>
           <a:lstStyle/>
           <a:p>
-            <a:pPr indent="-342900" lvl="0" marL="457200" rtl="0" algn="l">
+            <a:pPr marL="457200" lvl="0" indent="-342900" algn="l" rtl="0">
               <a:spcBef>
                 <a:spcPts val="0"/>
               </a:spcBef>
@@ -9486,7 +9634,7 @@
             <a:endParaRPr/>
           </a:p>
           <a:p>
-            <a:pPr indent="-342900" lvl="0" marL="457200" rtl="0" algn="l">
+            <a:pPr marL="457200" lvl="0" indent="-342900" algn="l" rtl="0">
               <a:spcBef>
                 <a:spcPts val="0"/>
               </a:spcBef>
@@ -9503,7 +9651,7 @@
             <a:endParaRPr/>
           </a:p>
           <a:p>
-            <a:pPr indent="-342900" lvl="0" marL="457200" rtl="0" algn="l">
+            <a:pPr marL="457200" lvl="0" indent="-342900" algn="l" rtl="0">
               <a:spcBef>
                 <a:spcPts val="0"/>
               </a:spcBef>
@@ -9520,7 +9668,7 @@
             <a:endParaRPr/>
           </a:p>
           <a:p>
-            <a:pPr indent="-342900" lvl="0" marL="457200" rtl="0" algn="l">
+            <a:pPr marL="457200" lvl="0" indent="-342900" algn="l" rtl="0">
               <a:spcBef>
                 <a:spcPts val="0"/>
               </a:spcBef>
@@ -9547,7 +9695,7 @@
 </file>
 
 <file path=ppt/theme/theme1.xml><?xml version="1.0" encoding="utf-8"?>
-<a:theme xmlns:a="http://schemas.openxmlformats.org/drawingml/2006/main" xmlns:r="http://schemas.openxmlformats.org/officeDocument/2006/relationships" name="Simple Light">
+<a:theme xmlns:a="http://schemas.openxmlformats.org/drawingml/2006/main" name="Simple Light">
   <a:themeElements>
     <a:clrScheme name="Simple Light">
       <a:dk1>
@@ -9822,11 +9970,13 @@
       </a:bgFillStyleLst>
     </a:fmtScheme>
   </a:themeElements>
+  <a:objectDefaults/>
+  <a:extraClrSchemeLst/>
 </a:theme>
 </file>
 
 <file path=ppt/theme/theme2.xml><?xml version="1.0" encoding="utf-8"?>
-<a:theme xmlns:a="http://schemas.openxmlformats.org/drawingml/2006/main" xmlns:r="http://schemas.openxmlformats.org/officeDocument/2006/relationships">
+<a:theme xmlns:a="http://schemas.openxmlformats.org/drawingml/2006/main">
   <a:themeElements>
     <a:clrScheme name="Default">
       <a:dk1>
@@ -10101,5 +10251,7 @@
       </a:bgFillStyleLst>
     </a:fmtScheme>
   </a:themeElements>
+  <a:objectDefaults/>
+  <a:extraClrSchemeLst/>
 </a:theme>
 </file>
--- a/pdpython_model/Setup and Run Instructions.pptx
+++ b/pdpython_model/Setup and Run Instructions.pptx
@@ -274,6 +274,100 @@
 
 <file path=ppt/changesInfos/changesInfo1.xml><?xml version="1.0" encoding="utf-8"?>
 <pc:chgInfo xmlns:a="http://schemas.openxmlformats.org/drawingml/2006/main" xmlns:r="http://schemas.openxmlformats.org/officeDocument/2006/relationships" xmlns:ac="http://schemas.microsoft.com/office/drawing/2013/main/command" xmlns:pc="http://schemas.microsoft.com/office/powerpoint/2013/main/command">
+  <pc:docChgLst>
+    <pc:chgData name="Grace Feehan" userId="244ec274-38e0-4347-bd52-283324a416e2" providerId="ADAL" clId="{4FB34418-ABD2-4938-8140-7CE8980AAEEA}"/>
+    <pc:docChg chg="undo custSel modSld">
+      <pc:chgData name="Grace Feehan" userId="244ec274-38e0-4347-bd52-283324a416e2" providerId="ADAL" clId="{4FB34418-ABD2-4938-8140-7CE8980AAEEA}" dt="2023-01-23T15:29:38.546" v="97" actId="14100"/>
+      <pc:docMkLst>
+        <pc:docMk/>
+      </pc:docMkLst>
+      <pc:sldChg chg="addSp delSp mod">
+        <pc:chgData name="Grace Feehan" userId="244ec274-38e0-4347-bd52-283324a416e2" providerId="ADAL" clId="{4FB34418-ABD2-4938-8140-7CE8980AAEEA}" dt="2023-01-23T15:22:24.845" v="1" actId="21"/>
+        <pc:sldMkLst>
+          <pc:docMk/>
+          <pc:sldMk cId="0" sldId="258"/>
+        </pc:sldMkLst>
+        <pc:spChg chg="add del">
+          <ac:chgData name="Grace Feehan" userId="244ec274-38e0-4347-bd52-283324a416e2" providerId="ADAL" clId="{4FB34418-ABD2-4938-8140-7CE8980AAEEA}" dt="2023-01-23T15:22:24.845" v="1" actId="21"/>
+          <ac:spMkLst>
+            <pc:docMk/>
+            <pc:sldMk cId="0" sldId="258"/>
+            <ac:spMk id="69" creationId="{00000000-0000-0000-0000-000000000000}"/>
+          </ac:spMkLst>
+        </pc:spChg>
+        <pc:spChg chg="add del">
+          <ac:chgData name="Grace Feehan" userId="244ec274-38e0-4347-bd52-283324a416e2" providerId="ADAL" clId="{4FB34418-ABD2-4938-8140-7CE8980AAEEA}" dt="2023-01-23T15:22:24.845" v="1" actId="21"/>
+          <ac:spMkLst>
+            <pc:docMk/>
+            <pc:sldMk cId="0" sldId="258"/>
+            <ac:spMk id="70" creationId="{00000000-0000-0000-0000-000000000000}"/>
+          </ac:spMkLst>
+        </pc:spChg>
+        <pc:picChg chg="add del">
+          <ac:chgData name="Grace Feehan" userId="244ec274-38e0-4347-bd52-283324a416e2" providerId="ADAL" clId="{4FB34418-ABD2-4938-8140-7CE8980AAEEA}" dt="2023-01-23T15:22:24.845" v="1" actId="21"/>
+          <ac:picMkLst>
+            <pc:docMk/>
+            <pc:sldMk cId="0" sldId="258"/>
+            <ac:picMk id="67" creationId="{00000000-0000-0000-0000-000000000000}"/>
+          </ac:picMkLst>
+        </pc:picChg>
+        <pc:picChg chg="add del">
+          <ac:chgData name="Grace Feehan" userId="244ec274-38e0-4347-bd52-283324a416e2" providerId="ADAL" clId="{4FB34418-ABD2-4938-8140-7CE8980AAEEA}" dt="2023-01-23T15:22:24.845" v="1" actId="21"/>
+          <ac:picMkLst>
+            <pc:docMk/>
+            <pc:sldMk cId="0" sldId="258"/>
+            <ac:picMk id="68" creationId="{00000000-0000-0000-0000-000000000000}"/>
+          </ac:picMkLst>
+        </pc:picChg>
+      </pc:sldChg>
+      <pc:sldChg chg="modSp mod">
+        <pc:chgData name="Grace Feehan" userId="244ec274-38e0-4347-bd52-283324a416e2" providerId="ADAL" clId="{4FB34418-ABD2-4938-8140-7CE8980AAEEA}" dt="2023-01-23T15:29:38.546" v="97" actId="14100"/>
+        <pc:sldMkLst>
+          <pc:docMk/>
+          <pc:sldMk cId="0" sldId="259"/>
+        </pc:sldMkLst>
+        <pc:picChg chg="mod">
+          <ac:chgData name="Grace Feehan" userId="244ec274-38e0-4347-bd52-283324a416e2" providerId="ADAL" clId="{4FB34418-ABD2-4938-8140-7CE8980AAEEA}" dt="2023-01-23T15:29:38.546" v="97" actId="14100"/>
+          <ac:picMkLst>
+            <pc:docMk/>
+            <pc:sldMk cId="0" sldId="259"/>
+            <ac:picMk id="77" creationId="{00000000-0000-0000-0000-000000000000}"/>
+          </ac:picMkLst>
+        </pc:picChg>
+      </pc:sldChg>
+      <pc:sldChg chg="addSp modSp mod">
+        <pc:chgData name="Grace Feehan" userId="244ec274-38e0-4347-bd52-283324a416e2" providerId="ADAL" clId="{4FB34418-ABD2-4938-8140-7CE8980AAEEA}" dt="2023-01-23T15:29:21.019" v="96" actId="14100"/>
+        <pc:sldMkLst>
+          <pc:docMk/>
+          <pc:sldMk cId="0" sldId="261"/>
+        </pc:sldMkLst>
+        <pc:spChg chg="add mod">
+          <ac:chgData name="Grace Feehan" userId="244ec274-38e0-4347-bd52-283324a416e2" providerId="ADAL" clId="{4FB34418-ABD2-4938-8140-7CE8980AAEEA}" dt="2023-01-23T15:29:21.019" v="96" actId="14100"/>
+          <ac:spMkLst>
+            <pc:docMk/>
+            <pc:sldMk cId="0" sldId="261"/>
+            <ac:spMk id="2" creationId="{FA58666D-0649-5922-E4FF-669D5CA09743}"/>
+          </ac:spMkLst>
+        </pc:spChg>
+        <pc:spChg chg="mod">
+          <ac:chgData name="Grace Feehan" userId="244ec274-38e0-4347-bd52-283324a416e2" providerId="ADAL" clId="{4FB34418-ABD2-4938-8140-7CE8980AAEEA}" dt="2023-01-23T15:28:51.777" v="91" actId="20577"/>
+          <ac:spMkLst>
+            <pc:docMk/>
+            <pc:sldMk cId="0" sldId="261"/>
+            <ac:spMk id="89" creationId="{00000000-0000-0000-0000-000000000000}"/>
+          </ac:spMkLst>
+        </pc:spChg>
+        <pc:picChg chg="mod">
+          <ac:chgData name="Grace Feehan" userId="244ec274-38e0-4347-bd52-283324a416e2" providerId="ADAL" clId="{4FB34418-ABD2-4938-8140-7CE8980AAEEA}" dt="2023-01-23T15:28:54.502" v="92" actId="1076"/>
+          <ac:picMkLst>
+            <pc:docMk/>
+            <pc:sldMk cId="0" sldId="261"/>
+            <ac:picMk id="90" creationId="{00000000-0000-0000-0000-000000000000}"/>
+          </ac:picMkLst>
+        </pc:picChg>
+      </pc:sldChg>
+    </pc:docChg>
+  </pc:docChgLst>
   <pc:docChgLst>
     <pc:chgData name="Grace Feehan" userId="244ec274-38e0-4347-bd52-283324a416e2" providerId="ADAL" clId="{EA2D7754-1892-469A-8333-E13836BCDCC3}"/>
     <pc:docChg chg="custSel modSld">
@@ -1464,7 +1558,7 @@
         </p:nvSpPr>
         <p:spPr>
           <a:xfrm>
-            <a:off x="381300" y="685800"/>
+            <a:off x="381000" y="685800"/>
             <a:ext cx="6096000" cy="3429000"/>
           </a:xfrm>
           <a:custGeom>
@@ -1568,7 +1662,7 @@
         </p:nvSpPr>
         <p:spPr>
           <a:xfrm>
-            <a:off x="381300" y="685800"/>
+            <a:off x="381000" y="685800"/>
             <a:ext cx="6096000" cy="3429000"/>
           </a:xfrm>
           <a:custGeom>
@@ -1776,7 +1870,7 @@
         </p:nvSpPr>
         <p:spPr>
           <a:xfrm>
-            <a:off x="381300" y="685800"/>
+            <a:off x="381000" y="685800"/>
             <a:ext cx="6096000" cy="3429000"/>
           </a:xfrm>
           <a:custGeom>
@@ -8757,7 +8851,7 @@
         <p:spPr>
           <a:xfrm>
             <a:off x="7273975" y="177625"/>
-            <a:ext cx="1457400" cy="4921451"/>
+            <a:ext cx="1457400" cy="4673581"/>
           </a:xfrm>
           <a:prstGeom prst="rect">
             <a:avLst/>
@@ -9034,7 +9128,7 @@
         </p:spPr>
         <p:txBody>
           <a:bodyPr spcFirstLastPara="1" wrap="square" lIns="91425" tIns="91425" rIns="91425" bIns="91425" anchor="t" anchorCtr="0">
-            <a:normAutofit/>
+            <a:normAutofit fontScale="85000" lnSpcReduction="20000"/>
           </a:bodyPr>
           <a:lstStyle/>
           <a:p>
@@ -9049,10 +9143,10 @@
               <a:buChar char="●"/>
             </a:pPr>
             <a:r>
-              <a:rPr lang="en"/>
+              <a:rPr lang="en" dirty="0"/>
               <a:t>Once the virtual environment is set up, you will need to install the libraries the simulation uses</a:t>
             </a:r>
-            <a:endParaRPr/>
+            <a:endParaRPr dirty="0"/>
           </a:p>
           <a:p>
             <a:pPr marL="457200" lvl="0" indent="-342900" algn="l" rtl="0">
@@ -9066,10 +9160,10 @@
               <a:buChar char="●"/>
             </a:pPr>
             <a:r>
-              <a:rPr lang="en"/>
+              <a:rPr lang="en" dirty="0"/>
               <a:t>Click the little ‘+’ symbol next to the list of already installed libraries</a:t>
             </a:r>
-            <a:endParaRPr/>
+            <a:endParaRPr dirty="0"/>
           </a:p>
           <a:p>
             <a:pPr marL="457200" lvl="0" indent="-342900" algn="l" rtl="0">
@@ -9083,10 +9177,155 @@
               <a:buChar char="●"/>
             </a:pPr>
             <a:r>
-              <a:rPr lang="en"/>
-              <a:t>The two main libraries needed are ‘mesa’ and ‘scipy’</a:t>
-            </a:r>
-            <a:endParaRPr/>
+              <a:rPr lang="en" dirty="0"/>
+              <a:t>The </a:t>
+            </a:r>
+            <a:r>
+              <a:rPr lang="en-GB" dirty="0"/>
+              <a:t>main libraries required are:</a:t>
+            </a:r>
+          </a:p>
+          <a:p>
+            <a:pPr marL="800100" lvl="1" indent="-342900">
+              <a:lnSpc>
+                <a:spcPct val="107000"/>
+              </a:lnSpc>
+              <a:buFont typeface="Symbol" panose="05050102010706020507" pitchFamily="18" charset="2"/>
+              <a:buChar char=""/>
+            </a:pPr>
+            <a:r>
+              <a:rPr lang="en-GB" dirty="0">
+                <a:effectLst/>
+                <a:latin typeface="Calibri" panose="020F0502020204030204" pitchFamily="34" charset="0"/>
+                <a:ea typeface="Calibri" panose="020F0502020204030204" pitchFamily="34" charset="0"/>
+                <a:cs typeface="Times New Roman" panose="02020603050405020304" pitchFamily="18" charset="0"/>
+              </a:rPr>
+              <a:t>Mesa</a:t>
+            </a:r>
+          </a:p>
+          <a:p>
+            <a:pPr marL="800100" lvl="1" indent="-342900">
+              <a:lnSpc>
+                <a:spcPct val="107000"/>
+              </a:lnSpc>
+              <a:buFont typeface="Symbol" panose="05050102010706020507" pitchFamily="18" charset="2"/>
+              <a:buChar char=""/>
+            </a:pPr>
+            <a:r>
+              <a:rPr lang="en-GB" dirty="0">
+                <a:effectLst/>
+                <a:latin typeface="Calibri" panose="020F0502020204030204" pitchFamily="34" charset="0"/>
+                <a:ea typeface="Calibri" panose="020F0502020204030204" pitchFamily="34" charset="0"/>
+                <a:cs typeface="Times New Roman" panose="02020603050405020304" pitchFamily="18" charset="0"/>
+              </a:rPr>
+              <a:t>Matplotlib</a:t>
+            </a:r>
+          </a:p>
+          <a:p>
+            <a:pPr marL="800100" lvl="1" indent="-342900">
+              <a:lnSpc>
+                <a:spcPct val="107000"/>
+              </a:lnSpc>
+              <a:buFont typeface="Symbol" panose="05050102010706020507" pitchFamily="18" charset="2"/>
+              <a:buChar char=""/>
+            </a:pPr>
+            <a:r>
+              <a:rPr lang="en-GB" dirty="0" err="1">
+                <a:effectLst/>
+                <a:latin typeface="Calibri" panose="020F0502020204030204" pitchFamily="34" charset="0"/>
+                <a:ea typeface="Calibri" panose="020F0502020204030204" pitchFamily="34" charset="0"/>
+                <a:cs typeface="Times New Roman" panose="02020603050405020304" pitchFamily="18" charset="0"/>
+              </a:rPr>
+              <a:t>NetworkX</a:t>
+            </a:r>
+            <a:endParaRPr lang="en-GB" dirty="0">
+              <a:effectLst/>
+              <a:latin typeface="Calibri" panose="020F0502020204030204" pitchFamily="34" charset="0"/>
+              <a:ea typeface="Calibri" panose="020F0502020204030204" pitchFamily="34" charset="0"/>
+              <a:cs typeface="Times New Roman" panose="02020603050405020304" pitchFamily="18" charset="0"/>
+            </a:endParaRPr>
+          </a:p>
+          <a:p>
+            <a:pPr marL="800100" lvl="1" indent="-342900">
+              <a:lnSpc>
+                <a:spcPct val="107000"/>
+              </a:lnSpc>
+              <a:buFont typeface="Symbol" panose="05050102010706020507" pitchFamily="18" charset="2"/>
+              <a:buChar char=""/>
+            </a:pPr>
+            <a:r>
+              <a:rPr lang="en-GB" dirty="0" err="1">
+                <a:effectLst/>
+                <a:latin typeface="Calibri" panose="020F0502020204030204" pitchFamily="34" charset="0"/>
+                <a:ea typeface="Calibri" panose="020F0502020204030204" pitchFamily="34" charset="0"/>
+                <a:cs typeface="Times New Roman" panose="02020603050405020304" pitchFamily="18" charset="0"/>
+              </a:rPr>
+              <a:t>Pyvis</a:t>
+            </a:r>
+            <a:endParaRPr lang="en-GB" dirty="0">
+              <a:effectLst/>
+              <a:latin typeface="Calibri" panose="020F0502020204030204" pitchFamily="34" charset="0"/>
+              <a:ea typeface="Calibri" panose="020F0502020204030204" pitchFamily="34" charset="0"/>
+              <a:cs typeface="Times New Roman" panose="02020603050405020304" pitchFamily="18" charset="0"/>
+            </a:endParaRPr>
+          </a:p>
+          <a:p>
+            <a:pPr marL="800100" lvl="1" indent="-342900">
+              <a:lnSpc>
+                <a:spcPct val="107000"/>
+              </a:lnSpc>
+              <a:buFont typeface="Symbol" panose="05050102010706020507" pitchFamily="18" charset="2"/>
+              <a:buChar char=""/>
+            </a:pPr>
+            <a:r>
+              <a:rPr lang="en-GB" dirty="0">
+                <a:effectLst/>
+                <a:latin typeface="Calibri" panose="020F0502020204030204" pitchFamily="34" charset="0"/>
+                <a:ea typeface="Calibri" panose="020F0502020204030204" pitchFamily="34" charset="0"/>
+                <a:cs typeface="Times New Roman" panose="02020603050405020304" pitchFamily="18" charset="0"/>
+              </a:rPr>
+              <a:t>NumPy</a:t>
+            </a:r>
+          </a:p>
+          <a:p>
+            <a:pPr marL="800100" lvl="1" indent="-342900">
+              <a:lnSpc>
+                <a:spcPct val="107000"/>
+              </a:lnSpc>
+              <a:buFont typeface="Symbol" panose="05050102010706020507" pitchFamily="18" charset="2"/>
+              <a:buChar char=""/>
+            </a:pPr>
+            <a:r>
+              <a:rPr lang="en-GB" dirty="0">
+                <a:effectLst/>
+                <a:latin typeface="Calibri" panose="020F0502020204030204" pitchFamily="34" charset="0"/>
+                <a:ea typeface="Calibri" panose="020F0502020204030204" pitchFamily="34" charset="0"/>
+                <a:cs typeface="Times New Roman" panose="02020603050405020304" pitchFamily="18" charset="0"/>
+              </a:rPr>
+              <a:t>Pandas</a:t>
+            </a:r>
+          </a:p>
+          <a:p>
+            <a:pPr marL="800100" lvl="1" indent="-342900">
+              <a:lnSpc>
+                <a:spcPct val="107000"/>
+              </a:lnSpc>
+              <a:spcAft>
+                <a:spcPts val="800"/>
+              </a:spcAft>
+              <a:buFont typeface="Symbol" panose="05050102010706020507" pitchFamily="18" charset="2"/>
+              <a:buChar char=""/>
+            </a:pPr>
+            <a:r>
+              <a:rPr lang="en-GB" dirty="0" err="1">
+                <a:effectLst/>
+                <a:latin typeface="Calibri" panose="020F0502020204030204" pitchFamily="34" charset="0"/>
+                <a:ea typeface="Calibri" panose="020F0502020204030204" pitchFamily="34" charset="0"/>
+                <a:cs typeface="Times New Roman" panose="02020603050405020304" pitchFamily="18" charset="0"/>
+              </a:rPr>
+              <a:t>Scipy</a:t>
+            </a:r>
+            <a:endParaRPr dirty="0"/>
           </a:p>
           <a:p>
             <a:pPr marL="457200" lvl="0" indent="-342900" algn="l" rtl="0">
@@ -9100,45 +9339,42 @@
               <a:buChar char="●"/>
             </a:pPr>
             <a:r>
-              <a:rPr lang="en"/>
-              <a:t>If mesa does not show up, it’s going to be a lot more difficult to set up the </a:t>
+              <a:rPr lang="en" dirty="0"/>
+              <a:t>If mesa does not show up, the </a:t>
             </a:r>
             <a:br>
-              <a:rPr lang="en"/>
+              <a:rPr lang="en" dirty="0"/>
             </a:br>
             <a:r>
-              <a:rPr lang="en"/>
-              <a:t>environment as the alternative</a:t>
+              <a:rPr lang="en" dirty="0"/>
+              <a:t>alternative involves installing </a:t>
             </a:r>
             <a:br>
-              <a:rPr lang="en"/>
+              <a:rPr lang="en" dirty="0"/>
             </a:br>
             <a:r>
-              <a:rPr lang="en"/>
-              <a:t>involves installing Anaconda</a:t>
+              <a:rPr lang="en" b="1" dirty="0"/>
+              <a:t>Anaconda</a:t>
+            </a:r>
+            <a:r>
+              <a:rPr lang="en" dirty="0"/>
+              <a:t> and making a venv</a:t>
             </a:r>
             <a:br>
-              <a:rPr lang="en"/>
+              <a:rPr lang="en" dirty="0"/>
             </a:br>
             <a:r>
-              <a:rPr lang="en"/>
-              <a:t>and making a venv</a:t>
+              <a:rPr lang="en" dirty="0"/>
+              <a:t>to run the simulation using that</a:t>
             </a:r>
             <a:br>
-              <a:rPr lang="en"/>
+              <a:rPr lang="en" dirty="0"/>
             </a:br>
             <a:r>
-              <a:rPr lang="en"/>
-              <a:t>to run the simulation using that</a:t>
-            </a:r>
-            <a:br>
-              <a:rPr lang="en"/>
-            </a:br>
-            <a:r>
-              <a:rPr lang="en"/>
-              <a:t>instead</a:t>
-            </a:r>
-            <a:endParaRPr/>
+              <a:rPr lang="en" dirty="0"/>
+              <a:t>instead.</a:t>
+            </a:r>
+            <a:endParaRPr dirty="0"/>
           </a:p>
         </p:txBody>
       </p:sp>
@@ -9157,7 +9393,7 @@
         </p:blipFill>
         <p:spPr>
           <a:xfrm>
-            <a:off x="4474000" y="2767225"/>
+            <a:off x="4229694" y="2230766"/>
             <a:ext cx="4256600" cy="1924824"/>
           </a:xfrm>
           <a:prstGeom prst="rect">
@@ -9169,6 +9405,58 @@
           </a:ln>
         </p:spPr>
       </p:pic>
+      <p:sp>
+        <p:nvSpPr>
+          <p:cNvPr id="2" name="Oval 1">
+            <a:extLst>
+              <a:ext uri="{FF2B5EF4-FFF2-40B4-BE49-F238E27FC236}">
+                <a16:creationId xmlns:a16="http://schemas.microsoft.com/office/drawing/2014/main" id="{FA58666D-0649-5922-E4FF-669D5CA09743}"/>
+              </a:ext>
+            </a:extLst>
+          </p:cNvPr>
+          <p:cNvSpPr/>
+          <p:nvPr/>
+        </p:nvSpPr>
+        <p:spPr>
+          <a:xfrm>
+            <a:off x="8055096" y="2743200"/>
+            <a:ext cx="481631" cy="460690"/>
+          </a:xfrm>
+          <a:prstGeom prst="ellipse">
+            <a:avLst/>
+          </a:prstGeom>
+          <a:noFill/>
+          <a:ln>
+            <a:solidFill>
+              <a:srgbClr val="FF0000"/>
+            </a:solidFill>
+          </a:ln>
+        </p:spPr>
+        <p:style>
+          <a:lnRef idx="2">
+            <a:schemeClr val="accent1">
+              <a:shade val="50000"/>
+            </a:schemeClr>
+          </a:lnRef>
+          <a:fillRef idx="1">
+            <a:schemeClr val="accent1"/>
+          </a:fillRef>
+          <a:effectRef idx="0">
+            <a:schemeClr val="accent1"/>
+          </a:effectRef>
+          <a:fontRef idx="minor">
+            <a:schemeClr val="lt1"/>
+          </a:fontRef>
+        </p:style>
+        <p:txBody>
+          <a:bodyPr rtlCol="0" anchor="ctr"/>
+          <a:lstStyle/>
+          <a:p>
+            <a:pPr algn="ctr"/>
+            <a:endParaRPr lang="en-GB"/>
+          </a:p>
+        </p:txBody>
+      </p:sp>
     </p:spTree>
   </p:cSld>
   <p:clrMapOvr>

--- a/pdpython_model/Setup and Run Instructions.pptx
+++ b/pdpython_model/Setup and Run Instructions.pptx
@@ -272,12 +272,20 @@
 </p:presentation>
 </file>
 
+<file path=ppt/revisionInfo.xml><?xml version="1.0" encoding="utf-8"?>
+<p1510:revInfo xmlns:a="http://schemas.openxmlformats.org/drawingml/2006/main" xmlns:r="http://schemas.openxmlformats.org/officeDocument/2006/relationships" xmlns:p1510="http://schemas.microsoft.com/office/powerpoint/2015/10/main">
+  <p1510:revLst>
+    <p1510:client id="{4FB34418-ABD2-4938-8140-7CE8980AAEEA}" v="2" dt="2023-01-23T17:42:31.114"/>
+  </p1510:revLst>
+</p1510:revInfo>
+</file>
+
 <file path=ppt/changesInfos/changesInfo1.xml><?xml version="1.0" encoding="utf-8"?>
 <pc:chgInfo xmlns:a="http://schemas.openxmlformats.org/drawingml/2006/main" xmlns:r="http://schemas.openxmlformats.org/officeDocument/2006/relationships" xmlns:ac="http://schemas.microsoft.com/office/drawing/2013/main/command" xmlns:pc="http://schemas.microsoft.com/office/powerpoint/2013/main/command">
   <pc:docChgLst>
     <pc:chgData name="Grace Feehan" userId="244ec274-38e0-4347-bd52-283324a416e2" providerId="ADAL" clId="{4FB34418-ABD2-4938-8140-7CE8980AAEEA}"/>
-    <pc:docChg chg="undo custSel modSld">
-      <pc:chgData name="Grace Feehan" userId="244ec274-38e0-4347-bd52-283324a416e2" providerId="ADAL" clId="{4FB34418-ABD2-4938-8140-7CE8980AAEEA}" dt="2023-01-23T15:29:38.546" v="97" actId="14100"/>
+    <pc:docChg chg="undo custSel addSld delSld modSld">
+      <pc:chgData name="Grace Feehan" userId="244ec274-38e0-4347-bd52-283324a416e2" providerId="ADAL" clId="{4FB34418-ABD2-4938-8140-7CE8980AAEEA}" dt="2023-01-23T17:43:44.637" v="371" actId="478"/>
       <pc:docMkLst>
         <pc:docMk/>
       </pc:docMkLst>
@@ -320,14 +328,14 @@
           </ac:picMkLst>
         </pc:picChg>
       </pc:sldChg>
-      <pc:sldChg chg="modSp mod">
-        <pc:chgData name="Grace Feehan" userId="244ec274-38e0-4347-bd52-283324a416e2" providerId="ADAL" clId="{4FB34418-ABD2-4938-8140-7CE8980AAEEA}" dt="2023-01-23T15:29:38.546" v="97" actId="14100"/>
+      <pc:sldChg chg="delSp modSp mod">
+        <pc:chgData name="Grace Feehan" userId="244ec274-38e0-4347-bd52-283324a416e2" providerId="ADAL" clId="{4FB34418-ABD2-4938-8140-7CE8980AAEEA}" dt="2023-01-23T17:39:42.407" v="98" actId="478"/>
         <pc:sldMkLst>
           <pc:docMk/>
           <pc:sldMk cId="0" sldId="259"/>
         </pc:sldMkLst>
-        <pc:picChg chg="mod">
-          <ac:chgData name="Grace Feehan" userId="244ec274-38e0-4347-bd52-283324a416e2" providerId="ADAL" clId="{4FB34418-ABD2-4938-8140-7CE8980AAEEA}" dt="2023-01-23T15:29:38.546" v="97" actId="14100"/>
+        <pc:picChg chg="del mod">
+          <ac:chgData name="Grace Feehan" userId="244ec274-38e0-4347-bd52-283324a416e2" providerId="ADAL" clId="{4FB34418-ABD2-4938-8140-7CE8980AAEEA}" dt="2023-01-23T17:39:42.407" v="98" actId="478"/>
           <ac:picMkLst>
             <pc:docMk/>
             <pc:sldMk cId="0" sldId="259"/>
@@ -365,6 +373,74 @@
             <ac:picMk id="90" creationId="{00000000-0000-0000-0000-000000000000}"/>
           </ac:picMkLst>
         </pc:picChg>
+      </pc:sldChg>
+      <pc:sldChg chg="modSp mod">
+        <pc:chgData name="Grace Feehan" userId="244ec274-38e0-4347-bd52-283324a416e2" providerId="ADAL" clId="{4FB34418-ABD2-4938-8140-7CE8980AAEEA}" dt="2023-01-23T17:40:56.609" v="193" actId="20577"/>
+        <pc:sldMkLst>
+          <pc:docMk/>
+          <pc:sldMk cId="0" sldId="265"/>
+        </pc:sldMkLst>
+        <pc:spChg chg="mod">
+          <ac:chgData name="Grace Feehan" userId="244ec274-38e0-4347-bd52-283324a416e2" providerId="ADAL" clId="{4FB34418-ABD2-4938-8140-7CE8980AAEEA}" dt="2023-01-23T17:40:56.609" v="193" actId="20577"/>
+          <ac:spMkLst>
+            <pc:docMk/>
+            <pc:sldMk cId="0" sldId="265"/>
+            <ac:spMk id="117" creationId="{00000000-0000-0000-0000-000000000000}"/>
+          </ac:spMkLst>
+        </pc:spChg>
+      </pc:sldChg>
+      <pc:sldChg chg="addSp delSp modSp mod">
+        <pc:chgData name="Grace Feehan" userId="244ec274-38e0-4347-bd52-283324a416e2" providerId="ADAL" clId="{4FB34418-ABD2-4938-8140-7CE8980AAEEA}" dt="2023-01-23T17:42:44.988" v="310" actId="20577"/>
+        <pc:sldMkLst>
+          <pc:docMk/>
+          <pc:sldMk cId="0" sldId="266"/>
+        </pc:sldMkLst>
+        <pc:spChg chg="add del">
+          <ac:chgData name="Grace Feehan" userId="244ec274-38e0-4347-bd52-283324a416e2" providerId="ADAL" clId="{4FB34418-ABD2-4938-8140-7CE8980AAEEA}" dt="2023-01-23T17:42:31.114" v="261"/>
+          <ac:spMkLst>
+            <pc:docMk/>
+            <pc:sldMk cId="0" sldId="266"/>
+            <ac:spMk id="2" creationId="{F5FA4231-A614-9837-0862-7DF425266615}"/>
+          </ac:spMkLst>
+        </pc:spChg>
+        <pc:spChg chg="mod">
+          <ac:chgData name="Grace Feehan" userId="244ec274-38e0-4347-bd52-283324a416e2" providerId="ADAL" clId="{4FB34418-ABD2-4938-8140-7CE8980AAEEA}" dt="2023-01-23T17:42:44.988" v="310" actId="20577"/>
+          <ac:spMkLst>
+            <pc:docMk/>
+            <pc:sldMk cId="0" sldId="266"/>
+            <ac:spMk id="123" creationId="{00000000-0000-0000-0000-000000000000}"/>
+          </ac:spMkLst>
+        </pc:spChg>
+      </pc:sldChg>
+      <pc:sldChg chg="del">
+        <pc:chgData name="Grace Feehan" userId="244ec274-38e0-4347-bd52-283324a416e2" providerId="ADAL" clId="{4FB34418-ABD2-4938-8140-7CE8980AAEEA}" dt="2023-01-23T17:43:24.766" v="311" actId="2696"/>
+        <pc:sldMkLst>
+          <pc:docMk/>
+          <pc:sldMk cId="0" sldId="268"/>
+        </pc:sldMkLst>
+      </pc:sldChg>
+      <pc:sldChg chg="delSp modSp new mod">
+        <pc:chgData name="Grace Feehan" userId="244ec274-38e0-4347-bd52-283324a416e2" providerId="ADAL" clId="{4FB34418-ABD2-4938-8140-7CE8980AAEEA}" dt="2023-01-23T17:43:44.637" v="371" actId="478"/>
+        <pc:sldMkLst>
+          <pc:docMk/>
+          <pc:sldMk cId="2039429996" sldId="268"/>
+        </pc:sldMkLst>
+        <pc:spChg chg="mod">
+          <ac:chgData name="Grace Feehan" userId="244ec274-38e0-4347-bd52-283324a416e2" providerId="ADAL" clId="{4FB34418-ABD2-4938-8140-7CE8980AAEEA}" dt="2023-01-23T17:43:41.372" v="370" actId="20577"/>
+          <ac:spMkLst>
+            <pc:docMk/>
+            <pc:sldMk cId="2039429996" sldId="268"/>
+            <ac:spMk id="2" creationId="{84EACBEF-E42E-E77D-D901-652B9CC961EF}"/>
+          </ac:spMkLst>
+        </pc:spChg>
+        <pc:spChg chg="del">
+          <ac:chgData name="Grace Feehan" userId="244ec274-38e0-4347-bd52-283324a416e2" providerId="ADAL" clId="{4FB34418-ABD2-4938-8140-7CE8980AAEEA}" dt="2023-01-23T17:43:44.637" v="371" actId="478"/>
+          <ac:spMkLst>
+            <pc:docMk/>
+            <pc:sldMk cId="2039429996" sldId="268"/>
+            <ac:spMk id="3" creationId="{439CEB71-D443-3A88-C5AD-548DDE7E5BF4}"/>
+          </ac:spMkLst>
+        </pc:spChg>
       </pc:sldChg>
     </pc:docChg>
   </pc:docChgLst>
@@ -1278,110 +1354,6 @@
       <p:sp>
         <p:nvSpPr>
           <p:cNvPr id="128" name="Google Shape;128;gd76b327238_0_0:notes"/>
-          <p:cNvSpPr txBox="1">
-            <a:spLocks noGrp="1"/>
-          </p:cNvSpPr>
-          <p:nvPr>
-            <p:ph type="body" idx="1"/>
-          </p:nvPr>
-        </p:nvSpPr>
-        <p:spPr>
-          <a:xfrm>
-            <a:off x="685800" y="4343400"/>
-            <a:ext cx="5486400" cy="4114800"/>
-          </a:xfrm>
-          <a:prstGeom prst="rect">
-            <a:avLst/>
-          </a:prstGeom>
-        </p:spPr>
-        <p:txBody>
-          <a:bodyPr spcFirstLastPara="1" wrap="square" lIns="91425" tIns="91425" rIns="91425" bIns="91425" anchor="t" anchorCtr="0">
-            <a:noAutofit/>
-          </a:bodyPr>
-          <a:lstStyle/>
-          <a:p>
-            <a:pPr marL="0" lvl="0" indent="0" algn="l" rtl="0">
-              <a:spcBef>
-                <a:spcPts val="0"/>
-              </a:spcBef>
-              <a:spcAft>
-                <a:spcPts val="0"/>
-              </a:spcAft>
-              <a:buNone/>
-            </a:pPr>
-            <a:endParaRPr/>
-          </a:p>
-        </p:txBody>
-      </p:sp>
-    </p:spTree>
-  </p:cSld>
-  <p:clrMapOvr>
-    <a:masterClrMapping/>
-  </p:clrMapOvr>
-</p:notes>
-</file>
-
-<file path=ppt/notesSlides/notesSlide13.xml><?xml version="1.0" encoding="utf-8"?>
-<p:notes xmlns:a="http://schemas.openxmlformats.org/drawingml/2006/main" xmlns:r="http://schemas.openxmlformats.org/officeDocument/2006/relationships" xmlns:p="http://schemas.openxmlformats.org/presentationml/2006/main" showMasterSp="0" showMasterPhAnim="0">
-  <p:cSld>
-    <p:spTree>
-      <p:nvGrpSpPr>
-        <p:cNvPr id="1" name="Shape 134"/>
-        <p:cNvGrpSpPr/>
-        <p:nvPr/>
-      </p:nvGrpSpPr>
-      <p:grpSpPr>
-        <a:xfrm>
-          <a:off x="0" y="0"/>
-          <a:ext cx="0" cy="0"/>
-          <a:chOff x="0" y="0"/>
-          <a:chExt cx="0" cy="0"/>
-        </a:xfrm>
-      </p:grpSpPr>
-      <p:sp>
-        <p:nvSpPr>
-          <p:cNvPr id="135" name="Google Shape;135;gc3b09ac85a_0_65:notes"/>
-          <p:cNvSpPr>
-            <a:spLocks noGrp="1" noRot="1" noChangeAspect="1"/>
-          </p:cNvSpPr>
-          <p:nvPr>
-            <p:ph type="sldImg" idx="2"/>
-          </p:nvPr>
-        </p:nvSpPr>
-        <p:spPr>
-          <a:xfrm>
-            <a:off x="381000" y="685800"/>
-            <a:ext cx="6096000" cy="3429000"/>
-          </a:xfrm>
-          <a:custGeom>
-            <a:avLst/>
-            <a:gdLst/>
-            <a:ahLst/>
-            <a:cxnLst/>
-            <a:rect l="l" t="t" r="r" b="b"/>
-            <a:pathLst>
-              <a:path w="120000" h="120000" extrusionOk="0">
-                <a:moveTo>
-                  <a:pt x="0" y="0"/>
-                </a:moveTo>
-                <a:lnTo>
-                  <a:pt x="120000" y="0"/>
-                </a:lnTo>
-                <a:lnTo>
-                  <a:pt x="120000" y="120000"/>
-                </a:lnTo>
-                <a:lnTo>
-                  <a:pt x="0" y="120000"/>
-                </a:lnTo>
-                <a:close/>
-              </a:path>
-            </a:pathLst>
-          </a:custGeom>
-        </p:spPr>
-      </p:sp>
-      <p:sp>
-        <p:nvSpPr>
-          <p:cNvPr id="136" name="Google Shape;136;gc3b09ac85a_0_65:notes"/>
           <p:cNvSpPr txBox="1">
             <a:spLocks noGrp="1"/>
           </p:cNvSpPr>
@@ -7304,7 +7276,7 @@
             </a:pPr>
             <a:r>
               <a:rPr lang="en" sz="1200" dirty="0"/>
-              <a:t>Once the interpreter is set up, running either the moody_run or the sarsa_run </a:t>
+              <a:t>Once the interpreter is set up, running either the moody_run.py or the fixed_random_run.py </a:t>
             </a:r>
             <a:br>
               <a:rPr lang="en" sz="1200" dirty="0"/>
@@ -7382,6 +7354,57 @@
               </a:rPr>
               <a:t> file (including number of iterations), and run that file instead.</a:t>
             </a:r>
+          </a:p>
+          <a:p>
+            <a:pPr lvl="1" indent="-300037">
+              <a:buSzPct val="100000"/>
+              <a:buChar char="●"/>
+            </a:pPr>
+            <a:r>
+              <a:rPr lang="en" sz="800" dirty="0">
+                <a:solidFill>
+                  <a:schemeClr val="tx1"/>
+                </a:solidFill>
+              </a:rPr>
+              <a:t>UPDATE JANUARY 2023: </a:t>
+            </a:r>
+            <a:r>
+              <a:rPr lang="en-GB" sz="800" i="1" dirty="0">
+                <a:solidFill>
+                  <a:schemeClr val="tx1"/>
+                </a:solidFill>
+              </a:rPr>
+              <a:t>See</a:t>
+            </a:r>
+            <a:r>
+              <a:rPr lang="en" sz="800" i="1" dirty="0">
+                <a:solidFill>
+                  <a:schemeClr val="tx1"/>
+                </a:solidFill>
+              </a:rPr>
+              <a:t> </a:t>
+            </a:r>
+            <a:r>
+              <a:rPr lang="en-GB" sz="800" i="1" dirty="0">
+                <a:solidFill>
+                  <a:schemeClr val="tx1"/>
+                </a:solidFill>
+              </a:rPr>
+              <a:t>How</a:t>
+            </a:r>
+            <a:r>
+              <a:rPr lang="en" sz="800" i="1" dirty="0">
+                <a:solidFill>
+                  <a:schemeClr val="tx1"/>
+                </a:solidFill>
+              </a:rPr>
+              <a:t> to Run .docx file for more details!</a:t>
+            </a:r>
+            <a:endParaRPr lang="en" sz="800" dirty="0">
+              <a:solidFill>
+                <a:schemeClr val="tx1"/>
+              </a:solidFill>
+            </a:endParaRPr>
           </a:p>
         </p:txBody>
       </p:sp>
@@ -7480,7 +7503,7 @@
         </p:spPr>
         <p:txBody>
           <a:bodyPr spcFirstLastPara="1" wrap="square" lIns="91425" tIns="91425" rIns="91425" bIns="91425" anchor="t" anchorCtr="0">
-            <a:normAutofit fontScale="62500" lnSpcReduction="20000"/>
+            <a:normAutofit fontScale="55000" lnSpcReduction="20000"/>
           </a:bodyPr>
           <a:lstStyle/>
           <a:p>
@@ -7510,7 +7533,14 @@
             </a:br>
             <a:r>
               <a:rPr lang="en" dirty="0"/>
-              <a:t>is structured as you desire (around line 586).</a:t>
+              <a:t>is structured as you desire (Search for ‘CONCATENATOR’ and </a:t>
+            </a:r>
+            <a:br>
+              <a:rPr lang="en" dirty="0"/>
+            </a:br>
+            <a:r>
+              <a:rPr lang="en" dirty="0"/>
+              <a:t>line below it)</a:t>
             </a:r>
           </a:p>
           <a:p>
@@ -7533,7 +7563,14 @@
             </a:br>
             <a:r>
               <a:rPr lang="en" b="1" dirty="0"/>
-              <a:t>‘batch_run.py’ and select ‘Run ‘batch_run’’</a:t>
+              <a:t>‘batch_run.py’ or ‘fixed_random_batchrun.py’</a:t>
+            </a:r>
+            <a:br>
+              <a:rPr lang="en" b="1" dirty="0"/>
+            </a:br>
+            <a:r>
+              <a:rPr lang="en" b="1" dirty="0"/>
+              <a:t>and select ‘Run [filename]’</a:t>
             </a:r>
             <a:br>
               <a:rPr lang="en" b="1" dirty="0"/>
@@ -8100,7 +8137,7 @@
   <p:cSld>
     <p:spTree>
       <p:nvGrpSpPr>
-        <p:cNvPr id="1" name="Shape 137"/>
+        <p:cNvPr id="1" name=""/>
         <p:cNvGrpSpPr/>
         <p:nvPr/>
       </p:nvGrpSpPr>
@@ -8114,132 +8151,40 @@
       </p:grpSpPr>
       <p:sp>
         <p:nvSpPr>
-          <p:cNvPr id="138" name="Google Shape;138;p25"/>
-          <p:cNvSpPr txBox="1">
+          <p:cNvPr id="2" name="Title 1">
+            <a:extLst>
+              <a:ext uri="{FF2B5EF4-FFF2-40B4-BE49-F238E27FC236}">
+                <a16:creationId xmlns:a16="http://schemas.microsoft.com/office/drawing/2014/main" id="{84EACBEF-E42E-E77D-D901-652B9CC961EF}"/>
+              </a:ext>
+            </a:extLst>
+          </p:cNvPr>
+          <p:cNvSpPr>
             <a:spLocks noGrp="1"/>
           </p:cNvSpPr>
           <p:nvPr>
             <p:ph type="title"/>
           </p:nvPr>
         </p:nvSpPr>
-        <p:spPr>
-          <a:xfrm>
-            <a:off x="311700" y="445025"/>
-            <a:ext cx="8520600" cy="572700"/>
-          </a:xfrm>
-          <a:prstGeom prst="rect">
-            <a:avLst/>
-          </a:prstGeom>
-        </p:spPr>
+        <p:spPr/>
         <p:txBody>
-          <a:bodyPr spcFirstLastPara="1" wrap="square" lIns="91425" tIns="91425" rIns="91425" bIns="91425" anchor="t" anchorCtr="0">
+          <a:bodyPr>
             <a:normAutofit fontScale="90000"/>
           </a:bodyPr>
           <a:lstStyle/>
           <a:p>
-            <a:pPr marL="0" lvl="0" indent="0" algn="l" rtl="0">
-              <a:spcBef>
-                <a:spcPts val="0"/>
-              </a:spcBef>
-              <a:spcAft>
-                <a:spcPts val="0"/>
-              </a:spcAft>
-              <a:buNone/>
-            </a:pPr>
-            <a:r>
-              <a:rPr lang="en"/>
-              <a:t>Other Notes</a:t>
-            </a:r>
-            <a:endParaRPr/>
-          </a:p>
-        </p:txBody>
-      </p:sp>
-      <p:sp>
-        <p:nvSpPr>
-          <p:cNvPr id="139" name="Google Shape;139;p25"/>
-          <p:cNvSpPr txBox="1">
-            <a:spLocks noGrp="1"/>
-          </p:cNvSpPr>
-          <p:nvPr>
-            <p:ph type="body" idx="1"/>
-          </p:nvPr>
-        </p:nvSpPr>
-        <p:spPr>
-          <a:xfrm>
-            <a:off x="311700" y="1152475"/>
-            <a:ext cx="8520600" cy="3416400"/>
-          </a:xfrm>
-          <a:prstGeom prst="rect">
-            <a:avLst/>
-          </a:prstGeom>
-        </p:spPr>
-        <p:txBody>
-          <a:bodyPr spcFirstLastPara="1" wrap="square" lIns="91425" tIns="91425" rIns="91425" bIns="91425" anchor="t" anchorCtr="0">
-            <a:normAutofit/>
-          </a:bodyPr>
-          <a:lstStyle/>
-          <a:p>
-            <a:pPr marL="457200" lvl="0" indent="-342900" algn="l" rtl="0">
-              <a:spcBef>
-                <a:spcPts val="0"/>
-              </a:spcBef>
-              <a:spcAft>
-                <a:spcPts val="0"/>
-              </a:spcAft>
-              <a:buSzPts val="1800"/>
-              <a:buChar char="●"/>
-            </a:pPr>
-            <a:r>
-              <a:rPr lang="en" dirty="0"/>
-              <a:t>If you could add the data files to a .zip folder and send them to </a:t>
-            </a:r>
-            <a:br>
-              <a:rPr lang="en" dirty="0"/>
-            </a:br>
-            <a:r>
-              <a:rPr lang="en" dirty="0"/>
-              <a:t>me, I can process them when I have </a:t>
-            </a:r>
-            <a:r>
-              <a:rPr lang="en"/>
-              <a:t>MATLAB available.</a:t>
-            </a:r>
-            <a:br>
-              <a:rPr lang="en" dirty="0"/>
-            </a:br>
-            <a:r>
-              <a:rPr lang="en" b="1" dirty="0"/>
-              <a:t>Don’t touch or move the .csv files named ‘filename_number.csv’, </a:t>
-            </a:r>
-            <a:br>
-              <a:rPr lang="en" b="1" dirty="0"/>
-            </a:br>
-            <a:r>
-              <a:rPr lang="en" b="1" dirty="0"/>
-              <a:t>other than to reset it to zero if you need to after an experiment.</a:t>
-            </a:r>
-            <a:endParaRPr b="1" dirty="0"/>
-          </a:p>
-          <a:p>
-            <a:pPr marL="457200" lvl="0" indent="-342900" algn="l" rtl="0">
-              <a:spcBef>
-                <a:spcPts val="0"/>
-              </a:spcBef>
-              <a:spcAft>
-                <a:spcPts val="0"/>
-              </a:spcAft>
-              <a:buSzPts val="1800"/>
-              <a:buChar char="●"/>
-            </a:pPr>
-            <a:r>
-              <a:rPr lang="en" dirty="0"/>
-              <a:t>The simulation takes up a decent chunk of memory (approximately 30% on the work PCs each) so it is possible to do other stuff whilst it’s running but other memory-intensive programs will result in a simulation crash.</a:t>
-            </a:r>
-            <a:endParaRPr dirty="0"/>
+            <a:r>
+              <a:rPr lang="en-GB" dirty="0"/>
+              <a:t>For more details, please refer to the .docx document!</a:t>
+            </a:r>
           </a:p>
         </p:txBody>
       </p:sp>
     </p:spTree>
+    <p:extLst>
+      <p:ext uri="{BB962C8B-B14F-4D97-AF65-F5344CB8AC3E}">
+        <p14:creationId xmlns:p14="http://schemas.microsoft.com/office/powerpoint/2010/main" val="2039429996"/>
+      </p:ext>
+    </p:extLst>
   </p:cSld>
   <p:clrMapOvr>
     <a:masterClrMapping/>
@@ -8834,34 +8779,6 @@
           </a:p>
         </p:txBody>
       </p:sp>
-      <p:pic>
-        <p:nvPicPr>
-          <p:cNvPr id="77" name="Google Shape;77;p16"/>
-          <p:cNvPicPr preferRelativeResize="0"/>
-          <p:nvPr/>
-        </p:nvPicPr>
-        <p:blipFill>
-          <a:blip r:embed="rId3">
-            <a:alphaModFix/>
-          </a:blip>
-          <a:stretch>
-            <a:fillRect/>
-          </a:stretch>
-        </p:blipFill>
-        <p:spPr>
-          <a:xfrm>
-            <a:off x="7273975" y="177625"/>
-            <a:ext cx="1457400" cy="4673581"/>
-          </a:xfrm>
-          <a:prstGeom prst="rect">
-            <a:avLst/>
-          </a:prstGeom>
-          <a:noFill/>
-          <a:ln>
-            <a:noFill/>
-          </a:ln>
-        </p:spPr>
-      </p:pic>
     </p:spTree>
   </p:cSld>
   <p:clrMapOvr>

--- a/pdpython_model/Setup and Run Instructions.pptx
+++ b/pdpython_model/Setup and Run Instructions.pptx
@@ -275,7 +275,7 @@
 <file path=ppt/revisionInfo.xml><?xml version="1.0" encoding="utf-8"?>
 <p1510:revInfo xmlns:a="http://schemas.openxmlformats.org/drawingml/2006/main" xmlns:r="http://schemas.openxmlformats.org/officeDocument/2006/relationships" xmlns:p1510="http://schemas.microsoft.com/office/powerpoint/2015/10/main">
   <p1510:revLst>
-    <p1510:client id="{4FB34418-ABD2-4938-8140-7CE8980AAEEA}" v="2" dt="2023-01-23T17:42:31.114"/>
+    <p1510:client id="{4FB34418-ABD2-4938-8140-7CE8980AAEEA}" v="4" dt="2023-01-24T10:13:35.523"/>
   </p1510:revLst>
 </p1510:revInfo>
 </file>
@@ -285,7 +285,7 @@
   <pc:docChgLst>
     <pc:chgData name="Grace Feehan" userId="244ec274-38e0-4347-bd52-283324a416e2" providerId="ADAL" clId="{4FB34418-ABD2-4938-8140-7CE8980AAEEA}"/>
     <pc:docChg chg="undo custSel addSld delSld modSld">
-      <pc:chgData name="Grace Feehan" userId="244ec274-38e0-4347-bd52-283324a416e2" providerId="ADAL" clId="{4FB34418-ABD2-4938-8140-7CE8980AAEEA}" dt="2023-01-23T17:43:44.637" v="371" actId="478"/>
+      <pc:chgData name="Grace Feehan" userId="244ec274-38e0-4347-bd52-283324a416e2" providerId="ADAL" clId="{4FB34418-ABD2-4938-8140-7CE8980AAEEA}" dt="2023-01-24T10:13:48.145" v="386" actId="1076"/>
       <pc:docMkLst>
         <pc:docMk/>
       </pc:docMkLst>
@@ -374,8 +374,8 @@
           </ac:picMkLst>
         </pc:picChg>
       </pc:sldChg>
-      <pc:sldChg chg="modSp mod">
-        <pc:chgData name="Grace Feehan" userId="244ec274-38e0-4347-bd52-283324a416e2" providerId="ADAL" clId="{4FB34418-ABD2-4938-8140-7CE8980AAEEA}" dt="2023-01-23T17:40:56.609" v="193" actId="20577"/>
+      <pc:sldChg chg="delSp modSp mod">
+        <pc:chgData name="Grace Feehan" userId="244ec274-38e0-4347-bd52-283324a416e2" providerId="ADAL" clId="{4FB34418-ABD2-4938-8140-7CE8980AAEEA}" dt="2023-01-24T10:13:08.759" v="372" actId="478"/>
         <pc:sldMkLst>
           <pc:docMk/>
           <pc:sldMk cId="0" sldId="265"/>
@@ -388,9 +388,17 @@
             <ac:spMk id="117" creationId="{00000000-0000-0000-0000-000000000000}"/>
           </ac:spMkLst>
         </pc:spChg>
+        <pc:picChg chg="del">
+          <ac:chgData name="Grace Feehan" userId="244ec274-38e0-4347-bd52-283324a416e2" providerId="ADAL" clId="{4FB34418-ABD2-4938-8140-7CE8980AAEEA}" dt="2023-01-24T10:13:08.759" v="372" actId="478"/>
+          <ac:picMkLst>
+            <pc:docMk/>
+            <pc:sldMk cId="0" sldId="265"/>
+            <ac:picMk id="116" creationId="{00000000-0000-0000-0000-000000000000}"/>
+          </ac:picMkLst>
+        </pc:picChg>
       </pc:sldChg>
       <pc:sldChg chg="addSp delSp modSp mod">
-        <pc:chgData name="Grace Feehan" userId="244ec274-38e0-4347-bd52-283324a416e2" providerId="ADAL" clId="{4FB34418-ABD2-4938-8140-7CE8980AAEEA}" dt="2023-01-23T17:42:44.988" v="310" actId="20577"/>
+        <pc:chgData name="Grace Feehan" userId="244ec274-38e0-4347-bd52-283324a416e2" providerId="ADAL" clId="{4FB34418-ABD2-4938-8140-7CE8980AAEEA}" dt="2023-01-24T10:13:18.836" v="374" actId="478"/>
         <pc:sldMkLst>
           <pc:docMk/>
           <pc:sldMk cId="0" sldId="266"/>
@@ -411,13 +419,76 @@
             <ac:spMk id="123" creationId="{00000000-0000-0000-0000-000000000000}"/>
           </ac:spMkLst>
         </pc:spChg>
+        <pc:spChg chg="del">
+          <ac:chgData name="Grace Feehan" userId="244ec274-38e0-4347-bd52-283324a416e2" providerId="ADAL" clId="{4FB34418-ABD2-4938-8140-7CE8980AAEEA}" dt="2023-01-24T10:13:18.009" v="373" actId="478"/>
+          <ac:spMkLst>
+            <pc:docMk/>
+            <pc:sldMk cId="0" sldId="266"/>
+            <ac:spMk id="125" creationId="{00000000-0000-0000-0000-000000000000}"/>
+          </ac:spMkLst>
+        </pc:spChg>
+        <pc:picChg chg="del">
+          <ac:chgData name="Grace Feehan" userId="244ec274-38e0-4347-bd52-283324a416e2" providerId="ADAL" clId="{4FB34418-ABD2-4938-8140-7CE8980AAEEA}" dt="2023-01-24T10:13:18.836" v="374" actId="478"/>
+          <ac:picMkLst>
+            <pc:docMk/>
+            <pc:sldMk cId="0" sldId="266"/>
+            <ac:picMk id="124" creationId="{00000000-0000-0000-0000-000000000000}"/>
+          </ac:picMkLst>
+        </pc:picChg>
       </pc:sldChg>
-      <pc:sldChg chg="del">
-        <pc:chgData name="Grace Feehan" userId="244ec274-38e0-4347-bd52-283324a416e2" providerId="ADAL" clId="{4FB34418-ABD2-4938-8140-7CE8980AAEEA}" dt="2023-01-23T17:43:24.766" v="311" actId="2696"/>
+      <pc:sldChg chg="addSp delSp modSp mod">
+        <pc:chgData name="Grace Feehan" userId="244ec274-38e0-4347-bd52-283324a416e2" providerId="ADAL" clId="{4FB34418-ABD2-4938-8140-7CE8980AAEEA}" dt="2023-01-24T10:13:35.523" v="382"/>
         <pc:sldMkLst>
           <pc:docMk/>
-          <pc:sldMk cId="0" sldId="268"/>
+          <pc:sldMk cId="0" sldId="267"/>
         </pc:sldMkLst>
+        <pc:spChg chg="add del mod">
+          <ac:chgData name="Grace Feehan" userId="244ec274-38e0-4347-bd52-283324a416e2" providerId="ADAL" clId="{4FB34418-ABD2-4938-8140-7CE8980AAEEA}" dt="2023-01-24T10:13:35.523" v="382"/>
+          <ac:spMkLst>
+            <pc:docMk/>
+            <pc:sldMk cId="0" sldId="267"/>
+            <ac:spMk id="2" creationId="{BCF74FCC-FD27-5893-B546-7547F00C3F67}"/>
+          </ac:spMkLst>
+        </pc:spChg>
+        <pc:spChg chg="del">
+          <ac:chgData name="Grace Feehan" userId="244ec274-38e0-4347-bd52-283324a416e2" providerId="ADAL" clId="{4FB34418-ABD2-4938-8140-7CE8980AAEEA}" dt="2023-01-24T10:13:22.961" v="376" actId="478"/>
+          <ac:spMkLst>
+            <pc:docMk/>
+            <pc:sldMk cId="0" sldId="267"/>
+            <ac:spMk id="133" creationId="{00000000-0000-0000-0000-000000000000}"/>
+          </ac:spMkLst>
+        </pc:spChg>
+        <pc:picChg chg="del">
+          <ac:chgData name="Grace Feehan" userId="244ec274-38e0-4347-bd52-283324a416e2" providerId="ADAL" clId="{4FB34418-ABD2-4938-8140-7CE8980AAEEA}" dt="2023-01-24T10:13:22.008" v="375" actId="478"/>
+          <ac:picMkLst>
+            <pc:docMk/>
+            <pc:sldMk cId="0" sldId="267"/>
+            <ac:picMk id="132" creationId="{00000000-0000-0000-0000-000000000000}"/>
+          </ac:picMkLst>
+        </pc:picChg>
+      </pc:sldChg>
+      <pc:sldChg chg="addSp delSp modSp del mod">
+        <pc:chgData name="Grace Feehan" userId="244ec274-38e0-4347-bd52-283324a416e2" providerId="ADAL" clId="{4FB34418-ABD2-4938-8140-7CE8980AAEEA}" dt="2023-01-24T10:13:48.145" v="386" actId="1076"/>
+        <pc:sldMkLst>
+          <pc:docMk/>
+          <pc:sldMk cId="2039429996" sldId="268"/>
+        </pc:sldMkLst>
+        <pc:spChg chg="add del mod">
+          <ac:chgData name="Grace Feehan" userId="244ec274-38e0-4347-bd52-283324a416e2" providerId="ADAL" clId="{4FB34418-ABD2-4938-8140-7CE8980AAEEA}" dt="2023-01-24T10:13:48.145" v="386" actId="1076"/>
+          <ac:spMkLst>
+            <pc:docMk/>
+            <pc:sldMk cId="2039429996" sldId="268"/>
+            <ac:spMk id="2" creationId="{84EACBEF-E42E-E77D-D901-652B9CC961EF}"/>
+          </ac:spMkLst>
+        </pc:spChg>
+        <pc:spChg chg="add del mod">
+          <ac:chgData name="Grace Feehan" userId="244ec274-38e0-4347-bd52-283324a416e2" providerId="ADAL" clId="{4FB34418-ABD2-4938-8140-7CE8980AAEEA}" dt="2023-01-24T10:13:41.210" v="383" actId="21"/>
+          <ac:spMkLst>
+            <pc:docMk/>
+            <pc:sldMk cId="2039429996" sldId="268"/>
+            <ac:spMk id="4" creationId="{C6A30D3A-FD46-95DA-221A-3D2D5830176F}"/>
+          </ac:spMkLst>
+        </pc:spChg>
       </pc:sldChg>
       <pc:sldChg chg="delSp modSp new mod">
         <pc:chgData name="Grace Feehan" userId="244ec274-38e0-4347-bd52-283324a416e2" providerId="ADAL" clId="{4FB34418-ABD2-4938-8140-7CE8980AAEEA}" dt="2023-01-23T17:43:44.637" v="371" actId="478"/>
@@ -524,13 +595,13 @@
         <pc:chgData name="Grace Feehan" userId="244ec274-38e0-4347-bd52-283324a416e2" providerId="ADAL" clId="{EA2D7754-1892-469A-8333-E13836BCDCC3}" dt="2021-09-20T15:34:19.565" v="542" actId="20577"/>
         <pc:sldMkLst>
           <pc:docMk/>
-          <pc:sldMk cId="0" sldId="268"/>
+          <pc:sldMk cId="2039429996" sldId="268"/>
         </pc:sldMkLst>
         <pc:spChg chg="mod">
           <ac:chgData name="Grace Feehan" userId="244ec274-38e0-4347-bd52-283324a416e2" providerId="ADAL" clId="{EA2D7754-1892-469A-8333-E13836BCDCC3}" dt="2021-09-20T15:34:19.565" v="542" actId="20577"/>
           <ac:spMkLst>
             <pc:docMk/>
-            <pc:sldMk cId="0" sldId="268"/>
+            <pc:sldMk cId="2039429996" sldId="268"/>
             <ac:spMk id="139" creationId="{00000000-0000-0000-0000-000000000000}"/>
           </ac:spMkLst>
         </pc:spChg>
@@ -7211,34 +7282,6 @@
           </a:p>
         </p:txBody>
       </p:sp>
-      <p:pic>
-        <p:nvPicPr>
-          <p:cNvPr id="116" name="Google Shape;116;p22"/>
-          <p:cNvPicPr preferRelativeResize="0"/>
-          <p:nvPr/>
-        </p:nvPicPr>
-        <p:blipFill>
-          <a:blip r:embed="rId3">
-            <a:alphaModFix/>
-          </a:blip>
-          <a:stretch>
-            <a:fillRect/>
-          </a:stretch>
-        </p:blipFill>
-        <p:spPr>
-          <a:xfrm>
-            <a:off x="7273975" y="177625"/>
-            <a:ext cx="1457400" cy="4921451"/>
-          </a:xfrm>
-          <a:prstGeom prst="rect">
-            <a:avLst/>
-          </a:prstGeom>
-          <a:noFill/>
-          <a:ln>
-            <a:noFill/>
-          </a:ln>
-        </p:spPr>
-      </p:pic>
       <p:sp>
         <p:nvSpPr>
           <p:cNvPr id="117" name="Google Shape;117;p22"/>
@@ -7712,77 +7755,6 @@
           </a:p>
         </p:txBody>
       </p:sp>
-      <p:pic>
-        <p:nvPicPr>
-          <p:cNvPr id="124" name="Google Shape;124;p23"/>
-          <p:cNvPicPr preferRelativeResize="0"/>
-          <p:nvPr/>
-        </p:nvPicPr>
-        <p:blipFill rotWithShape="1">
-          <a:blip r:embed="rId3">
-            <a:alphaModFix/>
-          </a:blip>
-          <a:srcRect t="8652" r="78552" b="22013"/>
-          <a:stretch/>
-        </p:blipFill>
-        <p:spPr>
-          <a:xfrm>
-            <a:off x="5794750" y="245200"/>
-            <a:ext cx="2501448" cy="4548550"/>
-          </a:xfrm>
-          <a:prstGeom prst="rect">
-            <a:avLst/>
-          </a:prstGeom>
-          <a:noFill/>
-          <a:ln>
-            <a:noFill/>
-          </a:ln>
-        </p:spPr>
-      </p:pic>
-      <p:sp>
-        <p:nvSpPr>
-          <p:cNvPr id="125" name="Google Shape;125;p23"/>
-          <p:cNvSpPr/>
-          <p:nvPr/>
-        </p:nvSpPr>
-        <p:spPr>
-          <a:xfrm>
-            <a:off x="6420800" y="2941725"/>
-            <a:ext cx="1309800" cy="203700"/>
-          </a:xfrm>
-          <a:prstGeom prst="ellipse">
-            <a:avLst/>
-          </a:prstGeom>
-          <a:noFill/>
-          <a:ln w="9525" cap="flat" cmpd="sng">
-            <a:solidFill>
-              <a:srgbClr val="CC0000"/>
-            </a:solidFill>
-            <a:prstDash val="solid"/>
-            <a:round/>
-            <a:headEnd type="none" w="sm" len="sm"/>
-            <a:tailEnd type="none" w="sm" len="sm"/>
-          </a:ln>
-        </p:spPr>
-        <p:txBody>
-          <a:bodyPr spcFirstLastPara="1" wrap="square" lIns="91425" tIns="91425" rIns="91425" bIns="91425" anchor="ctr" anchorCtr="0">
-            <a:noAutofit/>
-          </a:bodyPr>
-          <a:lstStyle/>
-          <a:p>
-            <a:pPr marL="0" lvl="0" indent="0" algn="l" rtl="0">
-              <a:spcBef>
-                <a:spcPts val="0"/>
-              </a:spcBef>
-              <a:spcAft>
-                <a:spcPts val="0"/>
-              </a:spcAft>
-              <a:buNone/>
-            </a:pPr>
-            <a:endParaRPr/>
-          </a:p>
-        </p:txBody>
-      </p:sp>
     </p:spTree>
   </p:cSld>
   <p:clrMapOvr>
@@ -8053,77 +8025,6 @@
           </a:p>
         </p:txBody>
       </p:sp>
-      <p:pic>
-        <p:nvPicPr>
-          <p:cNvPr id="132" name="Google Shape;132;p24"/>
-          <p:cNvPicPr preferRelativeResize="0"/>
-          <p:nvPr/>
-        </p:nvPicPr>
-        <p:blipFill rotWithShape="1">
-          <a:blip r:embed="rId3">
-            <a:alphaModFix/>
-          </a:blip>
-          <a:srcRect t="8652" r="78552" b="22013"/>
-          <a:stretch/>
-        </p:blipFill>
-        <p:spPr>
-          <a:xfrm>
-            <a:off x="5794750" y="245200"/>
-            <a:ext cx="2501448" cy="4548550"/>
-          </a:xfrm>
-          <a:prstGeom prst="rect">
-            <a:avLst/>
-          </a:prstGeom>
-          <a:noFill/>
-          <a:ln>
-            <a:noFill/>
-          </a:ln>
-        </p:spPr>
-      </p:pic>
-      <p:sp>
-        <p:nvSpPr>
-          <p:cNvPr id="133" name="Google Shape;133;p24"/>
-          <p:cNvSpPr/>
-          <p:nvPr/>
-        </p:nvSpPr>
-        <p:spPr>
-          <a:xfrm>
-            <a:off x="6420800" y="2941725"/>
-            <a:ext cx="1309800" cy="203700"/>
-          </a:xfrm>
-          <a:prstGeom prst="ellipse">
-            <a:avLst/>
-          </a:prstGeom>
-          <a:noFill/>
-          <a:ln w="9525" cap="flat" cmpd="sng">
-            <a:solidFill>
-              <a:srgbClr val="CC0000"/>
-            </a:solidFill>
-            <a:prstDash val="solid"/>
-            <a:round/>
-            <a:headEnd type="none" w="sm" len="sm"/>
-            <a:tailEnd type="none" w="sm" len="sm"/>
-          </a:ln>
-        </p:spPr>
-        <p:txBody>
-          <a:bodyPr spcFirstLastPara="1" wrap="square" lIns="91425" tIns="91425" rIns="91425" bIns="91425" anchor="ctr" anchorCtr="0">
-            <a:noAutofit/>
-          </a:bodyPr>
-          <a:lstStyle/>
-          <a:p>
-            <a:pPr marL="0" lvl="0" indent="0" algn="l" rtl="0">
-              <a:spcBef>
-                <a:spcPts val="0"/>
-              </a:spcBef>
-              <a:spcAft>
-                <a:spcPts val="0"/>
-              </a:spcAft>
-              <a:buNone/>
-            </a:pPr>
-            <a:endParaRPr/>
-          </a:p>
-        </p:txBody>
-      </p:sp>
     </p:spTree>
   </p:cSld>
   <p:clrMapOvr>
@@ -8165,13 +8066,19 @@
             <p:ph type="title"/>
           </p:nvPr>
         </p:nvSpPr>
-        <p:spPr/>
+        <p:spPr>
+          <a:xfrm>
+            <a:off x="402442" y="2113281"/>
+            <a:ext cx="8520600" cy="572700"/>
+          </a:xfrm>
+        </p:spPr>
         <p:txBody>
           <a:bodyPr>
             <a:normAutofit fontScale="90000"/>
           </a:bodyPr>
           <a:lstStyle/>
           <a:p>
+            <a:pPr algn="ctr"/>
             <a:r>
               <a:rPr lang="en-GB" dirty="0"/>
               <a:t>For more details, please refer to the .docx document!</a:t>
